--- a/data/notes/slides_day_2.pptx
+++ b/data/notes/slides_day_2.pptx
@@ -3296,6 +3296,14 @@
               </a:spcAft>
               <a:buNone/>
             </a:pPr>
+            <a:r>
+              <a:rPr lang="en-GB" dirty="0"/>
+              <a:t>Show how dummy_data.csv is </a:t>
+            </a:r>
+            <a:r>
+              <a:rPr lang="en-GB"/>
+              <a:t>created in repo.</a:t>
+            </a:r>
             <a:endParaRPr lang="en-GB" dirty="0"/>
           </a:p>
         </p:txBody>
@@ -4177,13 +4185,22 @@
               <a:buNone/>
             </a:pPr>
             <a:r>
+              <a:rPr lang="nl-NL" sz="1200" dirty="0">
+                <a:effectLst/>
+                <a:latin typeface="Calibri" panose="020F0502020204030204" pitchFamily="34" charset="0"/>
+                <a:ea typeface="Calibri" panose="020F0502020204030204" pitchFamily="34" charset="0"/>
+                <a:cs typeface="Calibri" panose="020F0502020204030204" pitchFamily="34" charset="0"/>
+              </a:rPr>
+              <a:t>I hope I </a:t>
+            </a:r>
+            <a:r>
               <a:rPr lang="nl-NL" sz="1200" dirty="0" err="1">
                 <a:effectLst/>
                 <a:latin typeface="Calibri" panose="020F0502020204030204" pitchFamily="34" charset="0"/>
                 <a:ea typeface="Calibri" panose="020F0502020204030204" pitchFamily="34" charset="0"/>
                 <a:cs typeface="Calibri" panose="020F0502020204030204" pitchFamily="34" charset="0"/>
               </a:rPr>
-              <a:t>Isn’t</a:t>
+              <a:t>convinced</a:t>
             </a:r>
             <a:r>
               <a:rPr lang="nl-NL" sz="1200" dirty="0">
@@ -4201,7 +4218,7 @@
                 <a:ea typeface="Calibri" panose="020F0502020204030204" pitchFamily="34" charset="0"/>
                 <a:cs typeface="Calibri" panose="020F0502020204030204" pitchFamily="34" charset="0"/>
               </a:rPr>
-              <a:t>it</a:t>
+              <a:t>some</a:t>
             </a:r>
             <a:r>
               <a:rPr lang="nl-NL" sz="1200" dirty="0">
@@ -4210,7 +4227,7 @@
                 <a:ea typeface="Calibri" panose="020F0502020204030204" pitchFamily="34" charset="0"/>
                 <a:cs typeface="Calibri" panose="020F0502020204030204" pitchFamily="34" charset="0"/>
               </a:rPr>
-              <a:t> a </a:t>
+              <a:t> of </a:t>
             </a:r>
             <a:r>
               <a:rPr lang="nl-NL" sz="1200" dirty="0" err="1">
@@ -4219,7 +4236,7 @@
                 <a:ea typeface="Calibri" panose="020F0502020204030204" pitchFamily="34" charset="0"/>
                 <a:cs typeface="Calibri" panose="020F0502020204030204" pitchFamily="34" charset="0"/>
               </a:rPr>
-              <a:t>dream</a:t>
+              <a:t>you</a:t>
             </a:r>
             <a:r>
               <a:rPr lang="nl-NL" sz="1200" dirty="0">
@@ -4228,7 +4245,7 @@
                 <a:ea typeface="Calibri" panose="020F0502020204030204" pitchFamily="34" charset="0"/>
                 <a:cs typeface="Calibri" panose="020F0502020204030204" pitchFamily="34" charset="0"/>
               </a:rPr>
-              <a:t> </a:t>
+              <a:t> of </a:t>
             </a:r>
             <a:r>
               <a:rPr lang="nl-NL" sz="1200" dirty="0" err="1">
@@ -4237,7 +4254,7 @@
                 <a:ea typeface="Calibri" panose="020F0502020204030204" pitchFamily="34" charset="0"/>
                 <a:cs typeface="Calibri" panose="020F0502020204030204" pitchFamily="34" charset="0"/>
               </a:rPr>
-              <a:t>that</a:t>
+              <a:t>the</a:t>
             </a:r>
             <a:r>
               <a:rPr lang="nl-NL" sz="1200" dirty="0">
@@ -4246,7 +4263,7 @@
                 <a:ea typeface="Calibri" panose="020F0502020204030204" pitchFamily="34" charset="0"/>
                 <a:cs typeface="Calibri" panose="020F0502020204030204" pitchFamily="34" charset="0"/>
               </a:rPr>
-              <a:t> </a:t>
+              <a:t> power of tests. But </a:t>
             </a:r>
             <a:r>
               <a:rPr lang="nl-NL" sz="1200" dirty="0" err="1">
@@ -4255,7 +4272,7 @@
                 <a:ea typeface="Calibri" panose="020F0502020204030204" pitchFamily="34" charset="0"/>
                 <a:cs typeface="Calibri" panose="020F0502020204030204" pitchFamily="34" charset="0"/>
               </a:rPr>
-              <a:t>with</a:t>
+              <a:t>maybe</a:t>
             </a:r>
             <a:r>
               <a:rPr lang="nl-NL" sz="1200" dirty="0">
@@ -4273,7 +4290,7 @@
                 <a:ea typeface="Calibri" panose="020F0502020204030204" pitchFamily="34" charset="0"/>
                 <a:cs typeface="Calibri" panose="020F0502020204030204" pitchFamily="34" charset="0"/>
               </a:rPr>
-              <a:t>one</a:t>
+              <a:t>some</a:t>
             </a:r>
             <a:r>
               <a:rPr lang="nl-NL" sz="1200" dirty="0">
@@ -4282,7 +4299,7 @@
                 <a:ea typeface="Calibri" panose="020F0502020204030204" pitchFamily="34" charset="0"/>
                 <a:cs typeface="Calibri" panose="020F0502020204030204" pitchFamily="34" charset="0"/>
               </a:rPr>
-              <a:t> button </a:t>
+              <a:t> are </a:t>
             </a:r>
             <a:r>
               <a:rPr lang="nl-NL" sz="1200" dirty="0" err="1">
@@ -4291,7 +4308,7 @@
                 <a:ea typeface="Calibri" panose="020F0502020204030204" pitchFamily="34" charset="0"/>
                 <a:cs typeface="Calibri" panose="020F0502020204030204" pitchFamily="34" charset="0"/>
               </a:rPr>
-              <a:t>you</a:t>
+              <a:t>till</a:t>
             </a:r>
             <a:r>
               <a:rPr lang="nl-NL" sz="1200" dirty="0">
@@ -4309,7 +4326,7 @@
                 <a:ea typeface="Calibri" panose="020F0502020204030204" pitchFamily="34" charset="0"/>
                 <a:cs typeface="Calibri" panose="020F0502020204030204" pitchFamily="34" charset="0"/>
               </a:rPr>
-              <a:t>can</a:t>
+              <a:t>worried</a:t>
             </a:r>
             <a:r>
               <a:rPr lang="nl-NL" sz="1200" dirty="0">
@@ -4327,7 +4344,7 @@
                 <a:ea typeface="Calibri" panose="020F0502020204030204" pitchFamily="34" charset="0"/>
                 <a:cs typeface="Calibri" panose="020F0502020204030204" pitchFamily="34" charset="0"/>
               </a:rPr>
-              <a:t>be</a:t>
+              <a:t>about</a:t>
             </a:r>
             <a:r>
               <a:rPr lang="nl-NL" sz="1200" dirty="0">
@@ -4345,7 +4362,7 @@
                 <a:ea typeface="Calibri" panose="020F0502020204030204" pitchFamily="34" charset="0"/>
                 <a:cs typeface="Calibri" panose="020F0502020204030204" pitchFamily="34" charset="0"/>
               </a:rPr>
-              <a:t>sure</a:t>
+              <a:t>the</a:t>
             </a:r>
             <a:r>
               <a:rPr lang="nl-NL" sz="1200" dirty="0">
@@ -4363,7 +4380,7 @@
                 <a:ea typeface="Calibri" panose="020F0502020204030204" pitchFamily="34" charset="0"/>
                 <a:cs typeface="Calibri" panose="020F0502020204030204" pitchFamily="34" charset="0"/>
               </a:rPr>
-              <a:t>that</a:t>
+              <a:t>amount</a:t>
             </a:r>
             <a:r>
               <a:rPr lang="nl-NL" sz="1200" dirty="0">
@@ -4372,7 +4389,7 @@
                 <a:ea typeface="Calibri" panose="020F0502020204030204" pitchFamily="34" charset="0"/>
                 <a:cs typeface="Calibri" panose="020F0502020204030204" pitchFamily="34" charset="0"/>
               </a:rPr>
-              <a:t> </a:t>
+              <a:t> of </a:t>
             </a:r>
             <a:r>
               <a:rPr lang="nl-NL" sz="1200" dirty="0" err="1">
@@ -4381,7 +4398,7 @@
                 <a:ea typeface="Calibri" panose="020F0502020204030204" pitchFamily="34" charset="0"/>
                 <a:cs typeface="Calibri" panose="020F0502020204030204" pitchFamily="34" charset="0"/>
               </a:rPr>
-              <a:t>everything</a:t>
+              <a:t>work</a:t>
             </a:r>
             <a:r>
               <a:rPr lang="nl-NL" sz="1200" dirty="0">
@@ -4399,7 +4416,283 @@
                 <a:ea typeface="Calibri" panose="020F0502020204030204" pitchFamily="34" charset="0"/>
                 <a:cs typeface="Calibri" panose="020F0502020204030204" pitchFamily="34" charset="0"/>
               </a:rPr>
-              <a:t>works</a:t>
+              <a:t>that</a:t>
+            </a:r>
+            <a:r>
+              <a:rPr lang="nl-NL" sz="1200" dirty="0">
+                <a:effectLst/>
+                <a:latin typeface="Calibri" panose="020F0502020204030204" pitchFamily="34" charset="0"/>
+                <a:ea typeface="Calibri" panose="020F0502020204030204" pitchFamily="34" charset="0"/>
+                <a:cs typeface="Calibri" panose="020F0502020204030204" pitchFamily="34" charset="0"/>
+              </a:rPr>
+              <a:t> </a:t>
+            </a:r>
+            <a:r>
+              <a:rPr lang="nl-NL" sz="1200" dirty="0" err="1">
+                <a:effectLst/>
+                <a:latin typeface="Calibri" panose="020F0502020204030204" pitchFamily="34" charset="0"/>
+                <a:ea typeface="Calibri" panose="020F0502020204030204" pitchFamily="34" charset="0"/>
+                <a:cs typeface="Calibri" panose="020F0502020204030204" pitchFamily="34" charset="0"/>
+              </a:rPr>
+              <a:t>comes</a:t>
+            </a:r>
+            <a:r>
+              <a:rPr lang="nl-NL" sz="1200" dirty="0">
+                <a:effectLst/>
+                <a:latin typeface="Calibri" panose="020F0502020204030204" pitchFamily="34" charset="0"/>
+                <a:ea typeface="Calibri" panose="020F0502020204030204" pitchFamily="34" charset="0"/>
+                <a:cs typeface="Calibri" panose="020F0502020204030204" pitchFamily="34" charset="0"/>
+              </a:rPr>
+              <a:t> </a:t>
+            </a:r>
+            <a:r>
+              <a:rPr lang="nl-NL" sz="1200" dirty="0" err="1">
+                <a:effectLst/>
+                <a:latin typeface="Calibri" panose="020F0502020204030204" pitchFamily="34" charset="0"/>
+                <a:ea typeface="Calibri" panose="020F0502020204030204" pitchFamily="34" charset="0"/>
+                <a:cs typeface="Calibri" panose="020F0502020204030204" pitchFamily="34" charset="0"/>
+              </a:rPr>
+              <a:t>with</a:t>
+            </a:r>
+            <a:r>
+              <a:rPr lang="nl-NL" sz="1200" dirty="0">
+                <a:effectLst/>
+                <a:latin typeface="Calibri" panose="020F0502020204030204" pitchFamily="34" charset="0"/>
+                <a:ea typeface="Calibri" panose="020F0502020204030204" pitchFamily="34" charset="0"/>
+                <a:cs typeface="Calibri" panose="020F0502020204030204" pitchFamily="34" charset="0"/>
+              </a:rPr>
+              <a:t> it.</a:t>
+            </a:r>
+          </a:p>
+          <a:p>
+            <a:pPr marL="0" lvl="0" indent="0">
+              <a:buFont typeface="Wingdings" panose="05000000000000000000" pitchFamily="2" charset="2"/>
+              <a:buNone/>
+            </a:pPr>
+            <a:r>
+              <a:rPr lang="nl-NL" sz="1200" dirty="0" err="1">
+                <a:effectLst/>
+                <a:latin typeface="Calibri" panose="020F0502020204030204" pitchFamily="34" charset="0"/>
+                <a:ea typeface="Calibri" panose="020F0502020204030204" pitchFamily="34" charset="0"/>
+                <a:cs typeface="Calibri" panose="020F0502020204030204" pitchFamily="34" charset="0"/>
+              </a:rPr>
+              <a:t>What</a:t>
+            </a:r>
+            <a:r>
+              <a:rPr lang="nl-NL" sz="1200" dirty="0">
+                <a:effectLst/>
+                <a:latin typeface="Calibri" panose="020F0502020204030204" pitchFamily="34" charset="0"/>
+                <a:ea typeface="Calibri" panose="020F0502020204030204" pitchFamily="34" charset="0"/>
+                <a:cs typeface="Calibri" panose="020F0502020204030204" pitchFamily="34" charset="0"/>
+              </a:rPr>
+              <a:t> are </a:t>
+            </a:r>
+            <a:r>
+              <a:rPr lang="nl-NL" sz="1200" dirty="0" err="1">
+                <a:effectLst/>
+                <a:latin typeface="Calibri" panose="020F0502020204030204" pitchFamily="34" charset="0"/>
+                <a:ea typeface="Calibri" panose="020F0502020204030204" pitchFamily="34" charset="0"/>
+                <a:cs typeface="Calibri" panose="020F0502020204030204" pitchFamily="34" charset="0"/>
+              </a:rPr>
+              <a:t>bennefits</a:t>
+            </a:r>
+            <a:r>
+              <a:rPr lang="nl-NL" sz="1200" dirty="0">
+                <a:effectLst/>
+                <a:latin typeface="Calibri" panose="020F0502020204030204" pitchFamily="34" charset="0"/>
+                <a:ea typeface="Calibri" panose="020F0502020204030204" pitchFamily="34" charset="0"/>
+                <a:cs typeface="Calibri" panose="020F0502020204030204" pitchFamily="34" charset="0"/>
+              </a:rPr>
+              <a:t> of Tests?</a:t>
+            </a:r>
+          </a:p>
+          <a:p>
+            <a:pPr marL="0" lvl="0" indent="0">
+              <a:buFont typeface="Wingdings" panose="05000000000000000000" pitchFamily="2" charset="2"/>
+              <a:buNone/>
+            </a:pPr>
+            <a:endParaRPr lang="nl-NL" sz="1200" dirty="0">
+              <a:effectLst/>
+              <a:latin typeface="Calibri" panose="020F0502020204030204" pitchFamily="34" charset="0"/>
+              <a:ea typeface="Calibri" panose="020F0502020204030204" pitchFamily="34" charset="0"/>
+              <a:cs typeface="Calibri" panose="020F0502020204030204" pitchFamily="34" charset="0"/>
+            </a:endParaRPr>
+          </a:p>
+          <a:p>
+            <a:pPr marL="0" lvl="0" indent="0">
+              <a:buFont typeface="Wingdings" panose="05000000000000000000" pitchFamily="2" charset="2"/>
+              <a:buNone/>
+            </a:pPr>
+            <a:r>
+              <a:rPr lang="nl-NL" sz="1200" dirty="0" err="1">
+                <a:effectLst/>
+                <a:latin typeface="Calibri" panose="020F0502020204030204" pitchFamily="34" charset="0"/>
+                <a:ea typeface="Calibri" panose="020F0502020204030204" pitchFamily="34" charset="0"/>
+                <a:cs typeface="Calibri" panose="020F0502020204030204" pitchFamily="34" charset="0"/>
+              </a:rPr>
+              <a:t>To</a:t>
+            </a:r>
+            <a:r>
+              <a:rPr lang="nl-NL" sz="1200" dirty="0">
+                <a:effectLst/>
+                <a:latin typeface="Calibri" panose="020F0502020204030204" pitchFamily="34" charset="0"/>
+                <a:ea typeface="Calibri" panose="020F0502020204030204" pitchFamily="34" charset="0"/>
+                <a:cs typeface="Calibri" panose="020F0502020204030204" pitchFamily="34" charset="0"/>
+              </a:rPr>
+              <a:t> have </a:t>
+            </a:r>
+            <a:r>
+              <a:rPr lang="nl-NL" sz="1200" dirty="0" err="1">
+                <a:effectLst/>
+                <a:latin typeface="Calibri" panose="020F0502020204030204" pitchFamily="34" charset="0"/>
+                <a:ea typeface="Calibri" panose="020F0502020204030204" pitchFamily="34" charset="0"/>
+                <a:cs typeface="Calibri" panose="020F0502020204030204" pitchFamily="34" charset="0"/>
+              </a:rPr>
+              <a:t>some</a:t>
+            </a:r>
+            <a:r>
+              <a:rPr lang="nl-NL" sz="1200" dirty="0">
+                <a:effectLst/>
+                <a:latin typeface="Calibri" panose="020F0502020204030204" pitchFamily="34" charset="0"/>
+                <a:ea typeface="Calibri" panose="020F0502020204030204" pitchFamily="34" charset="0"/>
+                <a:cs typeface="Calibri" panose="020F0502020204030204" pitchFamily="34" charset="0"/>
+              </a:rPr>
+              <a:t> </a:t>
+            </a:r>
+            <a:r>
+              <a:rPr lang="nl-NL" sz="1200" dirty="0" err="1">
+                <a:effectLst/>
+                <a:latin typeface="Calibri" panose="020F0502020204030204" pitchFamily="34" charset="0"/>
+                <a:ea typeface="Calibri" panose="020F0502020204030204" pitchFamily="34" charset="0"/>
+                <a:cs typeface="Calibri" panose="020F0502020204030204" pitchFamily="34" charset="0"/>
+              </a:rPr>
+              <a:t>measure</a:t>
+            </a:r>
+            <a:r>
+              <a:rPr lang="nl-NL" sz="1200" dirty="0">
+                <a:effectLst/>
+                <a:latin typeface="Calibri" panose="020F0502020204030204" pitchFamily="34" charset="0"/>
+                <a:ea typeface="Calibri" panose="020F0502020204030204" pitchFamily="34" charset="0"/>
+                <a:cs typeface="Calibri" panose="020F0502020204030204" pitchFamily="34" charset="0"/>
+              </a:rPr>
+              <a:t> </a:t>
+            </a:r>
+            <a:r>
+              <a:rPr lang="nl-NL" sz="1200" dirty="0" err="1">
+                <a:effectLst/>
+                <a:latin typeface="Calibri" panose="020F0502020204030204" pitchFamily="34" charset="0"/>
+                <a:ea typeface="Calibri" panose="020F0502020204030204" pitchFamily="34" charset="0"/>
+                <a:cs typeface="Calibri" panose="020F0502020204030204" pitchFamily="34" charset="0"/>
+              </a:rPr>
+              <a:t>about</a:t>
+            </a:r>
+            <a:r>
+              <a:rPr lang="nl-NL" sz="1200" dirty="0">
+                <a:effectLst/>
+                <a:latin typeface="Calibri" panose="020F0502020204030204" pitchFamily="34" charset="0"/>
+                <a:ea typeface="Calibri" panose="020F0502020204030204" pitchFamily="34" charset="0"/>
+                <a:cs typeface="Calibri" panose="020F0502020204030204" pitchFamily="34" charset="0"/>
+              </a:rPr>
+              <a:t> </a:t>
+            </a:r>
+            <a:r>
+              <a:rPr lang="nl-NL" sz="1200" dirty="0" err="1">
+                <a:effectLst/>
+                <a:latin typeface="Calibri" panose="020F0502020204030204" pitchFamily="34" charset="0"/>
+                <a:ea typeface="Calibri" panose="020F0502020204030204" pitchFamily="34" charset="0"/>
+                <a:cs typeface="Calibri" panose="020F0502020204030204" pitchFamily="34" charset="0"/>
+              </a:rPr>
+              <a:t>the</a:t>
+            </a:r>
+            <a:r>
+              <a:rPr lang="nl-NL" sz="1200" dirty="0">
+                <a:effectLst/>
+                <a:latin typeface="Calibri" panose="020F0502020204030204" pitchFamily="34" charset="0"/>
+                <a:ea typeface="Calibri" panose="020F0502020204030204" pitchFamily="34" charset="0"/>
+                <a:cs typeface="Calibri" panose="020F0502020204030204" pitchFamily="34" charset="0"/>
+              </a:rPr>
+              <a:t> </a:t>
+            </a:r>
+            <a:r>
+              <a:rPr lang="nl-NL" sz="1200" dirty="0" err="1">
+                <a:effectLst/>
+                <a:latin typeface="Calibri" panose="020F0502020204030204" pitchFamily="34" charset="0"/>
+                <a:ea typeface="Calibri" panose="020F0502020204030204" pitchFamily="34" charset="0"/>
+                <a:cs typeface="Calibri" panose="020F0502020204030204" pitchFamily="34" charset="0"/>
+              </a:rPr>
+              <a:t>amount</a:t>
+            </a:r>
+            <a:r>
+              <a:rPr lang="nl-NL" sz="1200" dirty="0">
+                <a:effectLst/>
+                <a:latin typeface="Calibri" panose="020F0502020204030204" pitchFamily="34" charset="0"/>
+                <a:ea typeface="Calibri" panose="020F0502020204030204" pitchFamily="34" charset="0"/>
+                <a:cs typeface="Calibri" panose="020F0502020204030204" pitchFamily="34" charset="0"/>
+              </a:rPr>
+              <a:t> of tests, </a:t>
+            </a:r>
+            <a:r>
+              <a:rPr lang="nl-NL" sz="1200" dirty="0" err="1">
+                <a:effectLst/>
+                <a:latin typeface="Calibri" panose="020F0502020204030204" pitchFamily="34" charset="0"/>
+                <a:ea typeface="Calibri" panose="020F0502020204030204" pitchFamily="34" charset="0"/>
+                <a:cs typeface="Calibri" panose="020F0502020204030204" pitchFamily="34" charset="0"/>
+              </a:rPr>
+              <a:t>you</a:t>
+            </a:r>
+            <a:r>
+              <a:rPr lang="nl-NL" sz="1200" dirty="0">
+                <a:effectLst/>
+                <a:latin typeface="Calibri" panose="020F0502020204030204" pitchFamily="34" charset="0"/>
+                <a:ea typeface="Calibri" panose="020F0502020204030204" pitchFamily="34" charset="0"/>
+                <a:cs typeface="Calibri" panose="020F0502020204030204" pitchFamily="34" charset="0"/>
+              </a:rPr>
+              <a:t> </a:t>
+            </a:r>
+            <a:r>
+              <a:rPr lang="nl-NL" sz="1200" dirty="0" err="1">
+                <a:effectLst/>
+                <a:latin typeface="Calibri" panose="020F0502020204030204" pitchFamily="34" charset="0"/>
+                <a:ea typeface="Calibri" panose="020F0502020204030204" pitchFamily="34" charset="0"/>
+                <a:cs typeface="Calibri" panose="020F0502020204030204" pitchFamily="34" charset="0"/>
+              </a:rPr>
+              <a:t>can</a:t>
+            </a:r>
+            <a:r>
+              <a:rPr lang="nl-NL" sz="1200" dirty="0">
+                <a:effectLst/>
+                <a:latin typeface="Calibri" panose="020F0502020204030204" pitchFamily="34" charset="0"/>
+                <a:ea typeface="Calibri" panose="020F0502020204030204" pitchFamily="34" charset="0"/>
+                <a:cs typeface="Calibri" panose="020F0502020204030204" pitchFamily="34" charset="0"/>
+              </a:rPr>
+              <a:t> </a:t>
+            </a:r>
+            <a:r>
+              <a:rPr lang="nl-NL" sz="1200" dirty="0" err="1">
+                <a:effectLst/>
+                <a:latin typeface="Calibri" panose="020F0502020204030204" pitchFamily="34" charset="0"/>
+                <a:ea typeface="Calibri" panose="020F0502020204030204" pitchFamily="34" charset="0"/>
+                <a:cs typeface="Calibri" panose="020F0502020204030204" pitchFamily="34" charset="0"/>
+              </a:rPr>
+              <a:t>meassure</a:t>
+            </a:r>
+            <a:r>
+              <a:rPr lang="nl-NL" sz="1200" dirty="0">
+                <a:effectLst/>
+                <a:latin typeface="Calibri" panose="020F0502020204030204" pitchFamily="34" charset="0"/>
+                <a:ea typeface="Calibri" panose="020F0502020204030204" pitchFamily="34" charset="0"/>
+                <a:cs typeface="Calibri" panose="020F0502020204030204" pitchFamily="34" charset="0"/>
+              </a:rPr>
+              <a:t> code </a:t>
+            </a:r>
+            <a:r>
+              <a:rPr lang="nl-NL" sz="1200" dirty="0" err="1">
+                <a:effectLst/>
+                <a:latin typeface="Calibri" panose="020F0502020204030204" pitchFamily="34" charset="0"/>
+                <a:ea typeface="Calibri" panose="020F0502020204030204" pitchFamily="34" charset="0"/>
+                <a:cs typeface="Calibri" panose="020F0502020204030204" pitchFamily="34" charset="0"/>
+              </a:rPr>
+              <a:t>coverage</a:t>
             </a:r>
             <a:r>
               <a:rPr lang="nl-NL" sz="1200" dirty="0">
@@ -9209,13 +9502,13 @@
   <p:clrMapOvr>
     <a:masterClrMapping/>
   </p:clrMapOvr>
-  <mc:AlternateContent xmlns:mc="http://schemas.openxmlformats.org/markup-compatibility/2006">
-    <mc:Choice xmlns:p159="http://schemas.microsoft.com/office/powerpoint/2015/09/main" Requires="p159">
+  <mc:AlternateContent xmlns:mc="http://schemas.openxmlformats.org/markup-compatibility/2006" xmlns:p159="http://schemas.microsoft.com/office/powerpoint/2015/09/main">
+    <mc:Choice Requires="p159">
       <p:transition xmlns:p14="http://schemas.microsoft.com/office/powerpoint/2010/main" spd="slow" p14:dur="2000">
         <p159:morph option="byObject"/>
       </p:transition>
     </mc:Choice>
-    <mc:Fallback>
+    <mc:Fallback xmlns="">
       <p:transition spd="slow">
         <p:fade/>
       </p:transition>
@@ -10672,13 +10965,13 @@
   <p:clrMapOvr>
     <a:masterClrMapping/>
   </p:clrMapOvr>
-  <mc:AlternateContent xmlns:mc="http://schemas.openxmlformats.org/markup-compatibility/2006">
-    <mc:Choice xmlns:p159="http://schemas.microsoft.com/office/powerpoint/2015/09/main" Requires="p159">
+  <mc:AlternateContent xmlns:mc="http://schemas.openxmlformats.org/markup-compatibility/2006" xmlns:p159="http://schemas.microsoft.com/office/powerpoint/2015/09/main">
+    <mc:Choice Requires="p159">
       <p:transition xmlns:p14="http://schemas.microsoft.com/office/powerpoint/2010/main" spd="slow" p14:dur="2000">
         <p159:morph option="byObject"/>
       </p:transition>
     </mc:Choice>
-    <mc:Fallback>
+    <mc:Fallback xmlns="">
       <p:transition spd="slow">
         <p:fade/>
       </p:transition>
@@ -15091,13 +15384,13 @@
   <p:clrMapOvr>
     <a:masterClrMapping/>
   </p:clrMapOvr>
-  <mc:AlternateContent xmlns:mc="http://schemas.openxmlformats.org/markup-compatibility/2006">
-    <mc:Choice xmlns:p159="http://schemas.microsoft.com/office/powerpoint/2015/09/main" Requires="p159">
+  <mc:AlternateContent xmlns:mc="http://schemas.openxmlformats.org/markup-compatibility/2006" xmlns:p159="http://schemas.microsoft.com/office/powerpoint/2015/09/main">
+    <mc:Choice Requires="p159">
       <p:transition xmlns:p14="http://schemas.microsoft.com/office/powerpoint/2010/main" spd="slow" p14:dur="2000">
         <p159:morph option="byObject"/>
       </p:transition>
     </mc:Choice>
-    <mc:Fallback>
+    <mc:Fallback xmlns="">
       <p:transition spd="slow">
         <p:fade/>
       </p:transition>
@@ -15780,13 +16073,13 @@
   <p:clrMapOvr>
     <a:masterClrMapping/>
   </p:clrMapOvr>
-  <mc:AlternateContent xmlns:mc="http://schemas.openxmlformats.org/markup-compatibility/2006">
-    <mc:Choice xmlns:p159="http://schemas.microsoft.com/office/powerpoint/2015/09/main" Requires="p159">
+  <mc:AlternateContent xmlns:mc="http://schemas.openxmlformats.org/markup-compatibility/2006" xmlns:p159="http://schemas.microsoft.com/office/powerpoint/2015/09/main">
+    <mc:Choice Requires="p159">
       <p:transition xmlns:p14="http://schemas.microsoft.com/office/powerpoint/2010/main" spd="slow" p14:dur="2000">
         <p159:morph option="byObject"/>
       </p:transition>
     </mc:Choice>
-    <mc:Fallback>
+    <mc:Fallback xmlns="">
       <p:transition spd="slow">
         <p:fade/>
       </p:transition>
@@ -16273,13 +16566,13 @@
   <p:clrMapOvr>
     <a:masterClrMapping/>
   </p:clrMapOvr>
-  <mc:AlternateContent xmlns:mc="http://schemas.openxmlformats.org/markup-compatibility/2006">
-    <mc:Choice xmlns:p159="http://schemas.microsoft.com/office/powerpoint/2015/09/main" Requires="p159">
+  <mc:AlternateContent xmlns:mc="http://schemas.openxmlformats.org/markup-compatibility/2006" xmlns:p159="http://schemas.microsoft.com/office/powerpoint/2015/09/main">
+    <mc:Choice Requires="p159">
       <p:transition xmlns:p14="http://schemas.microsoft.com/office/powerpoint/2010/main" spd="slow" p14:dur="2000">
         <p159:morph option="byObject"/>
       </p:transition>
     </mc:Choice>
-    <mc:Fallback>
+    <mc:Fallback xmlns="">
       <p:transition spd="slow">
         <p:fade/>
       </p:transition>
@@ -18152,13 +18445,13 @@
   <p:clrMapOvr>
     <a:masterClrMapping/>
   </p:clrMapOvr>
-  <mc:AlternateContent xmlns:mc="http://schemas.openxmlformats.org/markup-compatibility/2006">
-    <mc:Choice xmlns:p159="http://schemas.microsoft.com/office/powerpoint/2015/09/main" Requires="p159">
+  <mc:AlternateContent xmlns:mc="http://schemas.openxmlformats.org/markup-compatibility/2006" xmlns:p159="http://schemas.microsoft.com/office/powerpoint/2015/09/main">
+    <mc:Choice Requires="p159">
       <p:transition xmlns:p14="http://schemas.microsoft.com/office/powerpoint/2010/main" spd="slow" p14:dur="2000">
         <p159:morph option="byObject"/>
       </p:transition>
     </mc:Choice>
-    <mc:Fallback>
+    <mc:Fallback xmlns="">
       <p:transition spd="slow">
         <p:fade/>
       </p:transition>
@@ -18645,13 +18938,13 @@
   <p:clrMapOvr>
     <a:masterClrMapping/>
   </p:clrMapOvr>
-  <mc:AlternateContent xmlns:mc="http://schemas.openxmlformats.org/markup-compatibility/2006">
-    <mc:Choice xmlns:p159="http://schemas.microsoft.com/office/powerpoint/2015/09/main" Requires="p159">
+  <mc:AlternateContent xmlns:mc="http://schemas.openxmlformats.org/markup-compatibility/2006" xmlns:p159="http://schemas.microsoft.com/office/powerpoint/2015/09/main">
+    <mc:Choice Requires="p159">
       <p:transition xmlns:p14="http://schemas.microsoft.com/office/powerpoint/2010/main" spd="slow" p14:dur="2000">
         <p159:morph option="byObject"/>
       </p:transition>
     </mc:Choice>
-    <mc:Fallback>
+    <mc:Fallback xmlns="">
       <p:transition spd="slow">
         <p:fade/>
       </p:transition>
@@ -19171,11 +19464,11 @@
   <p:clrMapOvr>
     <a:masterClrMapping/>
   </p:clrMapOvr>
-  <mc:AlternateContent xmlns:mc="http://schemas.openxmlformats.org/markup-compatibility/2006">
-    <mc:Choice xmlns:p14="http://schemas.microsoft.com/office/powerpoint/2010/main" Requires="p14">
+  <mc:AlternateContent xmlns:mc="http://schemas.openxmlformats.org/markup-compatibility/2006" xmlns:p14="http://schemas.microsoft.com/office/powerpoint/2010/main">
+    <mc:Choice Requires="p14">
       <p:transition p14:dur="10"/>
     </mc:Choice>
-    <mc:Fallback>
+    <mc:Fallback xmlns="">
       <p:transition/>
     </mc:Fallback>
   </mc:AlternateContent>
@@ -22542,13 +22835,13 @@
   <p:clrMapOvr>
     <a:masterClrMapping/>
   </p:clrMapOvr>
-  <mc:AlternateContent xmlns:mc="http://schemas.openxmlformats.org/markup-compatibility/2006">
-    <mc:Choice xmlns:p159="http://schemas.microsoft.com/office/powerpoint/2015/09/main" Requires="p159">
+  <mc:AlternateContent xmlns:mc="http://schemas.openxmlformats.org/markup-compatibility/2006" xmlns:p159="http://schemas.microsoft.com/office/powerpoint/2015/09/main">
+    <mc:Choice Requires="p159">
       <p:transition xmlns:p14="http://schemas.microsoft.com/office/powerpoint/2010/main" spd="slow" p14:dur="2000">
         <p159:morph option="byObject"/>
       </p:transition>
     </mc:Choice>
-    <mc:Fallback>
+    <mc:Fallback xmlns="">
       <p:transition spd="slow">
         <p:fade/>
       </p:transition>
@@ -25442,13 +25735,13 @@
   <p:clrMapOvr>
     <a:masterClrMapping/>
   </p:clrMapOvr>
-  <mc:AlternateContent xmlns:mc="http://schemas.openxmlformats.org/markup-compatibility/2006">
-    <mc:Choice xmlns:p159="http://schemas.microsoft.com/office/powerpoint/2015/09/main" Requires="p159">
+  <mc:AlternateContent xmlns:mc="http://schemas.openxmlformats.org/markup-compatibility/2006" xmlns:p159="http://schemas.microsoft.com/office/powerpoint/2015/09/main">
+    <mc:Choice Requires="p159">
       <p:transition xmlns:p14="http://schemas.microsoft.com/office/powerpoint/2010/main" spd="slow" p14:dur="2000">
         <p159:morph option="byObject"/>
       </p:transition>
     </mc:Choice>
-    <mc:Fallback>
+    <mc:Fallback xmlns="">
       <p:transition spd="slow">
         <p:fade/>
       </p:transition>
@@ -26128,13 +26421,13 @@
   <p:clrMapOvr>
     <a:masterClrMapping/>
   </p:clrMapOvr>
-  <mc:AlternateContent xmlns:mc="http://schemas.openxmlformats.org/markup-compatibility/2006">
-    <mc:Choice xmlns:p159="http://schemas.microsoft.com/office/powerpoint/2015/09/main" Requires="p159">
+  <mc:AlternateContent xmlns:mc="http://schemas.openxmlformats.org/markup-compatibility/2006" xmlns:p159="http://schemas.microsoft.com/office/powerpoint/2015/09/main">
+    <mc:Choice Requires="p159">
       <p:transition xmlns:p14="http://schemas.microsoft.com/office/powerpoint/2010/main" spd="slow" p14:dur="2000">
         <p159:morph option="byObject"/>
       </p:transition>
     </mc:Choice>
-    <mc:Fallback>
+    <mc:Fallback xmlns="">
       <p:transition spd="slow">
         <p:fade/>
       </p:transition>
@@ -30174,13 +30467,13 @@
   <p:clrMapOvr>
     <a:masterClrMapping/>
   </p:clrMapOvr>
-  <mc:AlternateContent xmlns:mc="http://schemas.openxmlformats.org/markup-compatibility/2006">
-    <mc:Choice xmlns:p159="http://schemas.microsoft.com/office/powerpoint/2015/09/main" Requires="p159">
+  <mc:AlternateContent xmlns:mc="http://schemas.openxmlformats.org/markup-compatibility/2006" xmlns:p159="http://schemas.microsoft.com/office/powerpoint/2015/09/main">
+    <mc:Choice Requires="p159">
       <p:transition xmlns:p14="http://schemas.microsoft.com/office/powerpoint/2010/main" spd="slow" p14:dur="2000">
         <p159:morph option="byObject"/>
       </p:transition>
     </mc:Choice>
-    <mc:Fallback>
+    <mc:Fallback xmlns="">
       <p:transition spd="slow">
         <p:fade/>
       </p:transition>
@@ -31198,13 +31491,13 @@
   <p:clrMapOvr>
     <a:masterClrMapping/>
   </p:clrMapOvr>
-  <mc:AlternateContent xmlns:mc="http://schemas.openxmlformats.org/markup-compatibility/2006">
-    <mc:Choice xmlns:p159="http://schemas.microsoft.com/office/powerpoint/2015/09/main" Requires="p159">
+  <mc:AlternateContent xmlns:mc="http://schemas.openxmlformats.org/markup-compatibility/2006" xmlns:p159="http://schemas.microsoft.com/office/powerpoint/2015/09/main">
+    <mc:Choice Requires="p159">
       <p:transition xmlns:p14="http://schemas.microsoft.com/office/powerpoint/2010/main" spd="slow" p14:dur="2000">
         <p159:morph option="byObject"/>
       </p:transition>
     </mc:Choice>
-    <mc:Fallback>
+    <mc:Fallback xmlns="">
       <p:transition spd="slow">
         <p:fade/>
       </p:transition>

--- a/data/notes/slides_day_2.pptx
+++ b/data/notes/slides_day_2.pptx
@@ -5,7 +5,7 @@
     <p:sldMasterId id="2147483667" r:id="rId1"/>
   </p:sldMasterIdLst>
   <p:notesMasterIdLst>
-    <p:notesMasterId r:id="rId23"/>
+    <p:notesMasterId r:id="rId24"/>
   </p:notesMasterIdLst>
   <p:sldIdLst>
     <p:sldId id="256" r:id="rId2"/>
@@ -24,33 +24,34 @@
     <p:sldId id="346" r:id="rId15"/>
     <p:sldId id="347" r:id="rId16"/>
     <p:sldId id="348" r:id="rId17"/>
-    <p:sldId id="349" r:id="rId18"/>
-    <p:sldId id="350" r:id="rId19"/>
-    <p:sldId id="351" r:id="rId20"/>
-    <p:sldId id="354" r:id="rId21"/>
-    <p:sldId id="352" r:id="rId22"/>
+    <p:sldId id="355" r:id="rId18"/>
+    <p:sldId id="349" r:id="rId19"/>
+    <p:sldId id="350" r:id="rId20"/>
+    <p:sldId id="351" r:id="rId21"/>
+    <p:sldId id="354" r:id="rId22"/>
+    <p:sldId id="352" r:id="rId23"/>
   </p:sldIdLst>
   <p:sldSz cx="20104100" cy="11309350"/>
   <p:notesSz cx="20104100" cy="11309350"/>
   <p:embeddedFontLst>
     <p:embeddedFont>
       <p:font typeface="Calibri" panose="020F0502020204030204" pitchFamily="34" charset="0"/>
-      <p:regular r:id="rId24"/>
-      <p:bold r:id="rId25"/>
-      <p:italic r:id="rId26"/>
-      <p:boldItalic r:id="rId27"/>
+      <p:regular r:id="rId25"/>
+      <p:bold r:id="rId26"/>
+      <p:italic r:id="rId27"/>
+      <p:boldItalic r:id="rId28"/>
     </p:embeddedFont>
     <p:embeddedFont>
       <p:font typeface="Consolas" panose="020B0609020204030204" pitchFamily="49" charset="0"/>
-      <p:regular r:id="rId28"/>
-      <p:bold r:id="rId29"/>
-      <p:italic r:id="rId30"/>
-      <p:boldItalic r:id="rId31"/>
+      <p:regular r:id="rId29"/>
+      <p:bold r:id="rId30"/>
+      <p:italic r:id="rId31"/>
+      <p:boldItalic r:id="rId32"/>
     </p:embeddedFont>
     <p:embeddedFont>
       <p:font typeface="Quicksand" panose="020B0604020202020204" charset="0"/>
-      <p:regular r:id="rId32"/>
-      <p:bold r:id="rId33"/>
+      <p:regular r:id="rId33"/>
+      <p:bold r:id="rId34"/>
     </p:embeddedFont>
   </p:embeddedFontLst>
   <p:defaultTextStyle>
@@ -288,6 +289,2462 @@
     </p:ext>
   </p:extLst>
 </p:presentation>
+</file>
+
+<file path=ppt/diagrams/colors1.xml><?xml version="1.0" encoding="utf-8"?>
+<dgm:colorsDef xmlns:dgm="http://schemas.openxmlformats.org/drawingml/2006/diagram" xmlns:a="http://schemas.openxmlformats.org/drawingml/2006/main" uniqueId="urn:microsoft.com/office/officeart/2005/8/colors/accent1_2">
+  <dgm:title val=""/>
+  <dgm:desc val=""/>
+  <dgm:catLst>
+    <dgm:cat type="accent1" pri="11200"/>
+  </dgm:catLst>
+  <dgm:styleLbl name="node0">
+    <dgm:fillClrLst meth="repeat">
+      <a:schemeClr val="accent1"/>
+    </dgm:fillClrLst>
+    <dgm:linClrLst meth="repeat">
+      <a:schemeClr val="lt1"/>
+    </dgm:linClrLst>
+    <dgm:effectClrLst/>
+    <dgm:txLinClrLst/>
+    <dgm:txFillClrLst/>
+    <dgm:txEffectClrLst/>
+  </dgm:styleLbl>
+  <dgm:styleLbl name="alignNode1">
+    <dgm:fillClrLst meth="repeat">
+      <a:schemeClr val="accent1"/>
+    </dgm:fillClrLst>
+    <dgm:linClrLst meth="repeat">
+      <a:schemeClr val="accent1"/>
+    </dgm:linClrLst>
+    <dgm:effectClrLst/>
+    <dgm:txLinClrLst/>
+    <dgm:txFillClrLst/>
+    <dgm:txEffectClrLst/>
+  </dgm:styleLbl>
+  <dgm:styleLbl name="node1">
+    <dgm:fillClrLst meth="repeat">
+      <a:schemeClr val="accent1"/>
+    </dgm:fillClrLst>
+    <dgm:linClrLst meth="repeat">
+      <a:schemeClr val="lt1"/>
+    </dgm:linClrLst>
+    <dgm:effectClrLst/>
+    <dgm:txLinClrLst/>
+    <dgm:txFillClrLst/>
+    <dgm:txEffectClrLst/>
+  </dgm:styleLbl>
+  <dgm:styleLbl name="lnNode1">
+    <dgm:fillClrLst meth="repeat">
+      <a:schemeClr val="accent1"/>
+    </dgm:fillClrLst>
+    <dgm:linClrLst meth="repeat">
+      <a:schemeClr val="lt1"/>
+    </dgm:linClrLst>
+    <dgm:effectClrLst/>
+    <dgm:txLinClrLst/>
+    <dgm:txFillClrLst/>
+    <dgm:txEffectClrLst/>
+  </dgm:styleLbl>
+  <dgm:styleLbl name="vennNode1">
+    <dgm:fillClrLst meth="repeat">
+      <a:schemeClr val="accent1">
+        <a:alpha val="50000"/>
+      </a:schemeClr>
+    </dgm:fillClrLst>
+    <dgm:linClrLst meth="repeat">
+      <a:schemeClr val="lt1"/>
+    </dgm:linClrLst>
+    <dgm:effectClrLst/>
+    <dgm:txLinClrLst/>
+    <dgm:txFillClrLst/>
+    <dgm:txEffectClrLst/>
+  </dgm:styleLbl>
+  <dgm:styleLbl name="node2">
+    <dgm:fillClrLst meth="repeat">
+      <a:schemeClr val="accent1"/>
+    </dgm:fillClrLst>
+    <dgm:linClrLst meth="repeat">
+      <a:schemeClr val="lt1"/>
+    </dgm:linClrLst>
+    <dgm:effectClrLst/>
+    <dgm:txLinClrLst/>
+    <dgm:txFillClrLst/>
+    <dgm:txEffectClrLst/>
+  </dgm:styleLbl>
+  <dgm:styleLbl name="node3">
+    <dgm:fillClrLst meth="repeat">
+      <a:schemeClr val="accent1"/>
+    </dgm:fillClrLst>
+    <dgm:linClrLst meth="repeat">
+      <a:schemeClr val="lt1"/>
+    </dgm:linClrLst>
+    <dgm:effectClrLst/>
+    <dgm:txLinClrLst/>
+    <dgm:txFillClrLst/>
+    <dgm:txEffectClrLst/>
+  </dgm:styleLbl>
+  <dgm:styleLbl name="node4">
+    <dgm:fillClrLst meth="repeat">
+      <a:schemeClr val="accent1"/>
+    </dgm:fillClrLst>
+    <dgm:linClrLst meth="repeat">
+      <a:schemeClr val="lt1"/>
+    </dgm:linClrLst>
+    <dgm:effectClrLst/>
+    <dgm:txLinClrLst/>
+    <dgm:txFillClrLst/>
+    <dgm:txEffectClrLst/>
+  </dgm:styleLbl>
+  <dgm:styleLbl name="fgImgPlace1">
+    <dgm:fillClrLst meth="repeat">
+      <a:schemeClr val="accent1">
+        <a:tint val="50000"/>
+      </a:schemeClr>
+    </dgm:fillClrLst>
+    <dgm:linClrLst meth="repeat">
+      <a:schemeClr val="lt1"/>
+    </dgm:linClrLst>
+    <dgm:effectClrLst/>
+    <dgm:txLinClrLst/>
+    <dgm:txFillClrLst meth="repeat">
+      <a:schemeClr val="lt1"/>
+    </dgm:txFillClrLst>
+    <dgm:txEffectClrLst/>
+  </dgm:styleLbl>
+  <dgm:styleLbl name="alignImgPlace1">
+    <dgm:fillClrLst meth="repeat">
+      <a:schemeClr val="accent1">
+        <a:tint val="50000"/>
+      </a:schemeClr>
+    </dgm:fillClrLst>
+    <dgm:linClrLst meth="repeat">
+      <a:schemeClr val="lt1"/>
+    </dgm:linClrLst>
+    <dgm:effectClrLst/>
+    <dgm:txLinClrLst/>
+    <dgm:txFillClrLst meth="repeat">
+      <a:schemeClr val="lt1"/>
+    </dgm:txFillClrLst>
+    <dgm:txEffectClrLst/>
+  </dgm:styleLbl>
+  <dgm:styleLbl name="bgImgPlace1">
+    <dgm:fillClrLst meth="repeat">
+      <a:schemeClr val="accent1">
+        <a:tint val="50000"/>
+      </a:schemeClr>
+    </dgm:fillClrLst>
+    <dgm:linClrLst meth="repeat">
+      <a:schemeClr val="lt1"/>
+    </dgm:linClrLst>
+    <dgm:effectClrLst/>
+    <dgm:txLinClrLst/>
+    <dgm:txFillClrLst meth="repeat">
+      <a:schemeClr val="lt1"/>
+    </dgm:txFillClrLst>
+    <dgm:txEffectClrLst/>
+  </dgm:styleLbl>
+  <dgm:styleLbl name="sibTrans2D1">
+    <dgm:fillClrLst meth="repeat">
+      <a:schemeClr val="accent1">
+        <a:tint val="60000"/>
+      </a:schemeClr>
+    </dgm:fillClrLst>
+    <dgm:linClrLst meth="repeat">
+      <a:schemeClr val="accent1">
+        <a:tint val="60000"/>
+      </a:schemeClr>
+    </dgm:linClrLst>
+    <dgm:effectClrLst/>
+    <dgm:txLinClrLst/>
+    <dgm:txFillClrLst/>
+    <dgm:txEffectClrLst/>
+  </dgm:styleLbl>
+  <dgm:styleLbl name="fgSibTrans2D1">
+    <dgm:fillClrLst meth="repeat">
+      <a:schemeClr val="accent1">
+        <a:tint val="60000"/>
+      </a:schemeClr>
+    </dgm:fillClrLst>
+    <dgm:linClrLst meth="repeat">
+      <a:schemeClr val="accent1">
+        <a:tint val="60000"/>
+      </a:schemeClr>
+    </dgm:linClrLst>
+    <dgm:effectClrLst/>
+    <dgm:txLinClrLst/>
+    <dgm:txFillClrLst/>
+    <dgm:txEffectClrLst/>
+  </dgm:styleLbl>
+  <dgm:styleLbl name="bgSibTrans2D1">
+    <dgm:fillClrLst meth="repeat">
+      <a:schemeClr val="accent1">
+        <a:tint val="60000"/>
+      </a:schemeClr>
+    </dgm:fillClrLst>
+    <dgm:linClrLst meth="repeat">
+      <a:schemeClr val="accent1">
+        <a:tint val="60000"/>
+      </a:schemeClr>
+    </dgm:linClrLst>
+    <dgm:effectClrLst/>
+    <dgm:txLinClrLst/>
+    <dgm:txFillClrLst/>
+    <dgm:txEffectClrLst/>
+  </dgm:styleLbl>
+  <dgm:styleLbl name="sibTrans1D1">
+    <dgm:fillClrLst meth="repeat">
+      <a:schemeClr val="accent1"/>
+    </dgm:fillClrLst>
+    <dgm:linClrLst meth="repeat">
+      <a:schemeClr val="accent1"/>
+    </dgm:linClrLst>
+    <dgm:effectClrLst/>
+    <dgm:txLinClrLst/>
+    <dgm:txFillClrLst meth="repeat">
+      <a:schemeClr val="tx1"/>
+    </dgm:txFillClrLst>
+    <dgm:txEffectClrLst/>
+  </dgm:styleLbl>
+  <dgm:styleLbl name="callout">
+    <dgm:fillClrLst meth="repeat">
+      <a:schemeClr val="accent1"/>
+    </dgm:fillClrLst>
+    <dgm:linClrLst meth="repeat">
+      <a:schemeClr val="accent1">
+        <a:tint val="50000"/>
+      </a:schemeClr>
+    </dgm:linClrLst>
+    <dgm:effectClrLst/>
+    <dgm:txLinClrLst/>
+    <dgm:txFillClrLst meth="repeat">
+      <a:schemeClr val="tx1"/>
+    </dgm:txFillClrLst>
+    <dgm:txEffectClrLst/>
+  </dgm:styleLbl>
+  <dgm:styleLbl name="asst0">
+    <dgm:fillClrLst meth="repeat">
+      <a:schemeClr val="accent1"/>
+    </dgm:fillClrLst>
+    <dgm:linClrLst meth="repeat">
+      <a:schemeClr val="lt1"/>
+    </dgm:linClrLst>
+    <dgm:effectClrLst/>
+    <dgm:txLinClrLst/>
+    <dgm:txFillClrLst/>
+    <dgm:txEffectClrLst/>
+  </dgm:styleLbl>
+  <dgm:styleLbl name="asst1">
+    <dgm:fillClrLst meth="repeat">
+      <a:schemeClr val="accent1"/>
+    </dgm:fillClrLst>
+    <dgm:linClrLst meth="repeat">
+      <a:schemeClr val="lt1"/>
+    </dgm:linClrLst>
+    <dgm:effectClrLst/>
+    <dgm:txLinClrLst/>
+    <dgm:txFillClrLst/>
+    <dgm:txEffectClrLst/>
+  </dgm:styleLbl>
+  <dgm:styleLbl name="asst2">
+    <dgm:fillClrLst meth="repeat">
+      <a:schemeClr val="accent1"/>
+    </dgm:fillClrLst>
+    <dgm:linClrLst meth="repeat">
+      <a:schemeClr val="lt1"/>
+    </dgm:linClrLst>
+    <dgm:effectClrLst/>
+    <dgm:txLinClrLst/>
+    <dgm:txFillClrLst/>
+    <dgm:txEffectClrLst/>
+  </dgm:styleLbl>
+  <dgm:styleLbl name="asst3">
+    <dgm:fillClrLst meth="repeat">
+      <a:schemeClr val="accent1"/>
+    </dgm:fillClrLst>
+    <dgm:linClrLst meth="repeat">
+      <a:schemeClr val="lt1"/>
+    </dgm:linClrLst>
+    <dgm:effectClrLst/>
+    <dgm:txLinClrLst/>
+    <dgm:txFillClrLst/>
+    <dgm:txEffectClrLst/>
+  </dgm:styleLbl>
+  <dgm:styleLbl name="asst4">
+    <dgm:fillClrLst meth="repeat">
+      <a:schemeClr val="accent1"/>
+    </dgm:fillClrLst>
+    <dgm:linClrLst meth="repeat">
+      <a:schemeClr val="lt1"/>
+    </dgm:linClrLst>
+    <dgm:effectClrLst/>
+    <dgm:txLinClrLst/>
+    <dgm:txFillClrLst/>
+    <dgm:txEffectClrLst/>
+  </dgm:styleLbl>
+  <dgm:styleLbl name="parChTrans2D1">
+    <dgm:fillClrLst meth="repeat">
+      <a:schemeClr val="accent1">
+        <a:tint val="60000"/>
+      </a:schemeClr>
+    </dgm:fillClrLst>
+    <dgm:linClrLst meth="repeat">
+      <a:schemeClr val="accent1">
+        <a:tint val="60000"/>
+      </a:schemeClr>
+    </dgm:linClrLst>
+    <dgm:effectClrLst/>
+    <dgm:txLinClrLst/>
+    <dgm:txFillClrLst meth="repeat">
+      <a:schemeClr val="lt1"/>
+    </dgm:txFillClrLst>
+    <dgm:txEffectClrLst/>
+  </dgm:styleLbl>
+  <dgm:styleLbl name="parChTrans2D2">
+    <dgm:fillClrLst meth="repeat">
+      <a:schemeClr val="accent1"/>
+    </dgm:fillClrLst>
+    <dgm:linClrLst meth="repeat">
+      <a:schemeClr val="accent1"/>
+    </dgm:linClrLst>
+    <dgm:effectClrLst/>
+    <dgm:txLinClrLst/>
+    <dgm:txFillClrLst meth="repeat">
+      <a:schemeClr val="lt1"/>
+    </dgm:txFillClrLst>
+    <dgm:txEffectClrLst/>
+  </dgm:styleLbl>
+  <dgm:styleLbl name="parChTrans2D3">
+    <dgm:fillClrLst meth="repeat">
+      <a:schemeClr val="accent1"/>
+    </dgm:fillClrLst>
+    <dgm:linClrLst meth="repeat">
+      <a:schemeClr val="accent1"/>
+    </dgm:linClrLst>
+    <dgm:effectClrLst/>
+    <dgm:txLinClrLst/>
+    <dgm:txFillClrLst meth="repeat">
+      <a:schemeClr val="lt1"/>
+    </dgm:txFillClrLst>
+    <dgm:txEffectClrLst/>
+  </dgm:styleLbl>
+  <dgm:styleLbl name="parChTrans2D4">
+    <dgm:fillClrLst meth="repeat">
+      <a:schemeClr val="accent1"/>
+    </dgm:fillClrLst>
+    <dgm:linClrLst meth="repeat">
+      <a:schemeClr val="accent1"/>
+    </dgm:linClrLst>
+    <dgm:effectClrLst/>
+    <dgm:txLinClrLst/>
+    <dgm:txFillClrLst meth="repeat">
+      <a:schemeClr val="lt1"/>
+    </dgm:txFillClrLst>
+    <dgm:txEffectClrLst/>
+  </dgm:styleLbl>
+  <dgm:styleLbl name="parChTrans1D1">
+    <dgm:fillClrLst meth="repeat">
+      <a:schemeClr val="accent1"/>
+    </dgm:fillClrLst>
+    <dgm:linClrLst meth="repeat">
+      <a:schemeClr val="accent1">
+        <a:shade val="60000"/>
+      </a:schemeClr>
+    </dgm:linClrLst>
+    <dgm:effectClrLst/>
+    <dgm:txLinClrLst/>
+    <dgm:txFillClrLst meth="repeat">
+      <a:schemeClr val="tx1"/>
+    </dgm:txFillClrLst>
+    <dgm:txEffectClrLst/>
+  </dgm:styleLbl>
+  <dgm:styleLbl name="parChTrans1D2">
+    <dgm:fillClrLst meth="repeat">
+      <a:schemeClr val="accent1"/>
+    </dgm:fillClrLst>
+    <dgm:linClrLst meth="repeat">
+      <a:schemeClr val="accent1">
+        <a:shade val="60000"/>
+      </a:schemeClr>
+    </dgm:linClrLst>
+    <dgm:effectClrLst/>
+    <dgm:txLinClrLst/>
+    <dgm:txFillClrLst meth="repeat">
+      <a:schemeClr val="tx1"/>
+    </dgm:txFillClrLst>
+    <dgm:txEffectClrLst/>
+  </dgm:styleLbl>
+  <dgm:styleLbl name="parChTrans1D3">
+    <dgm:fillClrLst meth="repeat">
+      <a:schemeClr val="accent1"/>
+    </dgm:fillClrLst>
+    <dgm:linClrLst meth="repeat">
+      <a:schemeClr val="accent1">
+        <a:shade val="80000"/>
+      </a:schemeClr>
+    </dgm:linClrLst>
+    <dgm:effectClrLst/>
+    <dgm:txLinClrLst/>
+    <dgm:txFillClrLst meth="repeat">
+      <a:schemeClr val="tx1"/>
+    </dgm:txFillClrLst>
+    <dgm:txEffectClrLst/>
+  </dgm:styleLbl>
+  <dgm:styleLbl name="parChTrans1D4">
+    <dgm:fillClrLst meth="repeat">
+      <a:schemeClr val="accent1"/>
+    </dgm:fillClrLst>
+    <dgm:linClrLst meth="repeat">
+      <a:schemeClr val="accent1">
+        <a:shade val="80000"/>
+      </a:schemeClr>
+    </dgm:linClrLst>
+    <dgm:effectClrLst/>
+    <dgm:txLinClrLst/>
+    <dgm:txFillClrLst meth="repeat">
+      <a:schemeClr val="tx1"/>
+    </dgm:txFillClrLst>
+    <dgm:txEffectClrLst/>
+  </dgm:styleLbl>
+  <dgm:styleLbl name="fgAcc1">
+    <dgm:fillClrLst meth="repeat">
+      <a:schemeClr val="lt1">
+        <a:alpha val="90000"/>
+      </a:schemeClr>
+    </dgm:fillClrLst>
+    <dgm:linClrLst meth="repeat">
+      <a:schemeClr val="accent1"/>
+    </dgm:linClrLst>
+    <dgm:effectClrLst/>
+    <dgm:txLinClrLst/>
+    <dgm:txFillClrLst meth="repeat">
+      <a:schemeClr val="dk1"/>
+    </dgm:txFillClrLst>
+    <dgm:txEffectClrLst/>
+  </dgm:styleLbl>
+  <dgm:styleLbl name="conFgAcc1">
+    <dgm:fillClrLst meth="repeat">
+      <a:schemeClr val="lt1">
+        <a:alpha val="90000"/>
+      </a:schemeClr>
+    </dgm:fillClrLst>
+    <dgm:linClrLst meth="repeat">
+      <a:schemeClr val="accent1"/>
+    </dgm:linClrLst>
+    <dgm:effectClrLst/>
+    <dgm:txLinClrLst/>
+    <dgm:txFillClrLst meth="repeat">
+      <a:schemeClr val="dk1"/>
+    </dgm:txFillClrLst>
+    <dgm:txEffectClrLst/>
+  </dgm:styleLbl>
+  <dgm:styleLbl name="alignAcc1">
+    <dgm:fillClrLst meth="repeat">
+      <a:schemeClr val="lt1">
+        <a:alpha val="90000"/>
+      </a:schemeClr>
+    </dgm:fillClrLst>
+    <dgm:linClrLst meth="repeat">
+      <a:schemeClr val="accent1"/>
+    </dgm:linClrLst>
+    <dgm:effectClrLst/>
+    <dgm:txLinClrLst/>
+    <dgm:txFillClrLst meth="repeat">
+      <a:schemeClr val="dk1"/>
+    </dgm:txFillClrLst>
+    <dgm:txEffectClrLst/>
+  </dgm:styleLbl>
+  <dgm:styleLbl name="trAlignAcc1">
+    <dgm:fillClrLst meth="repeat">
+      <a:schemeClr val="lt1">
+        <a:alpha val="40000"/>
+      </a:schemeClr>
+    </dgm:fillClrLst>
+    <dgm:linClrLst meth="repeat">
+      <a:schemeClr val="accent1"/>
+    </dgm:linClrLst>
+    <dgm:effectClrLst/>
+    <dgm:txLinClrLst/>
+    <dgm:txFillClrLst meth="repeat">
+      <a:schemeClr val="dk1"/>
+    </dgm:txFillClrLst>
+    <dgm:txEffectClrLst/>
+  </dgm:styleLbl>
+  <dgm:styleLbl name="bgAcc1">
+    <dgm:fillClrLst meth="repeat">
+      <a:schemeClr val="lt1">
+        <a:alpha val="90000"/>
+      </a:schemeClr>
+    </dgm:fillClrLst>
+    <dgm:linClrLst meth="repeat">
+      <a:schemeClr val="accent1"/>
+    </dgm:linClrLst>
+    <dgm:effectClrLst/>
+    <dgm:txLinClrLst/>
+    <dgm:txFillClrLst meth="repeat">
+      <a:schemeClr val="dk1"/>
+    </dgm:txFillClrLst>
+    <dgm:txEffectClrLst/>
+  </dgm:styleLbl>
+  <dgm:styleLbl name="solidFgAcc1">
+    <dgm:fillClrLst meth="repeat">
+      <a:schemeClr val="lt1"/>
+    </dgm:fillClrLst>
+    <dgm:linClrLst meth="repeat">
+      <a:schemeClr val="accent1"/>
+    </dgm:linClrLst>
+    <dgm:effectClrLst/>
+    <dgm:txLinClrLst/>
+    <dgm:txFillClrLst meth="repeat">
+      <a:schemeClr val="dk1"/>
+    </dgm:txFillClrLst>
+    <dgm:txEffectClrLst/>
+  </dgm:styleLbl>
+  <dgm:styleLbl name="solidAlignAcc1">
+    <dgm:fillClrLst meth="repeat">
+      <a:schemeClr val="lt1"/>
+    </dgm:fillClrLst>
+    <dgm:linClrLst meth="repeat">
+      <a:schemeClr val="accent1"/>
+    </dgm:linClrLst>
+    <dgm:effectClrLst/>
+    <dgm:txLinClrLst/>
+    <dgm:txFillClrLst meth="repeat">
+      <a:schemeClr val="dk1"/>
+    </dgm:txFillClrLst>
+    <dgm:txEffectClrLst/>
+  </dgm:styleLbl>
+  <dgm:styleLbl name="solidBgAcc1">
+    <dgm:fillClrLst meth="repeat">
+      <a:schemeClr val="lt1"/>
+    </dgm:fillClrLst>
+    <dgm:linClrLst meth="repeat">
+      <a:schemeClr val="accent1"/>
+    </dgm:linClrLst>
+    <dgm:effectClrLst/>
+    <dgm:txLinClrLst/>
+    <dgm:txFillClrLst meth="repeat">
+      <a:schemeClr val="dk1"/>
+    </dgm:txFillClrLst>
+    <dgm:txEffectClrLst/>
+  </dgm:styleLbl>
+  <dgm:styleLbl name="fgAccFollowNode1">
+    <dgm:fillClrLst meth="repeat">
+      <a:schemeClr val="accent1">
+        <a:alpha val="90000"/>
+        <a:tint val="40000"/>
+      </a:schemeClr>
+    </dgm:fillClrLst>
+    <dgm:linClrLst meth="repeat">
+      <a:schemeClr val="accent1">
+        <a:alpha val="90000"/>
+        <a:tint val="40000"/>
+      </a:schemeClr>
+    </dgm:linClrLst>
+    <dgm:effectClrLst/>
+    <dgm:txLinClrLst/>
+    <dgm:txFillClrLst meth="repeat">
+      <a:schemeClr val="dk1"/>
+    </dgm:txFillClrLst>
+    <dgm:txEffectClrLst/>
+  </dgm:styleLbl>
+  <dgm:styleLbl name="alignAccFollowNode1">
+    <dgm:fillClrLst meth="repeat">
+      <a:schemeClr val="accent1">
+        <a:alpha val="90000"/>
+        <a:tint val="40000"/>
+      </a:schemeClr>
+    </dgm:fillClrLst>
+    <dgm:linClrLst meth="repeat">
+      <a:schemeClr val="accent1">
+        <a:alpha val="90000"/>
+        <a:tint val="40000"/>
+      </a:schemeClr>
+    </dgm:linClrLst>
+    <dgm:effectClrLst/>
+    <dgm:txLinClrLst/>
+    <dgm:txFillClrLst meth="repeat">
+      <a:schemeClr val="dk1"/>
+    </dgm:txFillClrLst>
+    <dgm:txEffectClrLst/>
+  </dgm:styleLbl>
+  <dgm:styleLbl name="bgAccFollowNode1">
+    <dgm:fillClrLst meth="repeat">
+      <a:schemeClr val="accent1">
+        <a:alpha val="90000"/>
+        <a:tint val="40000"/>
+      </a:schemeClr>
+    </dgm:fillClrLst>
+    <dgm:linClrLst meth="repeat">
+      <a:schemeClr val="accent1">
+        <a:alpha val="90000"/>
+        <a:tint val="40000"/>
+      </a:schemeClr>
+    </dgm:linClrLst>
+    <dgm:effectClrLst/>
+    <dgm:txLinClrLst/>
+    <dgm:txFillClrLst meth="repeat">
+      <a:schemeClr val="dk1"/>
+    </dgm:txFillClrLst>
+    <dgm:txEffectClrLst/>
+  </dgm:styleLbl>
+  <dgm:styleLbl name="fgAcc0">
+    <dgm:fillClrLst meth="repeat">
+      <a:schemeClr val="lt1">
+        <a:alpha val="90000"/>
+      </a:schemeClr>
+    </dgm:fillClrLst>
+    <dgm:linClrLst meth="repeat">
+      <a:schemeClr val="accent1"/>
+    </dgm:linClrLst>
+    <dgm:effectClrLst/>
+    <dgm:txLinClrLst/>
+    <dgm:txFillClrLst meth="repeat">
+      <a:schemeClr val="dk1"/>
+    </dgm:txFillClrLst>
+    <dgm:txEffectClrLst/>
+  </dgm:styleLbl>
+  <dgm:styleLbl name="fgAcc2">
+    <dgm:fillClrLst meth="repeat">
+      <a:schemeClr val="lt1">
+        <a:alpha val="90000"/>
+      </a:schemeClr>
+    </dgm:fillClrLst>
+    <dgm:linClrLst meth="repeat">
+      <a:schemeClr val="accent1"/>
+    </dgm:linClrLst>
+    <dgm:effectClrLst/>
+    <dgm:txLinClrLst/>
+    <dgm:txFillClrLst meth="repeat">
+      <a:schemeClr val="dk1"/>
+    </dgm:txFillClrLst>
+    <dgm:txEffectClrLst/>
+  </dgm:styleLbl>
+  <dgm:styleLbl name="fgAcc3">
+    <dgm:fillClrLst meth="repeat">
+      <a:schemeClr val="lt1">
+        <a:alpha val="90000"/>
+      </a:schemeClr>
+    </dgm:fillClrLst>
+    <dgm:linClrLst meth="repeat">
+      <a:schemeClr val="accent1"/>
+    </dgm:linClrLst>
+    <dgm:effectClrLst/>
+    <dgm:txLinClrLst/>
+    <dgm:txFillClrLst meth="repeat">
+      <a:schemeClr val="dk1"/>
+    </dgm:txFillClrLst>
+    <dgm:txEffectClrLst/>
+  </dgm:styleLbl>
+  <dgm:styleLbl name="fgAcc4">
+    <dgm:fillClrLst meth="repeat">
+      <a:schemeClr val="lt1">
+        <a:alpha val="90000"/>
+      </a:schemeClr>
+    </dgm:fillClrLst>
+    <dgm:linClrLst meth="repeat">
+      <a:schemeClr val="accent1"/>
+    </dgm:linClrLst>
+    <dgm:effectClrLst/>
+    <dgm:txLinClrLst/>
+    <dgm:txFillClrLst meth="repeat">
+      <a:schemeClr val="dk1"/>
+    </dgm:txFillClrLst>
+    <dgm:txEffectClrLst/>
+  </dgm:styleLbl>
+  <dgm:styleLbl name="bgShp">
+    <dgm:fillClrLst meth="repeat">
+      <a:schemeClr val="accent1">
+        <a:tint val="40000"/>
+      </a:schemeClr>
+    </dgm:fillClrLst>
+    <dgm:linClrLst meth="repeat">
+      <a:schemeClr val="accent1"/>
+    </dgm:linClrLst>
+    <dgm:effectClrLst/>
+    <dgm:txLinClrLst/>
+    <dgm:txFillClrLst meth="repeat">
+      <a:schemeClr val="dk1"/>
+    </dgm:txFillClrLst>
+    <dgm:txEffectClrLst/>
+  </dgm:styleLbl>
+  <dgm:styleLbl name="dkBgShp">
+    <dgm:fillClrLst meth="repeat">
+      <a:schemeClr val="accent1">
+        <a:shade val="80000"/>
+      </a:schemeClr>
+    </dgm:fillClrLst>
+    <dgm:linClrLst meth="repeat">
+      <a:schemeClr val="accent1"/>
+    </dgm:linClrLst>
+    <dgm:effectClrLst/>
+    <dgm:txLinClrLst/>
+    <dgm:txFillClrLst meth="repeat">
+      <a:schemeClr val="lt1"/>
+    </dgm:txFillClrLst>
+    <dgm:txEffectClrLst/>
+  </dgm:styleLbl>
+  <dgm:styleLbl name="trBgShp">
+    <dgm:fillClrLst meth="repeat">
+      <a:schemeClr val="accent1">
+        <a:tint val="50000"/>
+        <a:alpha val="40000"/>
+      </a:schemeClr>
+    </dgm:fillClrLst>
+    <dgm:linClrLst meth="repeat">
+      <a:schemeClr val="accent1"/>
+    </dgm:linClrLst>
+    <dgm:effectClrLst/>
+    <dgm:txLinClrLst/>
+    <dgm:txFillClrLst meth="repeat">
+      <a:schemeClr val="lt1"/>
+    </dgm:txFillClrLst>
+    <dgm:txEffectClrLst/>
+  </dgm:styleLbl>
+  <dgm:styleLbl name="fgShp">
+    <dgm:fillClrLst meth="repeat">
+      <a:schemeClr val="accent1">
+        <a:tint val="60000"/>
+      </a:schemeClr>
+    </dgm:fillClrLst>
+    <dgm:linClrLst meth="repeat">
+      <a:schemeClr val="lt1"/>
+    </dgm:linClrLst>
+    <dgm:effectClrLst/>
+    <dgm:txLinClrLst/>
+    <dgm:txFillClrLst meth="repeat">
+      <a:schemeClr val="dk1"/>
+    </dgm:txFillClrLst>
+    <dgm:txEffectClrLst/>
+  </dgm:styleLbl>
+  <dgm:styleLbl name="revTx">
+    <dgm:fillClrLst meth="repeat">
+      <a:schemeClr val="lt1">
+        <a:alpha val="0"/>
+      </a:schemeClr>
+    </dgm:fillClrLst>
+    <dgm:linClrLst meth="repeat">
+      <a:schemeClr val="dk1">
+        <a:alpha val="0"/>
+      </a:schemeClr>
+    </dgm:linClrLst>
+    <dgm:effectClrLst/>
+    <dgm:txLinClrLst/>
+    <dgm:txFillClrLst meth="repeat">
+      <a:schemeClr val="tx1"/>
+    </dgm:txFillClrLst>
+    <dgm:txEffectClrLst/>
+  </dgm:styleLbl>
+</dgm:colorsDef>
+</file>
+
+<file path=ppt/diagrams/data1.xml><?xml version="1.0" encoding="utf-8"?>
+<dgm:dataModel xmlns:dgm="http://schemas.openxmlformats.org/drawingml/2006/diagram" xmlns:a="http://schemas.openxmlformats.org/drawingml/2006/main">
+  <dgm:ptLst>
+    <dgm:pt modelId="{9D0FAC36-B06F-45C5-98F5-6E3940E80C6A}" type="doc">
+      <dgm:prSet loTypeId="urn:microsoft.com/office/officeart/2005/8/layout/cycle5" loCatId="cycle" qsTypeId="urn:microsoft.com/office/officeart/2005/8/quickstyle/simple1" qsCatId="simple" csTypeId="urn:microsoft.com/office/officeart/2005/8/colors/accent1_2" csCatId="accent1" phldr="1"/>
+      <dgm:spPr/>
+      <dgm:t>
+        <a:bodyPr/>
+        <a:lstStyle/>
+        <a:p>
+          <a:endParaRPr lang="en-GB"/>
+        </a:p>
+      </dgm:t>
+    </dgm:pt>
+    <dgm:pt modelId="{6207451C-8F0C-46E8-BB9D-EEAC9C5EA7B4}">
+      <dgm:prSet phldrT="[Text]" custT="1">
+        <dgm:style>
+          <a:lnRef idx="2">
+            <a:schemeClr val="accent3"/>
+          </a:lnRef>
+          <a:fillRef idx="1">
+            <a:schemeClr val="lt1"/>
+          </a:fillRef>
+          <a:effectRef idx="0">
+            <a:schemeClr val="accent3"/>
+          </a:effectRef>
+          <a:fontRef idx="minor">
+            <a:schemeClr val="dk1"/>
+          </a:fontRef>
+        </dgm:style>
+      </dgm:prSet>
+      <dgm:spPr/>
+      <dgm:t>
+        <a:bodyPr/>
+        <a:lstStyle/>
+        <a:p>
+          <a:r>
+            <a:rPr lang="en-GB" sz="2400" dirty="0">
+              <a:latin typeface="Quicksand" panose="020B0604020202020204" charset="0"/>
+            </a:rPr>
+            <a:t>Write a test that fails.</a:t>
+          </a:r>
+        </a:p>
+      </dgm:t>
+    </dgm:pt>
+    <dgm:pt modelId="{D741442A-F424-41F1-9C75-F4E03979C4BB}" type="parTrans" cxnId="{CAE33026-C6D0-41CC-A6DC-3A3DD4F52C71}">
+      <dgm:prSet/>
+      <dgm:spPr/>
+      <dgm:t>
+        <a:bodyPr/>
+        <a:lstStyle/>
+        <a:p>
+          <a:endParaRPr lang="en-GB"/>
+        </a:p>
+      </dgm:t>
+    </dgm:pt>
+    <dgm:pt modelId="{37F7AAE1-B181-4D35-85D8-0D0C54147F51}" type="sibTrans" cxnId="{CAE33026-C6D0-41CC-A6DC-3A3DD4F52C71}">
+      <dgm:prSet/>
+      <dgm:spPr>
+        <a:ln w="38100">
+          <a:solidFill>
+            <a:schemeClr val="accent1"/>
+          </a:solidFill>
+        </a:ln>
+      </dgm:spPr>
+      <dgm:t>
+        <a:bodyPr/>
+        <a:lstStyle/>
+        <a:p>
+          <a:endParaRPr lang="en-GB"/>
+        </a:p>
+      </dgm:t>
+    </dgm:pt>
+    <dgm:pt modelId="{B993DF55-2768-4BFB-ADFC-32188DD3AFB5}">
+      <dgm:prSet phldrT="[Text]" custT="1">
+        <dgm:style>
+          <a:lnRef idx="2">
+            <a:schemeClr val="accent3"/>
+          </a:lnRef>
+          <a:fillRef idx="1">
+            <a:schemeClr val="lt1"/>
+          </a:fillRef>
+          <a:effectRef idx="0">
+            <a:schemeClr val="accent3"/>
+          </a:effectRef>
+          <a:fontRef idx="minor">
+            <a:schemeClr val="dk1"/>
+          </a:fontRef>
+        </dgm:style>
+      </dgm:prSet>
+      <dgm:spPr/>
+      <dgm:t>
+        <a:bodyPr/>
+        <a:lstStyle/>
+        <a:p>
+          <a:pPr marL="0" lvl="0" indent="0" algn="ctr" defTabSz="1066800">
+            <a:lnSpc>
+              <a:spcPct val="90000"/>
+            </a:lnSpc>
+            <a:spcBef>
+              <a:spcPct val="0"/>
+            </a:spcBef>
+            <a:spcAft>
+              <a:spcPct val="35000"/>
+            </a:spcAft>
+            <a:buNone/>
+          </a:pPr>
+          <a:r>
+            <a:rPr lang="en-GB" sz="2400" kern="1200" dirty="0">
+              <a:solidFill>
+                <a:schemeClr val="accent3"/>
+              </a:solidFill>
+              <a:latin typeface="Quicksand" panose="020B0604020202020204" charset="0"/>
+              <a:ea typeface="+mn-ea"/>
+              <a:cs typeface="+mn-cs"/>
+            </a:rPr>
+            <a:t>Write code to make the test pass.</a:t>
+          </a:r>
+        </a:p>
+      </dgm:t>
+    </dgm:pt>
+    <dgm:pt modelId="{177F763B-E571-4EC5-9E0A-57597BC4C508}" type="sibTrans" cxnId="{530C7E9B-ACC6-4D99-9A41-2FA5DCD02EEA}">
+      <dgm:prSet/>
+      <dgm:spPr>
+        <a:ln w="38100">
+          <a:solidFill>
+            <a:schemeClr val="accent1"/>
+          </a:solidFill>
+        </a:ln>
+      </dgm:spPr>
+      <dgm:t>
+        <a:bodyPr/>
+        <a:lstStyle/>
+        <a:p>
+          <a:endParaRPr lang="en-GB"/>
+        </a:p>
+      </dgm:t>
+    </dgm:pt>
+    <dgm:pt modelId="{3E703F4B-B8BA-41CE-A2F2-BC9048F5DA34}" type="parTrans" cxnId="{530C7E9B-ACC6-4D99-9A41-2FA5DCD02EEA}">
+      <dgm:prSet/>
+      <dgm:spPr/>
+      <dgm:t>
+        <a:bodyPr/>
+        <a:lstStyle/>
+        <a:p>
+          <a:endParaRPr lang="en-GB"/>
+        </a:p>
+      </dgm:t>
+    </dgm:pt>
+    <dgm:pt modelId="{24549E34-6654-49F4-A582-675D59698881}" type="pres">
+      <dgm:prSet presAssocID="{9D0FAC36-B06F-45C5-98F5-6E3940E80C6A}" presName="cycle" presStyleCnt="0">
+        <dgm:presLayoutVars>
+          <dgm:dir/>
+          <dgm:resizeHandles val="exact"/>
+        </dgm:presLayoutVars>
+      </dgm:prSet>
+      <dgm:spPr/>
+    </dgm:pt>
+    <dgm:pt modelId="{B385CBB0-EE78-4D4C-BF2D-F92C81EBF634}" type="pres">
+      <dgm:prSet presAssocID="{6207451C-8F0C-46E8-BB9D-EEAC9C5EA7B4}" presName="node" presStyleLbl="node1" presStyleIdx="0" presStyleCnt="2" custScaleY="40558" custRadScaleRad="75090" custRadScaleInc="-2365">
+        <dgm:presLayoutVars>
+          <dgm:bulletEnabled val="1"/>
+        </dgm:presLayoutVars>
+      </dgm:prSet>
+      <dgm:spPr/>
+    </dgm:pt>
+    <dgm:pt modelId="{ECD64DD0-BAFA-473E-AD7D-ED074CB98A28}" type="pres">
+      <dgm:prSet presAssocID="{6207451C-8F0C-46E8-BB9D-EEAC9C5EA7B4}" presName="spNode" presStyleCnt="0"/>
+      <dgm:spPr/>
+    </dgm:pt>
+    <dgm:pt modelId="{6B4B0A9D-3E7F-4FA5-8F46-D2E750D7F614}" type="pres">
+      <dgm:prSet presAssocID="{37F7AAE1-B181-4D35-85D8-0D0C54147F51}" presName="sibTrans" presStyleLbl="sibTrans1D1" presStyleIdx="0" presStyleCnt="2"/>
+      <dgm:spPr/>
+    </dgm:pt>
+    <dgm:pt modelId="{5E82A651-477C-4338-8E4B-B6D269BB952C}" type="pres">
+      <dgm:prSet presAssocID="{B993DF55-2768-4BFB-ADFC-32188DD3AFB5}" presName="node" presStyleLbl="node1" presStyleIdx="1" presStyleCnt="2" custScaleY="40558" custRadScaleRad="166955" custRadScaleInc="1064">
+        <dgm:presLayoutVars>
+          <dgm:bulletEnabled val="1"/>
+        </dgm:presLayoutVars>
+      </dgm:prSet>
+      <dgm:spPr/>
+    </dgm:pt>
+    <dgm:pt modelId="{D149B7BF-4F7A-446C-9A25-51CB4CFFD03C}" type="pres">
+      <dgm:prSet presAssocID="{B993DF55-2768-4BFB-ADFC-32188DD3AFB5}" presName="spNode" presStyleCnt="0"/>
+      <dgm:spPr/>
+    </dgm:pt>
+    <dgm:pt modelId="{88D83082-7A5B-44AB-A11E-30B9E3313153}" type="pres">
+      <dgm:prSet presAssocID="{177F763B-E571-4EC5-9E0A-57597BC4C508}" presName="sibTrans" presStyleLbl="sibTrans1D1" presStyleIdx="1" presStyleCnt="2"/>
+      <dgm:spPr/>
+    </dgm:pt>
+  </dgm:ptLst>
+  <dgm:cxnLst>
+    <dgm:cxn modelId="{CAE33026-C6D0-41CC-A6DC-3A3DD4F52C71}" srcId="{9D0FAC36-B06F-45C5-98F5-6E3940E80C6A}" destId="{6207451C-8F0C-46E8-BB9D-EEAC9C5EA7B4}" srcOrd="0" destOrd="0" parTransId="{D741442A-F424-41F1-9C75-F4E03979C4BB}" sibTransId="{37F7AAE1-B181-4D35-85D8-0D0C54147F51}"/>
+    <dgm:cxn modelId="{6F6CA35B-9209-48E9-B5C9-FD49D5747E5E}" type="presOf" srcId="{6207451C-8F0C-46E8-BB9D-EEAC9C5EA7B4}" destId="{B385CBB0-EE78-4D4C-BF2D-F92C81EBF634}" srcOrd="0" destOrd="0" presId="urn:microsoft.com/office/officeart/2005/8/layout/cycle5"/>
+    <dgm:cxn modelId="{47285467-677C-40E8-BA11-6716A0D50F4C}" type="presOf" srcId="{37F7AAE1-B181-4D35-85D8-0D0C54147F51}" destId="{6B4B0A9D-3E7F-4FA5-8F46-D2E750D7F614}" srcOrd="0" destOrd="0" presId="urn:microsoft.com/office/officeart/2005/8/layout/cycle5"/>
+    <dgm:cxn modelId="{530C7E9B-ACC6-4D99-9A41-2FA5DCD02EEA}" srcId="{9D0FAC36-B06F-45C5-98F5-6E3940E80C6A}" destId="{B993DF55-2768-4BFB-ADFC-32188DD3AFB5}" srcOrd="1" destOrd="0" parTransId="{3E703F4B-B8BA-41CE-A2F2-BC9048F5DA34}" sibTransId="{177F763B-E571-4EC5-9E0A-57597BC4C508}"/>
+    <dgm:cxn modelId="{5D14CDB8-25CA-4CBE-9395-E637DA8FB498}" type="presOf" srcId="{9D0FAC36-B06F-45C5-98F5-6E3940E80C6A}" destId="{24549E34-6654-49F4-A582-675D59698881}" srcOrd="0" destOrd="0" presId="urn:microsoft.com/office/officeart/2005/8/layout/cycle5"/>
+    <dgm:cxn modelId="{378BD8D3-35FB-45C0-BADE-9B1719D52979}" type="presOf" srcId="{177F763B-E571-4EC5-9E0A-57597BC4C508}" destId="{88D83082-7A5B-44AB-A11E-30B9E3313153}" srcOrd="0" destOrd="0" presId="urn:microsoft.com/office/officeart/2005/8/layout/cycle5"/>
+    <dgm:cxn modelId="{49EEB1EC-F65B-4AF8-8A45-0182D27D0BAD}" type="presOf" srcId="{B993DF55-2768-4BFB-ADFC-32188DD3AFB5}" destId="{5E82A651-477C-4338-8E4B-B6D269BB952C}" srcOrd="0" destOrd="0" presId="urn:microsoft.com/office/officeart/2005/8/layout/cycle5"/>
+    <dgm:cxn modelId="{F7FAF19D-C411-4A64-A76F-57A453EF0660}" type="presParOf" srcId="{24549E34-6654-49F4-A582-675D59698881}" destId="{B385CBB0-EE78-4D4C-BF2D-F92C81EBF634}" srcOrd="0" destOrd="0" presId="urn:microsoft.com/office/officeart/2005/8/layout/cycle5"/>
+    <dgm:cxn modelId="{ECBB5AD6-DEE2-4F21-A17D-33FB0F6E24BE}" type="presParOf" srcId="{24549E34-6654-49F4-A582-675D59698881}" destId="{ECD64DD0-BAFA-473E-AD7D-ED074CB98A28}" srcOrd="1" destOrd="0" presId="urn:microsoft.com/office/officeart/2005/8/layout/cycle5"/>
+    <dgm:cxn modelId="{8BF4562B-1DB4-40E9-9C4C-A6FBDB06E2CF}" type="presParOf" srcId="{24549E34-6654-49F4-A582-675D59698881}" destId="{6B4B0A9D-3E7F-4FA5-8F46-D2E750D7F614}" srcOrd="2" destOrd="0" presId="urn:microsoft.com/office/officeart/2005/8/layout/cycle5"/>
+    <dgm:cxn modelId="{0E0615FE-B161-4DE2-A4BD-B1817A20D75A}" type="presParOf" srcId="{24549E34-6654-49F4-A582-675D59698881}" destId="{5E82A651-477C-4338-8E4B-B6D269BB952C}" srcOrd="3" destOrd="0" presId="urn:microsoft.com/office/officeart/2005/8/layout/cycle5"/>
+    <dgm:cxn modelId="{E8F6294C-DDCE-4735-B1C8-0DD73D4F55B5}" type="presParOf" srcId="{24549E34-6654-49F4-A582-675D59698881}" destId="{D149B7BF-4F7A-446C-9A25-51CB4CFFD03C}" srcOrd="4" destOrd="0" presId="urn:microsoft.com/office/officeart/2005/8/layout/cycle5"/>
+    <dgm:cxn modelId="{8C207DAC-68AE-4415-9979-5E2E821BF0C8}" type="presParOf" srcId="{24549E34-6654-49F4-A582-675D59698881}" destId="{88D83082-7A5B-44AB-A11E-30B9E3313153}" srcOrd="5" destOrd="0" presId="urn:microsoft.com/office/officeart/2005/8/layout/cycle5"/>
+  </dgm:cxnLst>
+  <dgm:bg/>
+  <dgm:whole/>
+  <dgm:extLst>
+    <a:ext uri="http://schemas.microsoft.com/office/drawing/2008/diagram">
+      <dsp:dataModelExt xmlns:dsp="http://schemas.microsoft.com/office/drawing/2008/diagram" relId="rId7" minVer="http://schemas.openxmlformats.org/drawingml/2006/diagram"/>
+    </a:ext>
+  </dgm:extLst>
+</dgm:dataModel>
+</file>
+
+<file path=ppt/diagrams/drawing1.xml><?xml version="1.0" encoding="utf-8"?>
+<dsp:drawing xmlns:dgm="http://schemas.openxmlformats.org/drawingml/2006/diagram" xmlns:dsp="http://schemas.microsoft.com/office/drawing/2008/diagram" xmlns:a="http://schemas.openxmlformats.org/drawingml/2006/main">
+  <dsp:spTree>
+    <dsp:nvGrpSpPr>
+      <dsp:cNvPr id="0" name=""/>
+      <dsp:cNvGrpSpPr/>
+    </dsp:nvGrpSpPr>
+    <dsp:grpSpPr/>
+    <dsp:sp modelId="{B385CBB0-EE78-4D4C-BF2D-F92C81EBF634}">
+      <dsp:nvSpPr>
+        <dsp:cNvPr id="0" name=""/>
+        <dsp:cNvSpPr/>
+      </dsp:nvSpPr>
+      <dsp:spPr>
+        <a:xfrm>
+          <a:off x="2659847" y="2884494"/>
+          <a:ext cx="5237295" cy="1380692"/>
+        </a:xfrm>
+        <a:prstGeom prst="roundRect">
+          <a:avLst/>
+        </a:prstGeom>
+        <a:solidFill>
+          <a:schemeClr val="lt1"/>
+        </a:solidFill>
+        <a:ln w="25400" cap="flat" cmpd="sng" algn="ctr">
+          <a:solidFill>
+            <a:schemeClr val="accent3"/>
+          </a:solidFill>
+          <a:prstDash val="solid"/>
+        </a:ln>
+        <a:effectLst/>
+      </dsp:spPr>
+      <dsp:style>
+        <a:lnRef idx="2">
+          <a:schemeClr val="accent3"/>
+        </a:lnRef>
+        <a:fillRef idx="1">
+          <a:schemeClr val="lt1"/>
+        </a:fillRef>
+        <a:effectRef idx="0">
+          <a:schemeClr val="accent3"/>
+        </a:effectRef>
+        <a:fontRef idx="minor">
+          <a:schemeClr val="dk1"/>
+        </a:fontRef>
+      </dsp:style>
+      <dsp:txBody>
+        <a:bodyPr spcFirstLastPara="0" vert="horz" wrap="square" lIns="91440" tIns="91440" rIns="91440" bIns="91440" numCol="1" spcCol="1270" anchor="ctr" anchorCtr="0">
+          <a:noAutofit/>
+        </a:bodyPr>
+        <a:lstStyle/>
+        <a:p>
+          <a:pPr marL="0" lvl="0" indent="0" algn="ctr" defTabSz="1066800">
+            <a:lnSpc>
+              <a:spcPct val="90000"/>
+            </a:lnSpc>
+            <a:spcBef>
+              <a:spcPct val="0"/>
+            </a:spcBef>
+            <a:spcAft>
+              <a:spcPct val="35000"/>
+            </a:spcAft>
+            <a:buNone/>
+          </a:pPr>
+          <a:r>
+            <a:rPr lang="en-GB" sz="2400" kern="1200" dirty="0">
+              <a:latin typeface="Quicksand" panose="020B0604020202020204" charset="0"/>
+            </a:rPr>
+            <a:t>Write a test that fails.</a:t>
+          </a:r>
+        </a:p>
+      </dsp:txBody>
+      <dsp:txXfrm>
+        <a:off x="2727247" y="2951894"/>
+        <a:ext cx="5102495" cy="1245892"/>
+      </dsp:txXfrm>
+    </dsp:sp>
+    <dsp:sp modelId="{6B4B0A9D-3E7F-4FA5-8F46-D2E750D7F614}">
+      <dsp:nvSpPr>
+        <dsp:cNvPr id="0" name=""/>
+        <dsp:cNvSpPr/>
+      </dsp:nvSpPr>
+      <dsp:spPr>
+        <a:xfrm>
+          <a:off x="5373269" y="-545319"/>
+          <a:ext cx="6859647" cy="6859647"/>
+        </a:xfrm>
+        <a:custGeom>
+          <a:avLst/>
+          <a:gdLst/>
+          <a:ahLst/>
+          <a:cxnLst/>
+          <a:rect l="0" t="0" r="0" b="0"/>
+          <a:pathLst>
+            <a:path>
+              <a:moveTo>
+                <a:pt x="270750" y="2094178"/>
+              </a:moveTo>
+              <a:arcTo wR="3429823" hR="3429823" stAng="12175109" swAng="8049803"/>
+            </a:path>
+          </a:pathLst>
+        </a:custGeom>
+        <a:noFill/>
+        <a:ln w="38100" cap="flat" cmpd="sng" algn="ctr">
+          <a:solidFill>
+            <a:schemeClr val="accent1"/>
+          </a:solidFill>
+          <a:prstDash val="solid"/>
+          <a:tailEnd type="arrow"/>
+        </a:ln>
+        <a:effectLst/>
+      </dsp:spPr>
+      <dsp:style>
+        <a:lnRef idx="1">
+          <a:scrgbClr r="0" g="0" b="0"/>
+        </a:lnRef>
+        <a:fillRef idx="0">
+          <a:scrgbClr r="0" g="0" b="0"/>
+        </a:fillRef>
+        <a:effectRef idx="0">
+          <a:scrgbClr r="0" g="0" b="0"/>
+        </a:effectRef>
+        <a:fontRef idx="minor"/>
+      </dsp:style>
+    </dsp:sp>
+    <dsp:sp modelId="{5E82A651-477C-4338-8E4B-B6D269BB952C}">
+      <dsp:nvSpPr>
+        <dsp:cNvPr id="0" name=""/>
+        <dsp:cNvSpPr/>
+      </dsp:nvSpPr>
+      <dsp:spPr>
+        <a:xfrm>
+          <a:off x="9656132" y="2884514"/>
+          <a:ext cx="5237295" cy="1380692"/>
+        </a:xfrm>
+        <a:prstGeom prst="roundRect">
+          <a:avLst/>
+        </a:prstGeom>
+        <a:solidFill>
+          <a:schemeClr val="lt1"/>
+        </a:solidFill>
+        <a:ln w="25400" cap="flat" cmpd="sng" algn="ctr">
+          <a:solidFill>
+            <a:schemeClr val="accent3"/>
+          </a:solidFill>
+          <a:prstDash val="solid"/>
+        </a:ln>
+        <a:effectLst/>
+      </dsp:spPr>
+      <dsp:style>
+        <a:lnRef idx="2">
+          <a:schemeClr val="accent3"/>
+        </a:lnRef>
+        <a:fillRef idx="1">
+          <a:schemeClr val="lt1"/>
+        </a:fillRef>
+        <a:effectRef idx="0">
+          <a:schemeClr val="accent3"/>
+        </a:effectRef>
+        <a:fontRef idx="minor">
+          <a:schemeClr val="dk1"/>
+        </a:fontRef>
+      </dsp:style>
+      <dsp:txBody>
+        <a:bodyPr spcFirstLastPara="0" vert="horz" wrap="square" lIns="91440" tIns="91440" rIns="91440" bIns="91440" numCol="1" spcCol="1270" anchor="ctr" anchorCtr="0">
+          <a:noAutofit/>
+        </a:bodyPr>
+        <a:lstStyle/>
+        <a:p>
+          <a:pPr marL="0" lvl="0" indent="0" algn="ctr" defTabSz="1066800">
+            <a:lnSpc>
+              <a:spcPct val="90000"/>
+            </a:lnSpc>
+            <a:spcBef>
+              <a:spcPct val="0"/>
+            </a:spcBef>
+            <a:spcAft>
+              <a:spcPct val="35000"/>
+            </a:spcAft>
+            <a:buNone/>
+          </a:pPr>
+          <a:r>
+            <a:rPr lang="en-GB" sz="2400" kern="1200" dirty="0">
+              <a:solidFill>
+                <a:schemeClr val="accent3"/>
+              </a:solidFill>
+              <a:latin typeface="Quicksand" panose="020B0604020202020204" charset="0"/>
+              <a:ea typeface="+mn-ea"/>
+              <a:cs typeface="+mn-cs"/>
+            </a:rPr>
+            <a:t>Write code to make the test pass.</a:t>
+          </a:r>
+        </a:p>
+      </dsp:txBody>
+      <dsp:txXfrm>
+        <a:off x="9723532" y="2951914"/>
+        <a:ext cx="5102495" cy="1245892"/>
+      </dsp:txXfrm>
+    </dsp:sp>
+    <dsp:sp modelId="{88D83082-7A5B-44AB-A11E-30B9E3313153}">
+      <dsp:nvSpPr>
+        <dsp:cNvPr id="0" name=""/>
+        <dsp:cNvSpPr/>
+      </dsp:nvSpPr>
+      <dsp:spPr>
+        <a:xfrm>
+          <a:off x="5409346" y="861184"/>
+          <a:ext cx="6808026" cy="6808026"/>
+        </a:xfrm>
+        <a:custGeom>
+          <a:avLst/>
+          <a:gdLst/>
+          <a:ahLst/>
+          <a:cxnLst/>
+          <a:rect l="0" t="0" r="0" b="0"/>
+          <a:pathLst>
+            <a:path>
+              <a:moveTo>
+                <a:pt x="6539312" y="4729607"/>
+              </a:moveTo>
+              <a:arcTo wR="3404013" hR="3404013" stAng="1375109" swAng="8049803"/>
+            </a:path>
+          </a:pathLst>
+        </a:custGeom>
+        <a:noFill/>
+        <a:ln w="38100" cap="flat" cmpd="sng" algn="ctr">
+          <a:solidFill>
+            <a:schemeClr val="accent1"/>
+          </a:solidFill>
+          <a:prstDash val="solid"/>
+          <a:tailEnd type="arrow"/>
+        </a:ln>
+        <a:effectLst/>
+      </dsp:spPr>
+      <dsp:style>
+        <a:lnRef idx="1">
+          <a:scrgbClr r="0" g="0" b="0"/>
+        </a:lnRef>
+        <a:fillRef idx="0">
+          <a:scrgbClr r="0" g="0" b="0"/>
+        </a:fillRef>
+        <a:effectRef idx="0">
+          <a:scrgbClr r="0" g="0" b="0"/>
+        </a:effectRef>
+        <a:fontRef idx="minor"/>
+      </dsp:style>
+    </dsp:sp>
+  </dsp:spTree>
+</dsp:drawing>
+</file>
+
+<file path=ppt/diagrams/layout1.xml><?xml version="1.0" encoding="utf-8"?>
+<dgm:layoutDef xmlns:dgm="http://schemas.openxmlformats.org/drawingml/2006/diagram" xmlns:a="http://schemas.openxmlformats.org/drawingml/2006/main" uniqueId="urn:microsoft.com/office/officeart/2005/8/layout/cycle5">
+  <dgm:title val=""/>
+  <dgm:desc val=""/>
+  <dgm:catLst>
+    <dgm:cat type="cycle" pri="3000"/>
+  </dgm:catLst>
+  <dgm:sampData>
+    <dgm:dataModel>
+      <dgm:ptLst>
+        <dgm:pt modelId="0" type="doc"/>
+        <dgm:pt modelId="1">
+          <dgm:prSet phldr="1"/>
+        </dgm:pt>
+        <dgm:pt modelId="2">
+          <dgm:prSet phldr="1"/>
+        </dgm:pt>
+        <dgm:pt modelId="3">
+          <dgm:prSet phldr="1"/>
+        </dgm:pt>
+        <dgm:pt modelId="4">
+          <dgm:prSet phldr="1"/>
+        </dgm:pt>
+        <dgm:pt modelId="5">
+          <dgm:prSet phldr="1"/>
+        </dgm:pt>
+      </dgm:ptLst>
+      <dgm:cxnLst>
+        <dgm:cxn modelId="6" srcId="0" destId="1" srcOrd="0" destOrd="0"/>
+        <dgm:cxn modelId="7" srcId="0" destId="2" srcOrd="1" destOrd="0"/>
+        <dgm:cxn modelId="8" srcId="0" destId="3" srcOrd="2" destOrd="0"/>
+        <dgm:cxn modelId="9" srcId="0" destId="4" srcOrd="3" destOrd="0"/>
+        <dgm:cxn modelId="10" srcId="0" destId="5" srcOrd="4" destOrd="0"/>
+      </dgm:cxnLst>
+      <dgm:bg/>
+      <dgm:whole/>
+    </dgm:dataModel>
+  </dgm:sampData>
+  <dgm:styleData>
+    <dgm:dataModel>
+      <dgm:ptLst>
+        <dgm:pt modelId="0" type="doc"/>
+        <dgm:pt modelId="1"/>
+        <dgm:pt modelId="2"/>
+        <dgm:pt modelId="3"/>
+      </dgm:ptLst>
+      <dgm:cxnLst>
+        <dgm:cxn modelId="4" srcId="0" destId="1" srcOrd="0" destOrd="0"/>
+        <dgm:cxn modelId="5" srcId="0" destId="2" srcOrd="1" destOrd="0"/>
+        <dgm:cxn modelId="6" srcId="0" destId="3" srcOrd="2" destOrd="0"/>
+      </dgm:cxnLst>
+      <dgm:bg/>
+      <dgm:whole/>
+    </dgm:dataModel>
+  </dgm:styleData>
+  <dgm:clrData>
+    <dgm:dataModel>
+      <dgm:ptLst>
+        <dgm:pt modelId="0" type="doc"/>
+        <dgm:pt modelId="1"/>
+        <dgm:pt modelId="2"/>
+        <dgm:pt modelId="3"/>
+        <dgm:pt modelId="4"/>
+        <dgm:pt modelId="5"/>
+        <dgm:pt modelId="6"/>
+      </dgm:ptLst>
+      <dgm:cxnLst>
+        <dgm:cxn modelId="7" srcId="0" destId="1" srcOrd="0" destOrd="0"/>
+        <dgm:cxn modelId="8" srcId="0" destId="2" srcOrd="1" destOrd="0"/>
+        <dgm:cxn modelId="9" srcId="0" destId="3" srcOrd="2" destOrd="0"/>
+        <dgm:cxn modelId="10" srcId="0" destId="4" srcOrd="3" destOrd="0"/>
+        <dgm:cxn modelId="11" srcId="0" destId="5" srcOrd="4" destOrd="0"/>
+        <dgm:cxn modelId="12" srcId="0" destId="6" srcOrd="5" destOrd="0"/>
+      </dgm:cxnLst>
+      <dgm:bg/>
+      <dgm:whole/>
+    </dgm:dataModel>
+  </dgm:clrData>
+  <dgm:layoutNode name="cycle">
+    <dgm:varLst>
+      <dgm:dir/>
+      <dgm:resizeHandles val="exact"/>
+    </dgm:varLst>
+    <dgm:choose name="Name0">
+      <dgm:if name="Name1" func="var" arg="dir" op="equ" val="norm">
+        <dgm:choose name="Name2">
+          <dgm:if name="Name3" axis="ch" ptType="node" func="cnt" op="gt" val="2">
+            <dgm:alg type="cycle">
+              <dgm:param type="stAng" val="0"/>
+              <dgm:param type="spanAng" val="360"/>
+            </dgm:alg>
+          </dgm:if>
+          <dgm:else name="Name4">
+            <dgm:alg type="cycle">
+              <dgm:param type="stAng" val="-90"/>
+              <dgm:param type="spanAng" val="360"/>
+            </dgm:alg>
+          </dgm:else>
+        </dgm:choose>
+      </dgm:if>
+      <dgm:else name="Name5">
+        <dgm:choose name="Name6">
+          <dgm:if name="Name7" axis="ch" ptType="node" func="cnt" op="gt" val="2">
+            <dgm:alg type="cycle">
+              <dgm:param type="stAng" val="0"/>
+              <dgm:param type="spanAng" val="-360"/>
+            </dgm:alg>
+          </dgm:if>
+          <dgm:else name="Name8">
+            <dgm:alg type="cycle">
+              <dgm:param type="stAng" val="90"/>
+              <dgm:param type="spanAng" val="-360"/>
+            </dgm:alg>
+          </dgm:else>
+        </dgm:choose>
+      </dgm:else>
+    </dgm:choose>
+    <dgm:shape xmlns:r="http://schemas.openxmlformats.org/officeDocument/2006/relationships" r:blip="">
+      <dgm:adjLst/>
+    </dgm:shape>
+    <dgm:presOf/>
+    <dgm:choose name="Name9">
+      <dgm:if name="Name10" func="var" arg="dir" op="equ" val="norm">
+        <dgm:constrLst>
+          <dgm:constr type="w" for="ch" forName="node" refType="w"/>
+          <dgm:constr type="w" for="ch" ptType="sibTrans" refType="w" refFor="ch" refForName="node" op="equ" fact="0.3"/>
+          <dgm:constr type="diam" for="ch" ptType="sibTrans" refType="diam" op="equ"/>
+          <dgm:constr type="sibSp" refType="w" refFor="ch" refForName="node" op="equ" fact="0.15"/>
+          <dgm:constr type="w" for="ch" forName="spNode" refType="sibSp" fact="1.6"/>
+          <dgm:constr type="primFontSz" for="ch" forName="node" op="equ" val="65"/>
+        </dgm:constrLst>
+      </dgm:if>
+      <dgm:else name="Name11">
+        <dgm:constrLst>
+          <dgm:constr type="w" for="ch" forName="node" refType="w"/>
+          <dgm:constr type="w" for="ch" ptType="sibTrans" refType="w" refFor="ch" refForName="node" op="equ" fact="0.3"/>
+          <dgm:constr type="diam" for="ch" ptType="sibTrans" refType="diam" fact="-1"/>
+          <dgm:constr type="diam" for="ch" refType="diam" op="equ" fact="-1"/>
+          <dgm:constr type="sibSp" refType="w" refFor="ch" refForName="node" op="equ" fact="0.15"/>
+          <dgm:constr type="w" for="ch" forName="spNode" refType="sibSp" fact="1.6"/>
+          <dgm:constr type="primFontSz" for="ch" forName="node" op="equ" val="65"/>
+        </dgm:constrLst>
+      </dgm:else>
+    </dgm:choose>
+    <dgm:ruleLst/>
+    <dgm:forEach name="Name12" axis="ch" ptType="node">
+      <dgm:layoutNode name="node">
+        <dgm:varLst>
+          <dgm:bulletEnabled val="1"/>
+        </dgm:varLst>
+        <dgm:alg type="tx"/>
+        <dgm:shape xmlns:r="http://schemas.openxmlformats.org/officeDocument/2006/relationships" type="roundRect" r:blip="">
+          <dgm:adjLst/>
+        </dgm:shape>
+        <dgm:presOf axis="desOrSelf" ptType="node"/>
+        <dgm:constrLst>
+          <dgm:constr type="h" refType="w" fact="0.65"/>
+          <dgm:constr type="tMarg" refType="primFontSz" fact="0.3"/>
+          <dgm:constr type="bMarg" refType="primFontSz" fact="0.3"/>
+          <dgm:constr type="lMarg" refType="primFontSz" fact="0.3"/>
+          <dgm:constr type="rMarg" refType="primFontSz" fact="0.3"/>
+        </dgm:constrLst>
+        <dgm:ruleLst>
+          <dgm:rule type="primFontSz" val="5" fact="NaN" max="NaN"/>
+        </dgm:ruleLst>
+      </dgm:layoutNode>
+      <dgm:choose name="Name13">
+        <dgm:if name="Name14" axis="par ch" ptType="doc node" func="cnt" op="gt" val="1">
+          <dgm:layoutNode name="spNode">
+            <dgm:alg type="sp"/>
+            <dgm:shape xmlns:r="http://schemas.openxmlformats.org/officeDocument/2006/relationships" r:blip="">
+              <dgm:adjLst/>
+            </dgm:shape>
+            <dgm:presOf/>
+            <dgm:constrLst>
+              <dgm:constr type="h" refType="w"/>
+            </dgm:constrLst>
+            <dgm:ruleLst/>
+          </dgm:layoutNode>
+          <dgm:forEach name="Name15" axis="followSib" ptType="sibTrans" hideLastTrans="0" cnt="1">
+            <dgm:layoutNode name="sibTrans">
+              <dgm:alg type="conn">
+                <dgm:param type="dim" val="1D"/>
+                <dgm:param type="connRout" val="curve"/>
+                <dgm:param type="begPts" val="radial"/>
+                <dgm:param type="endPts" val="radial"/>
+              </dgm:alg>
+              <dgm:shape xmlns:r="http://schemas.openxmlformats.org/officeDocument/2006/relationships" type="conn" r:blip="">
+                <dgm:adjLst/>
+              </dgm:shape>
+              <dgm:presOf axis="self"/>
+              <dgm:constrLst>
+                <dgm:constr type="h" refType="w" fact="0.65"/>
+                <dgm:constr type="connDist"/>
+                <dgm:constr type="begPad" refType="connDist" fact="0.2"/>
+                <dgm:constr type="endPad" refType="connDist" fact="0.2"/>
+              </dgm:constrLst>
+              <dgm:ruleLst/>
+            </dgm:layoutNode>
+          </dgm:forEach>
+        </dgm:if>
+        <dgm:else name="Name16"/>
+      </dgm:choose>
+    </dgm:forEach>
+  </dgm:layoutNode>
+</dgm:layoutDef>
+</file>
+
+<file path=ppt/diagrams/quickStyle1.xml><?xml version="1.0" encoding="utf-8"?>
+<dgm:styleDef xmlns:dgm="http://schemas.openxmlformats.org/drawingml/2006/diagram" xmlns:a="http://schemas.openxmlformats.org/drawingml/2006/main" uniqueId="urn:microsoft.com/office/officeart/2005/8/quickstyle/simple1">
+  <dgm:title val=""/>
+  <dgm:desc val=""/>
+  <dgm:catLst>
+    <dgm:cat type="simple" pri="10100"/>
+  </dgm:catLst>
+  <dgm:scene3d>
+    <a:camera prst="orthographicFront"/>
+    <a:lightRig rig="threePt" dir="t"/>
+  </dgm:scene3d>
+  <dgm:styleLbl name="node0">
+    <dgm:scene3d>
+      <a:camera prst="orthographicFront"/>
+      <a:lightRig rig="threePt" dir="t"/>
+    </dgm:scene3d>
+    <dgm:sp3d/>
+    <dgm:txPr/>
+    <dgm:style>
+      <a:lnRef idx="2">
+        <a:scrgbClr r="0" g="0" b="0"/>
+      </a:lnRef>
+      <a:fillRef idx="1">
+        <a:scrgbClr r="0" g="0" b="0"/>
+      </a:fillRef>
+      <a:effectRef idx="0">
+        <a:scrgbClr r="0" g="0" b="0"/>
+      </a:effectRef>
+      <a:fontRef idx="minor">
+        <a:schemeClr val="lt1"/>
+      </a:fontRef>
+    </dgm:style>
+  </dgm:styleLbl>
+  <dgm:styleLbl name="lnNode1">
+    <dgm:scene3d>
+      <a:camera prst="orthographicFront"/>
+      <a:lightRig rig="threePt" dir="t"/>
+    </dgm:scene3d>
+    <dgm:sp3d/>
+    <dgm:txPr/>
+    <dgm:style>
+      <a:lnRef idx="2">
+        <a:scrgbClr r="0" g="0" b="0"/>
+      </a:lnRef>
+      <a:fillRef idx="1">
+        <a:scrgbClr r="0" g="0" b="0"/>
+      </a:fillRef>
+      <a:effectRef idx="0">
+        <a:scrgbClr r="0" g="0" b="0"/>
+      </a:effectRef>
+      <a:fontRef idx="minor">
+        <a:schemeClr val="lt1"/>
+      </a:fontRef>
+    </dgm:style>
+  </dgm:styleLbl>
+  <dgm:styleLbl name="vennNode1">
+    <dgm:scene3d>
+      <a:camera prst="orthographicFront"/>
+      <a:lightRig rig="threePt" dir="t"/>
+    </dgm:scene3d>
+    <dgm:sp3d/>
+    <dgm:txPr/>
+    <dgm:style>
+      <a:lnRef idx="2">
+        <a:scrgbClr r="0" g="0" b="0"/>
+      </a:lnRef>
+      <a:fillRef idx="1">
+        <a:scrgbClr r="0" g="0" b="0"/>
+      </a:fillRef>
+      <a:effectRef idx="0">
+        <a:scrgbClr r="0" g="0" b="0"/>
+      </a:effectRef>
+      <a:fontRef idx="minor">
+        <a:schemeClr val="tx1"/>
+      </a:fontRef>
+    </dgm:style>
+  </dgm:styleLbl>
+  <dgm:styleLbl name="alignNode1">
+    <dgm:scene3d>
+      <a:camera prst="orthographicFront"/>
+      <a:lightRig rig="threePt" dir="t"/>
+    </dgm:scene3d>
+    <dgm:sp3d/>
+    <dgm:txPr/>
+    <dgm:style>
+      <a:lnRef idx="2">
+        <a:scrgbClr r="0" g="0" b="0"/>
+      </a:lnRef>
+      <a:fillRef idx="1">
+        <a:scrgbClr r="0" g="0" b="0"/>
+      </a:fillRef>
+      <a:effectRef idx="0">
+        <a:scrgbClr r="0" g="0" b="0"/>
+      </a:effectRef>
+      <a:fontRef idx="minor">
+        <a:schemeClr val="lt1"/>
+      </a:fontRef>
+    </dgm:style>
+  </dgm:styleLbl>
+  <dgm:styleLbl name="node1">
+    <dgm:scene3d>
+      <a:camera prst="orthographicFront"/>
+      <a:lightRig rig="threePt" dir="t"/>
+    </dgm:scene3d>
+    <dgm:sp3d/>
+    <dgm:txPr/>
+    <dgm:style>
+      <a:lnRef idx="2">
+        <a:scrgbClr r="0" g="0" b="0"/>
+      </a:lnRef>
+      <a:fillRef idx="1">
+        <a:scrgbClr r="0" g="0" b="0"/>
+      </a:fillRef>
+      <a:effectRef idx="0">
+        <a:scrgbClr r="0" g="0" b="0"/>
+      </a:effectRef>
+      <a:fontRef idx="minor">
+        <a:schemeClr val="lt1"/>
+      </a:fontRef>
+    </dgm:style>
+  </dgm:styleLbl>
+  <dgm:styleLbl name="node2">
+    <dgm:scene3d>
+      <a:camera prst="orthographicFront"/>
+      <a:lightRig rig="threePt" dir="t"/>
+    </dgm:scene3d>
+    <dgm:sp3d/>
+    <dgm:txPr/>
+    <dgm:style>
+      <a:lnRef idx="2">
+        <a:scrgbClr r="0" g="0" b="0"/>
+      </a:lnRef>
+      <a:fillRef idx="1">
+        <a:scrgbClr r="0" g="0" b="0"/>
+      </a:fillRef>
+      <a:effectRef idx="0">
+        <a:scrgbClr r="0" g="0" b="0"/>
+      </a:effectRef>
+      <a:fontRef idx="minor">
+        <a:schemeClr val="lt1"/>
+      </a:fontRef>
+    </dgm:style>
+  </dgm:styleLbl>
+  <dgm:styleLbl name="node3">
+    <dgm:scene3d>
+      <a:camera prst="orthographicFront"/>
+      <a:lightRig rig="threePt" dir="t"/>
+    </dgm:scene3d>
+    <dgm:sp3d/>
+    <dgm:txPr/>
+    <dgm:style>
+      <a:lnRef idx="2">
+        <a:scrgbClr r="0" g="0" b="0"/>
+      </a:lnRef>
+      <a:fillRef idx="1">
+        <a:scrgbClr r="0" g="0" b="0"/>
+      </a:fillRef>
+      <a:effectRef idx="0">
+        <a:scrgbClr r="0" g="0" b="0"/>
+      </a:effectRef>
+      <a:fontRef idx="minor">
+        <a:schemeClr val="lt1"/>
+      </a:fontRef>
+    </dgm:style>
+  </dgm:styleLbl>
+  <dgm:styleLbl name="node4">
+    <dgm:scene3d>
+      <a:camera prst="orthographicFront"/>
+      <a:lightRig rig="threePt" dir="t"/>
+    </dgm:scene3d>
+    <dgm:sp3d/>
+    <dgm:txPr/>
+    <dgm:style>
+      <a:lnRef idx="2">
+        <a:scrgbClr r="0" g="0" b="0"/>
+      </a:lnRef>
+      <a:fillRef idx="1">
+        <a:scrgbClr r="0" g="0" b="0"/>
+      </a:fillRef>
+      <a:effectRef idx="0">
+        <a:scrgbClr r="0" g="0" b="0"/>
+      </a:effectRef>
+      <a:fontRef idx="minor">
+        <a:schemeClr val="lt1"/>
+      </a:fontRef>
+    </dgm:style>
+  </dgm:styleLbl>
+  <dgm:styleLbl name="fgImgPlace1">
+    <dgm:scene3d>
+      <a:camera prst="orthographicFront"/>
+      <a:lightRig rig="threePt" dir="t"/>
+    </dgm:scene3d>
+    <dgm:sp3d/>
+    <dgm:txPr/>
+    <dgm:style>
+      <a:lnRef idx="2">
+        <a:scrgbClr r="0" g="0" b="0"/>
+      </a:lnRef>
+      <a:fillRef idx="1">
+        <a:scrgbClr r="0" g="0" b="0"/>
+      </a:fillRef>
+      <a:effectRef idx="0">
+        <a:scrgbClr r="0" g="0" b="0"/>
+      </a:effectRef>
+      <a:fontRef idx="minor"/>
+    </dgm:style>
+  </dgm:styleLbl>
+  <dgm:styleLbl name="alignImgPlace1">
+    <dgm:scene3d>
+      <a:camera prst="orthographicFront"/>
+      <a:lightRig rig="threePt" dir="t"/>
+    </dgm:scene3d>
+    <dgm:sp3d/>
+    <dgm:txPr/>
+    <dgm:style>
+      <a:lnRef idx="2">
+        <a:scrgbClr r="0" g="0" b="0"/>
+      </a:lnRef>
+      <a:fillRef idx="1">
+        <a:scrgbClr r="0" g="0" b="0"/>
+      </a:fillRef>
+      <a:effectRef idx="0">
+        <a:scrgbClr r="0" g="0" b="0"/>
+      </a:effectRef>
+      <a:fontRef idx="minor"/>
+    </dgm:style>
+  </dgm:styleLbl>
+  <dgm:styleLbl name="bgImgPlace1">
+    <dgm:scene3d>
+      <a:camera prst="orthographicFront"/>
+      <a:lightRig rig="threePt" dir="t"/>
+    </dgm:scene3d>
+    <dgm:sp3d/>
+    <dgm:txPr/>
+    <dgm:style>
+      <a:lnRef idx="2">
+        <a:scrgbClr r="0" g="0" b="0"/>
+      </a:lnRef>
+      <a:fillRef idx="1">
+        <a:scrgbClr r="0" g="0" b="0"/>
+      </a:fillRef>
+      <a:effectRef idx="0">
+        <a:scrgbClr r="0" g="0" b="0"/>
+      </a:effectRef>
+      <a:fontRef idx="minor"/>
+    </dgm:style>
+  </dgm:styleLbl>
+  <dgm:styleLbl name="sibTrans2D1">
+    <dgm:scene3d>
+      <a:camera prst="orthographicFront"/>
+      <a:lightRig rig="threePt" dir="t"/>
+    </dgm:scene3d>
+    <dgm:sp3d/>
+    <dgm:txPr/>
+    <dgm:style>
+      <a:lnRef idx="0">
+        <a:scrgbClr r="0" g="0" b="0"/>
+      </a:lnRef>
+      <a:fillRef idx="1">
+        <a:scrgbClr r="0" g="0" b="0"/>
+      </a:fillRef>
+      <a:effectRef idx="0">
+        <a:scrgbClr r="0" g="0" b="0"/>
+      </a:effectRef>
+      <a:fontRef idx="minor">
+        <a:schemeClr val="lt1"/>
+      </a:fontRef>
+    </dgm:style>
+  </dgm:styleLbl>
+  <dgm:styleLbl name="fgSibTrans2D1">
+    <dgm:scene3d>
+      <a:camera prst="orthographicFront"/>
+      <a:lightRig rig="threePt" dir="t"/>
+    </dgm:scene3d>
+    <dgm:sp3d/>
+    <dgm:txPr/>
+    <dgm:style>
+      <a:lnRef idx="0">
+        <a:scrgbClr r="0" g="0" b="0"/>
+      </a:lnRef>
+      <a:fillRef idx="1">
+        <a:scrgbClr r="0" g="0" b="0"/>
+      </a:fillRef>
+      <a:effectRef idx="0">
+        <a:scrgbClr r="0" g="0" b="0"/>
+      </a:effectRef>
+      <a:fontRef idx="minor">
+        <a:schemeClr val="lt1"/>
+      </a:fontRef>
+    </dgm:style>
+  </dgm:styleLbl>
+  <dgm:styleLbl name="bgSibTrans2D1">
+    <dgm:scene3d>
+      <a:camera prst="orthographicFront"/>
+      <a:lightRig rig="threePt" dir="t"/>
+    </dgm:scene3d>
+    <dgm:sp3d/>
+    <dgm:txPr/>
+    <dgm:style>
+      <a:lnRef idx="0">
+        <a:scrgbClr r="0" g="0" b="0"/>
+      </a:lnRef>
+      <a:fillRef idx="1">
+        <a:scrgbClr r="0" g="0" b="0"/>
+      </a:fillRef>
+      <a:effectRef idx="0">
+        <a:scrgbClr r="0" g="0" b="0"/>
+      </a:effectRef>
+      <a:fontRef idx="minor">
+        <a:schemeClr val="lt1"/>
+      </a:fontRef>
+    </dgm:style>
+  </dgm:styleLbl>
+  <dgm:styleLbl name="sibTrans1D1">
+    <dgm:scene3d>
+      <a:camera prst="orthographicFront"/>
+      <a:lightRig rig="threePt" dir="t"/>
+    </dgm:scene3d>
+    <dgm:sp3d/>
+    <dgm:txPr/>
+    <dgm:style>
+      <a:lnRef idx="1">
+        <a:scrgbClr r="0" g="0" b="0"/>
+      </a:lnRef>
+      <a:fillRef idx="0">
+        <a:scrgbClr r="0" g="0" b="0"/>
+      </a:fillRef>
+      <a:effectRef idx="0">
+        <a:scrgbClr r="0" g="0" b="0"/>
+      </a:effectRef>
+      <a:fontRef idx="minor"/>
+    </dgm:style>
+  </dgm:styleLbl>
+  <dgm:styleLbl name="callout">
+    <dgm:scene3d>
+      <a:camera prst="orthographicFront"/>
+      <a:lightRig rig="threePt" dir="t"/>
+    </dgm:scene3d>
+    <dgm:sp3d/>
+    <dgm:txPr/>
+    <dgm:style>
+      <a:lnRef idx="2">
+        <a:scrgbClr r="0" g="0" b="0"/>
+      </a:lnRef>
+      <a:fillRef idx="1">
+        <a:scrgbClr r="0" g="0" b="0"/>
+      </a:fillRef>
+      <a:effectRef idx="0">
+        <a:scrgbClr r="0" g="0" b="0"/>
+      </a:effectRef>
+      <a:fontRef idx="minor"/>
+    </dgm:style>
+  </dgm:styleLbl>
+  <dgm:styleLbl name="asst0">
+    <dgm:scene3d>
+      <a:camera prst="orthographicFront"/>
+      <a:lightRig rig="threePt" dir="t"/>
+    </dgm:scene3d>
+    <dgm:sp3d/>
+    <dgm:txPr/>
+    <dgm:style>
+      <a:lnRef idx="2">
+        <a:scrgbClr r="0" g="0" b="0"/>
+      </a:lnRef>
+      <a:fillRef idx="1">
+        <a:scrgbClr r="0" g="0" b="0"/>
+      </a:fillRef>
+      <a:effectRef idx="0">
+        <a:scrgbClr r="0" g="0" b="0"/>
+      </a:effectRef>
+      <a:fontRef idx="minor">
+        <a:schemeClr val="lt1"/>
+      </a:fontRef>
+    </dgm:style>
+  </dgm:styleLbl>
+  <dgm:styleLbl name="asst1">
+    <dgm:scene3d>
+      <a:camera prst="orthographicFront"/>
+      <a:lightRig rig="threePt" dir="t"/>
+    </dgm:scene3d>
+    <dgm:sp3d/>
+    <dgm:txPr/>
+    <dgm:style>
+      <a:lnRef idx="2">
+        <a:scrgbClr r="0" g="0" b="0"/>
+      </a:lnRef>
+      <a:fillRef idx="1">
+        <a:scrgbClr r="0" g="0" b="0"/>
+      </a:fillRef>
+      <a:effectRef idx="0">
+        <a:scrgbClr r="0" g="0" b="0"/>
+      </a:effectRef>
+      <a:fontRef idx="minor">
+        <a:schemeClr val="lt1"/>
+      </a:fontRef>
+    </dgm:style>
+  </dgm:styleLbl>
+  <dgm:styleLbl name="asst2">
+    <dgm:scene3d>
+      <a:camera prst="orthographicFront"/>
+      <a:lightRig rig="threePt" dir="t"/>
+    </dgm:scene3d>
+    <dgm:sp3d/>
+    <dgm:txPr/>
+    <dgm:style>
+      <a:lnRef idx="2">
+        <a:scrgbClr r="0" g="0" b="0"/>
+      </a:lnRef>
+      <a:fillRef idx="1">
+        <a:scrgbClr r="0" g="0" b="0"/>
+      </a:fillRef>
+      <a:effectRef idx="0">
+        <a:scrgbClr r="0" g="0" b="0"/>
+      </a:effectRef>
+      <a:fontRef idx="minor">
+        <a:schemeClr val="lt1"/>
+      </a:fontRef>
+    </dgm:style>
+  </dgm:styleLbl>
+  <dgm:styleLbl name="asst3">
+    <dgm:scene3d>
+      <a:camera prst="orthographicFront"/>
+      <a:lightRig rig="threePt" dir="t"/>
+    </dgm:scene3d>
+    <dgm:sp3d/>
+    <dgm:txPr/>
+    <dgm:style>
+      <a:lnRef idx="2">
+        <a:scrgbClr r="0" g="0" b="0"/>
+      </a:lnRef>
+      <a:fillRef idx="1">
+        <a:scrgbClr r="0" g="0" b="0"/>
+      </a:fillRef>
+      <a:effectRef idx="0">
+        <a:scrgbClr r="0" g="0" b="0"/>
+      </a:effectRef>
+      <a:fontRef idx="minor">
+        <a:schemeClr val="lt1"/>
+      </a:fontRef>
+    </dgm:style>
+  </dgm:styleLbl>
+  <dgm:styleLbl name="asst4">
+    <dgm:scene3d>
+      <a:camera prst="orthographicFront"/>
+      <a:lightRig rig="threePt" dir="t"/>
+    </dgm:scene3d>
+    <dgm:sp3d/>
+    <dgm:txPr/>
+    <dgm:style>
+      <a:lnRef idx="2">
+        <a:scrgbClr r="0" g="0" b="0"/>
+      </a:lnRef>
+      <a:fillRef idx="1">
+        <a:scrgbClr r="0" g="0" b="0"/>
+      </a:fillRef>
+      <a:effectRef idx="0">
+        <a:scrgbClr r="0" g="0" b="0"/>
+      </a:effectRef>
+      <a:fontRef idx="minor">
+        <a:schemeClr val="lt1"/>
+      </a:fontRef>
+    </dgm:style>
+  </dgm:styleLbl>
+  <dgm:styleLbl name="parChTrans2D1">
+    <dgm:scene3d>
+      <a:camera prst="orthographicFront"/>
+      <a:lightRig rig="threePt" dir="t"/>
+    </dgm:scene3d>
+    <dgm:sp3d/>
+    <dgm:txPr/>
+    <dgm:style>
+      <a:lnRef idx="2">
+        <a:scrgbClr r="0" g="0" b="0"/>
+      </a:lnRef>
+      <a:fillRef idx="1">
+        <a:scrgbClr r="0" g="0" b="0"/>
+      </a:fillRef>
+      <a:effectRef idx="0">
+        <a:scrgbClr r="0" g="0" b="0"/>
+      </a:effectRef>
+      <a:fontRef idx="minor">
+        <a:schemeClr val="lt1"/>
+      </a:fontRef>
+    </dgm:style>
+  </dgm:styleLbl>
+  <dgm:styleLbl name="parChTrans2D2">
+    <dgm:scene3d>
+      <a:camera prst="orthographicFront"/>
+      <a:lightRig rig="threePt" dir="t"/>
+    </dgm:scene3d>
+    <dgm:sp3d/>
+    <dgm:txPr/>
+    <dgm:style>
+      <a:lnRef idx="2">
+        <a:scrgbClr r="0" g="0" b="0"/>
+      </a:lnRef>
+      <a:fillRef idx="1">
+        <a:scrgbClr r="0" g="0" b="0"/>
+      </a:fillRef>
+      <a:effectRef idx="0">
+        <a:scrgbClr r="0" g="0" b="0"/>
+      </a:effectRef>
+      <a:fontRef idx="minor">
+        <a:schemeClr val="lt1"/>
+      </a:fontRef>
+    </dgm:style>
+  </dgm:styleLbl>
+  <dgm:styleLbl name="parChTrans2D3">
+    <dgm:scene3d>
+      <a:camera prst="orthographicFront"/>
+      <a:lightRig rig="threePt" dir="t"/>
+    </dgm:scene3d>
+    <dgm:sp3d/>
+    <dgm:txPr/>
+    <dgm:style>
+      <a:lnRef idx="2">
+        <a:scrgbClr r="0" g="0" b="0"/>
+      </a:lnRef>
+      <a:fillRef idx="1">
+        <a:scrgbClr r="0" g="0" b="0"/>
+      </a:fillRef>
+      <a:effectRef idx="0">
+        <a:scrgbClr r="0" g="0" b="0"/>
+      </a:effectRef>
+      <a:fontRef idx="minor">
+        <a:schemeClr val="lt1"/>
+      </a:fontRef>
+    </dgm:style>
+  </dgm:styleLbl>
+  <dgm:styleLbl name="parChTrans2D4">
+    <dgm:scene3d>
+      <a:camera prst="orthographicFront"/>
+      <a:lightRig rig="threePt" dir="t"/>
+    </dgm:scene3d>
+    <dgm:sp3d/>
+    <dgm:txPr/>
+    <dgm:style>
+      <a:lnRef idx="2">
+        <a:scrgbClr r="0" g="0" b="0"/>
+      </a:lnRef>
+      <a:fillRef idx="1">
+        <a:scrgbClr r="0" g="0" b="0"/>
+      </a:fillRef>
+      <a:effectRef idx="0">
+        <a:scrgbClr r="0" g="0" b="0"/>
+      </a:effectRef>
+      <a:fontRef idx="minor">
+        <a:schemeClr val="lt1"/>
+      </a:fontRef>
+    </dgm:style>
+  </dgm:styleLbl>
+  <dgm:styleLbl name="parChTrans1D1">
+    <dgm:scene3d>
+      <a:camera prst="orthographicFront"/>
+      <a:lightRig rig="threePt" dir="t"/>
+    </dgm:scene3d>
+    <dgm:sp3d/>
+    <dgm:txPr/>
+    <dgm:style>
+      <a:lnRef idx="2">
+        <a:scrgbClr r="0" g="0" b="0"/>
+      </a:lnRef>
+      <a:fillRef idx="0">
+        <a:scrgbClr r="0" g="0" b="0"/>
+      </a:fillRef>
+      <a:effectRef idx="0">
+        <a:scrgbClr r="0" g="0" b="0"/>
+      </a:effectRef>
+      <a:fontRef idx="minor"/>
+    </dgm:style>
+  </dgm:styleLbl>
+  <dgm:styleLbl name="parChTrans1D2">
+    <dgm:scene3d>
+      <a:camera prst="orthographicFront"/>
+      <a:lightRig rig="threePt" dir="t"/>
+    </dgm:scene3d>
+    <dgm:sp3d/>
+    <dgm:txPr/>
+    <dgm:style>
+      <a:lnRef idx="2">
+        <a:scrgbClr r="0" g="0" b="0"/>
+      </a:lnRef>
+      <a:fillRef idx="0">
+        <a:scrgbClr r="0" g="0" b="0"/>
+      </a:fillRef>
+      <a:effectRef idx="0">
+        <a:scrgbClr r="0" g="0" b="0"/>
+      </a:effectRef>
+      <a:fontRef idx="minor"/>
+    </dgm:style>
+  </dgm:styleLbl>
+  <dgm:styleLbl name="parChTrans1D3">
+    <dgm:scene3d>
+      <a:camera prst="orthographicFront"/>
+      <a:lightRig rig="threePt" dir="t"/>
+    </dgm:scene3d>
+    <dgm:sp3d/>
+    <dgm:txPr/>
+    <dgm:style>
+      <a:lnRef idx="2">
+        <a:scrgbClr r="0" g="0" b="0"/>
+      </a:lnRef>
+      <a:fillRef idx="0">
+        <a:scrgbClr r="0" g="0" b="0"/>
+      </a:fillRef>
+      <a:effectRef idx="0">
+        <a:scrgbClr r="0" g="0" b="0"/>
+      </a:effectRef>
+      <a:fontRef idx="minor"/>
+    </dgm:style>
+  </dgm:styleLbl>
+  <dgm:styleLbl name="parChTrans1D4">
+    <dgm:scene3d>
+      <a:camera prst="orthographicFront"/>
+      <a:lightRig rig="threePt" dir="t"/>
+    </dgm:scene3d>
+    <dgm:sp3d/>
+    <dgm:txPr/>
+    <dgm:style>
+      <a:lnRef idx="2">
+        <a:scrgbClr r="0" g="0" b="0"/>
+      </a:lnRef>
+      <a:fillRef idx="0">
+        <a:scrgbClr r="0" g="0" b="0"/>
+      </a:fillRef>
+      <a:effectRef idx="0">
+        <a:scrgbClr r="0" g="0" b="0"/>
+      </a:effectRef>
+      <a:fontRef idx="minor"/>
+    </dgm:style>
+  </dgm:styleLbl>
+  <dgm:styleLbl name="fgAcc1">
+    <dgm:scene3d>
+      <a:camera prst="orthographicFront"/>
+      <a:lightRig rig="threePt" dir="t"/>
+    </dgm:scene3d>
+    <dgm:sp3d/>
+    <dgm:txPr/>
+    <dgm:style>
+      <a:lnRef idx="2">
+        <a:scrgbClr r="0" g="0" b="0"/>
+      </a:lnRef>
+      <a:fillRef idx="1">
+        <a:scrgbClr r="0" g="0" b="0"/>
+      </a:fillRef>
+      <a:effectRef idx="0">
+        <a:scrgbClr r="0" g="0" b="0"/>
+      </a:effectRef>
+      <a:fontRef idx="minor"/>
+    </dgm:style>
+  </dgm:styleLbl>
+  <dgm:styleLbl name="conFgAcc1">
+    <dgm:scene3d>
+      <a:camera prst="orthographicFront"/>
+      <a:lightRig rig="threePt" dir="t"/>
+    </dgm:scene3d>
+    <dgm:sp3d/>
+    <dgm:txPr/>
+    <dgm:style>
+      <a:lnRef idx="2">
+        <a:scrgbClr r="0" g="0" b="0"/>
+      </a:lnRef>
+      <a:fillRef idx="1">
+        <a:scrgbClr r="0" g="0" b="0"/>
+      </a:fillRef>
+      <a:effectRef idx="0">
+        <a:scrgbClr r="0" g="0" b="0"/>
+      </a:effectRef>
+      <a:fontRef idx="minor"/>
+    </dgm:style>
+  </dgm:styleLbl>
+  <dgm:styleLbl name="alignAcc1">
+    <dgm:scene3d>
+      <a:camera prst="orthographicFront"/>
+      <a:lightRig rig="threePt" dir="t"/>
+    </dgm:scene3d>
+    <dgm:sp3d/>
+    <dgm:txPr/>
+    <dgm:style>
+      <a:lnRef idx="2">
+        <a:scrgbClr r="0" g="0" b="0"/>
+      </a:lnRef>
+      <a:fillRef idx="1">
+        <a:scrgbClr r="0" g="0" b="0"/>
+      </a:fillRef>
+      <a:effectRef idx="0">
+        <a:scrgbClr r="0" g="0" b="0"/>
+      </a:effectRef>
+      <a:fontRef idx="minor"/>
+    </dgm:style>
+  </dgm:styleLbl>
+  <dgm:styleLbl name="trAlignAcc1">
+    <dgm:scene3d>
+      <a:camera prst="orthographicFront"/>
+      <a:lightRig rig="threePt" dir="t"/>
+    </dgm:scene3d>
+    <dgm:sp3d/>
+    <dgm:txPr/>
+    <dgm:style>
+      <a:lnRef idx="1">
+        <a:scrgbClr r="0" g="0" b="0"/>
+      </a:lnRef>
+      <a:fillRef idx="1">
+        <a:scrgbClr r="0" g="0" b="0"/>
+      </a:fillRef>
+      <a:effectRef idx="0">
+        <a:scrgbClr r="0" g="0" b="0"/>
+      </a:effectRef>
+      <a:fontRef idx="minor"/>
+    </dgm:style>
+  </dgm:styleLbl>
+  <dgm:styleLbl name="bgAcc1">
+    <dgm:scene3d>
+      <a:camera prst="orthographicFront"/>
+      <a:lightRig rig="threePt" dir="t"/>
+    </dgm:scene3d>
+    <dgm:sp3d/>
+    <dgm:txPr/>
+    <dgm:style>
+      <a:lnRef idx="2">
+        <a:scrgbClr r="0" g="0" b="0"/>
+      </a:lnRef>
+      <a:fillRef idx="1">
+        <a:scrgbClr r="0" g="0" b="0"/>
+      </a:fillRef>
+      <a:effectRef idx="0">
+        <a:scrgbClr r="0" g="0" b="0"/>
+      </a:effectRef>
+      <a:fontRef idx="minor"/>
+    </dgm:style>
+  </dgm:styleLbl>
+  <dgm:styleLbl name="solidFgAcc1">
+    <dgm:scene3d>
+      <a:camera prst="orthographicFront"/>
+      <a:lightRig rig="threePt" dir="t"/>
+    </dgm:scene3d>
+    <dgm:sp3d/>
+    <dgm:txPr/>
+    <dgm:style>
+      <a:lnRef idx="2">
+        <a:scrgbClr r="0" g="0" b="0"/>
+      </a:lnRef>
+      <a:fillRef idx="1">
+        <a:scrgbClr r="0" g="0" b="0"/>
+      </a:fillRef>
+      <a:effectRef idx="0">
+        <a:scrgbClr r="0" g="0" b="0"/>
+      </a:effectRef>
+      <a:fontRef idx="minor"/>
+    </dgm:style>
+  </dgm:styleLbl>
+  <dgm:styleLbl name="solidAlignAcc1">
+    <dgm:scene3d>
+      <a:camera prst="orthographicFront"/>
+      <a:lightRig rig="threePt" dir="t"/>
+    </dgm:scene3d>
+    <dgm:sp3d/>
+    <dgm:txPr/>
+    <dgm:style>
+      <a:lnRef idx="2">
+        <a:scrgbClr r="0" g="0" b="0"/>
+      </a:lnRef>
+      <a:fillRef idx="1">
+        <a:scrgbClr r="0" g="0" b="0"/>
+      </a:fillRef>
+      <a:effectRef idx="0">
+        <a:scrgbClr r="0" g="0" b="0"/>
+      </a:effectRef>
+      <a:fontRef idx="minor"/>
+    </dgm:style>
+  </dgm:styleLbl>
+  <dgm:styleLbl name="solidBgAcc1">
+    <dgm:scene3d>
+      <a:camera prst="orthographicFront"/>
+      <a:lightRig rig="threePt" dir="t"/>
+    </dgm:scene3d>
+    <dgm:sp3d/>
+    <dgm:txPr/>
+    <dgm:style>
+      <a:lnRef idx="2">
+        <a:scrgbClr r="0" g="0" b="0"/>
+      </a:lnRef>
+      <a:fillRef idx="1">
+        <a:scrgbClr r="0" g="0" b="0"/>
+      </a:fillRef>
+      <a:effectRef idx="0">
+        <a:scrgbClr r="0" g="0" b="0"/>
+      </a:effectRef>
+      <a:fontRef idx="minor"/>
+    </dgm:style>
+  </dgm:styleLbl>
+  <dgm:styleLbl name="fgAccFollowNode1">
+    <dgm:scene3d>
+      <a:camera prst="orthographicFront"/>
+      <a:lightRig rig="threePt" dir="t"/>
+    </dgm:scene3d>
+    <dgm:sp3d/>
+    <dgm:txPr/>
+    <dgm:style>
+      <a:lnRef idx="2">
+        <a:scrgbClr r="0" g="0" b="0"/>
+      </a:lnRef>
+      <a:fillRef idx="1">
+        <a:scrgbClr r="0" g="0" b="0"/>
+      </a:fillRef>
+      <a:effectRef idx="0">
+        <a:scrgbClr r="0" g="0" b="0"/>
+      </a:effectRef>
+      <a:fontRef idx="minor"/>
+    </dgm:style>
+  </dgm:styleLbl>
+  <dgm:styleLbl name="alignAccFollowNode1">
+    <dgm:scene3d>
+      <a:camera prst="orthographicFront"/>
+      <a:lightRig rig="threePt" dir="t"/>
+    </dgm:scene3d>
+    <dgm:sp3d/>
+    <dgm:txPr/>
+    <dgm:style>
+      <a:lnRef idx="2">
+        <a:scrgbClr r="0" g="0" b="0"/>
+      </a:lnRef>
+      <a:fillRef idx="1">
+        <a:scrgbClr r="0" g="0" b="0"/>
+      </a:fillRef>
+      <a:effectRef idx="0">
+        <a:scrgbClr r="0" g="0" b="0"/>
+      </a:effectRef>
+      <a:fontRef idx="minor"/>
+    </dgm:style>
+  </dgm:styleLbl>
+  <dgm:styleLbl name="bgAccFollowNode1">
+    <dgm:scene3d>
+      <a:camera prst="orthographicFront"/>
+      <a:lightRig rig="threePt" dir="t"/>
+    </dgm:scene3d>
+    <dgm:sp3d/>
+    <dgm:txPr/>
+    <dgm:style>
+      <a:lnRef idx="2">
+        <a:scrgbClr r="0" g="0" b="0"/>
+      </a:lnRef>
+      <a:fillRef idx="1">
+        <a:scrgbClr r="0" g="0" b="0"/>
+      </a:fillRef>
+      <a:effectRef idx="0">
+        <a:scrgbClr r="0" g="0" b="0"/>
+      </a:effectRef>
+      <a:fontRef idx="minor"/>
+    </dgm:style>
+  </dgm:styleLbl>
+  <dgm:styleLbl name="fgAcc0">
+    <dgm:scene3d>
+      <a:camera prst="orthographicFront"/>
+      <a:lightRig rig="threePt" dir="t"/>
+    </dgm:scene3d>
+    <dgm:sp3d/>
+    <dgm:txPr/>
+    <dgm:style>
+      <a:lnRef idx="2">
+        <a:scrgbClr r="0" g="0" b="0"/>
+      </a:lnRef>
+      <a:fillRef idx="1">
+        <a:scrgbClr r="0" g="0" b="0"/>
+      </a:fillRef>
+      <a:effectRef idx="0">
+        <a:scrgbClr r="0" g="0" b="0"/>
+      </a:effectRef>
+      <a:fontRef idx="minor"/>
+    </dgm:style>
+  </dgm:styleLbl>
+  <dgm:styleLbl name="fgAcc2">
+    <dgm:scene3d>
+      <a:camera prst="orthographicFront"/>
+      <a:lightRig rig="threePt" dir="t"/>
+    </dgm:scene3d>
+    <dgm:sp3d/>
+    <dgm:txPr/>
+    <dgm:style>
+      <a:lnRef idx="2">
+        <a:scrgbClr r="0" g="0" b="0"/>
+      </a:lnRef>
+      <a:fillRef idx="1">
+        <a:scrgbClr r="0" g="0" b="0"/>
+      </a:fillRef>
+      <a:effectRef idx="0">
+        <a:scrgbClr r="0" g="0" b="0"/>
+      </a:effectRef>
+      <a:fontRef idx="minor"/>
+    </dgm:style>
+  </dgm:styleLbl>
+  <dgm:styleLbl name="fgAcc3">
+    <dgm:scene3d>
+      <a:camera prst="orthographicFront"/>
+      <a:lightRig rig="threePt" dir="t"/>
+    </dgm:scene3d>
+    <dgm:sp3d/>
+    <dgm:txPr/>
+    <dgm:style>
+      <a:lnRef idx="2">
+        <a:scrgbClr r="0" g="0" b="0"/>
+      </a:lnRef>
+      <a:fillRef idx="1">
+        <a:scrgbClr r="0" g="0" b="0"/>
+      </a:fillRef>
+      <a:effectRef idx="0">
+        <a:scrgbClr r="0" g="0" b="0"/>
+      </a:effectRef>
+      <a:fontRef idx="minor"/>
+    </dgm:style>
+  </dgm:styleLbl>
+  <dgm:styleLbl name="fgAcc4">
+    <dgm:scene3d>
+      <a:camera prst="orthographicFront"/>
+      <a:lightRig rig="threePt" dir="t"/>
+    </dgm:scene3d>
+    <dgm:sp3d/>
+    <dgm:txPr/>
+    <dgm:style>
+      <a:lnRef idx="2">
+        <a:scrgbClr r="0" g="0" b="0"/>
+      </a:lnRef>
+      <a:fillRef idx="1">
+        <a:scrgbClr r="0" g="0" b="0"/>
+      </a:fillRef>
+      <a:effectRef idx="0">
+        <a:scrgbClr r="0" g="0" b="0"/>
+      </a:effectRef>
+      <a:fontRef idx="minor"/>
+    </dgm:style>
+  </dgm:styleLbl>
+  <dgm:styleLbl name="bgShp">
+    <dgm:scene3d>
+      <a:camera prst="orthographicFront"/>
+      <a:lightRig rig="threePt" dir="t"/>
+    </dgm:scene3d>
+    <dgm:sp3d/>
+    <dgm:txPr/>
+    <dgm:style>
+      <a:lnRef idx="0">
+        <a:scrgbClr r="0" g="0" b="0"/>
+      </a:lnRef>
+      <a:fillRef idx="1">
+        <a:scrgbClr r="0" g="0" b="0"/>
+      </a:fillRef>
+      <a:effectRef idx="0">
+        <a:scrgbClr r="0" g="0" b="0"/>
+      </a:effectRef>
+      <a:fontRef idx="minor"/>
+    </dgm:style>
+  </dgm:styleLbl>
+  <dgm:styleLbl name="dkBgShp">
+    <dgm:scene3d>
+      <a:camera prst="orthographicFront"/>
+      <a:lightRig rig="threePt" dir="t"/>
+    </dgm:scene3d>
+    <dgm:sp3d/>
+    <dgm:txPr/>
+    <dgm:style>
+      <a:lnRef idx="0">
+        <a:scrgbClr r="0" g="0" b="0"/>
+      </a:lnRef>
+      <a:fillRef idx="1">
+        <a:scrgbClr r="0" g="0" b="0"/>
+      </a:fillRef>
+      <a:effectRef idx="0">
+        <a:scrgbClr r="0" g="0" b="0"/>
+      </a:effectRef>
+      <a:fontRef idx="minor"/>
+    </dgm:style>
+  </dgm:styleLbl>
+  <dgm:styleLbl name="trBgShp">
+    <dgm:scene3d>
+      <a:camera prst="orthographicFront"/>
+      <a:lightRig rig="threePt" dir="t"/>
+    </dgm:scene3d>
+    <dgm:sp3d/>
+    <dgm:txPr/>
+    <dgm:style>
+      <a:lnRef idx="0">
+        <a:scrgbClr r="0" g="0" b="0"/>
+      </a:lnRef>
+      <a:fillRef idx="1">
+        <a:scrgbClr r="0" g="0" b="0"/>
+      </a:fillRef>
+      <a:effectRef idx="0">
+        <a:scrgbClr r="0" g="0" b="0"/>
+      </a:effectRef>
+      <a:fontRef idx="minor"/>
+    </dgm:style>
+  </dgm:styleLbl>
+  <dgm:styleLbl name="fgShp">
+    <dgm:scene3d>
+      <a:camera prst="orthographicFront"/>
+      <a:lightRig rig="threePt" dir="t"/>
+    </dgm:scene3d>
+    <dgm:sp3d/>
+    <dgm:txPr/>
+    <dgm:style>
+      <a:lnRef idx="2">
+        <a:scrgbClr r="0" g="0" b="0"/>
+      </a:lnRef>
+      <a:fillRef idx="1">
+        <a:scrgbClr r="0" g="0" b="0"/>
+      </a:fillRef>
+      <a:effectRef idx="0">
+        <a:scrgbClr r="0" g="0" b="0"/>
+      </a:effectRef>
+      <a:fontRef idx="minor"/>
+    </dgm:style>
+  </dgm:styleLbl>
+  <dgm:styleLbl name="revTx">
+    <dgm:scene3d>
+      <a:camera prst="orthographicFront"/>
+      <a:lightRig rig="threePt" dir="t"/>
+    </dgm:scene3d>
+    <dgm:sp3d/>
+    <dgm:txPr/>
+    <dgm:style>
+      <a:lnRef idx="0">
+        <a:scrgbClr r="0" g="0" b="0"/>
+      </a:lnRef>
+      <a:fillRef idx="0">
+        <a:scrgbClr r="0" g="0" b="0"/>
+      </a:fillRef>
+      <a:effectRef idx="0">
+        <a:scrgbClr r="0" g="0" b="0"/>
+      </a:effectRef>
+      <a:fontRef idx="minor"/>
+    </dgm:style>
+  </dgm:styleLbl>
+</dgm:styleDef>
 </file>
 
 <file path=ppt/notesMasters/notesMaster1.xml><?xml version="1.0" encoding="utf-8"?>
@@ -2488,8 +4945,51 @@
             </a:pPr>
             <a:r>
               <a:rPr lang="en-GB" dirty="0"/>
-              <a:t>Test should not dependent on external factors</a:t>
-            </a:r>
+              <a:t>Test should not dependent on external factors.</a:t>
+            </a:r>
+          </a:p>
+          <a:p>
+            <a:pPr marL="0" lvl="0" indent="0" algn="l" rtl="0">
+              <a:spcBef>
+                <a:spcPts val="0"/>
+              </a:spcBef>
+              <a:spcAft>
+                <a:spcPts val="0"/>
+              </a:spcAft>
+              <a:buNone/>
+            </a:pPr>
+            <a:r>
+              <a:rPr lang="en-GB" dirty="0"/>
+              <a:t>Show example of </a:t>
+            </a:r>
+            <a:r>
+              <a:rPr lang="en-GB" dirty="0" err="1"/>
+              <a:t>monkeypatching</a:t>
+            </a:r>
+            <a:r>
+              <a:rPr lang="en-GB" dirty="0"/>
+              <a:t> </a:t>
+            </a:r>
+            <a:r>
+              <a:rPr lang="en-GB" dirty="0" err="1"/>
+              <a:t>gridsearch</a:t>
+            </a:r>
+            <a:r>
+              <a:rPr lang="en-GB" dirty="0"/>
+              <a:t>.</a:t>
+            </a:r>
+          </a:p>
+          <a:p>
+            <a:pPr marL="0" lvl="0" indent="0" algn="l" rtl="0">
+              <a:spcBef>
+                <a:spcPts val="0"/>
+              </a:spcBef>
+              <a:spcAft>
+                <a:spcPts val="0"/>
+              </a:spcAft>
+              <a:buNone/>
+            </a:pPr>
+            <a:endParaRPr lang="en-GB" dirty="0"/>
           </a:p>
         </p:txBody>
       </p:sp>
@@ -3078,7 +5578,18 @@
               </a:spcAft>
               <a:buNone/>
             </a:pPr>
-            <a:endParaRPr lang="en-GB" dirty="0"/>
+            <a:r>
+              <a:rPr lang="en-GB" dirty="0"/>
+              <a:t>Demo -&gt; </a:t>
+            </a:r>
+            <a:r>
+              <a:rPr lang="en-GB" dirty="0" err="1"/>
+              <a:t>aansturen</a:t>
+            </a:r>
+            <a:r>
+              <a:rPr lang="en-GB" dirty="0"/>
+              <a:t> op requirements.</a:t>
+            </a:r>
           </a:p>
         </p:txBody>
       </p:sp>
@@ -3187,6 +5698,138 @@
               </a:spcAft>
               <a:buNone/>
             </a:pPr>
+            <a:r>
+              <a:rPr lang="en-GB" dirty="0" err="1"/>
+              <a:t>Terugkomen</a:t>
+            </a:r>
+            <a:r>
+              <a:rPr lang="en-GB" dirty="0"/>
+              <a:t> op </a:t>
+            </a:r>
+            <a:r>
+              <a:rPr lang="en-GB" dirty="0" err="1"/>
+              <a:t>uitleg</a:t>
+            </a:r>
+            <a:r>
+              <a:rPr lang="en-GB" dirty="0"/>
+              <a:t> van </a:t>
+            </a:r>
+            <a:r>
+              <a:rPr lang="en-GB" dirty="0" err="1"/>
+              <a:t>ttd</a:t>
+            </a:r>
+            <a:r>
+              <a:rPr lang="en-GB" dirty="0"/>
+              <a:t>.</a:t>
+            </a:r>
+          </a:p>
+        </p:txBody>
+      </p:sp>
+      <p:sp>
+        <p:nvSpPr>
+          <p:cNvPr id="437" name="Google Shape;437;p36:notes"/>
+          <p:cNvSpPr>
+            <a:spLocks noGrp="1" noRot="1" noChangeAspect="1"/>
+          </p:cNvSpPr>
+          <p:nvPr>
+            <p:ph type="sldImg" idx="2"/>
+          </p:nvPr>
+        </p:nvSpPr>
+        <p:spPr>
+          <a:xfrm>
+            <a:off x="6659563" y="1414463"/>
+            <a:ext cx="6784975" cy="3816350"/>
+          </a:xfrm>
+          <a:custGeom>
+            <a:avLst/>
+            <a:gdLst/>
+            <a:ahLst/>
+            <a:cxnLst/>
+            <a:rect l="l" t="t" r="r" b="b"/>
+            <a:pathLst>
+              <a:path w="120000" h="120000" extrusionOk="0">
+                <a:moveTo>
+                  <a:pt x="0" y="0"/>
+                </a:moveTo>
+                <a:lnTo>
+                  <a:pt x="120000" y="0"/>
+                </a:lnTo>
+                <a:lnTo>
+                  <a:pt x="120000" y="120000"/>
+                </a:lnTo>
+                <a:lnTo>
+                  <a:pt x="0" y="120000"/>
+                </a:lnTo>
+                <a:close/>
+              </a:path>
+            </a:pathLst>
+          </a:custGeom>
+        </p:spPr>
+      </p:sp>
+    </p:spTree>
+    <p:extLst>
+      <p:ext uri="{BB962C8B-B14F-4D97-AF65-F5344CB8AC3E}">
+        <p14:creationId xmlns:p14="http://schemas.microsoft.com/office/powerpoint/2010/main" val="4062364780"/>
+      </p:ext>
+    </p:extLst>
+  </p:cSld>
+  <p:clrMapOvr>
+    <a:masterClrMapping/>
+  </p:clrMapOvr>
+</p:notes>
+</file>
+
+<file path=ppt/notesSlides/notesSlide14.xml><?xml version="1.0" encoding="utf-8"?>
+<p:notes xmlns:a="http://schemas.openxmlformats.org/drawingml/2006/main" xmlns:r="http://schemas.openxmlformats.org/officeDocument/2006/relationships" xmlns:p="http://schemas.openxmlformats.org/presentationml/2006/main" showMasterSp="0" showMasterPhAnim="0">
+  <p:cSld>
+    <p:spTree>
+      <p:nvGrpSpPr>
+        <p:cNvPr id="1" name="Shape 435"/>
+        <p:cNvGrpSpPr/>
+        <p:nvPr/>
+      </p:nvGrpSpPr>
+      <p:grpSpPr>
+        <a:xfrm>
+          <a:off x="0" y="0"/>
+          <a:ext cx="0" cy="0"/>
+          <a:chOff x="0" y="0"/>
+          <a:chExt cx="0" cy="0"/>
+        </a:xfrm>
+      </p:grpSpPr>
+      <p:sp>
+        <p:nvSpPr>
+          <p:cNvPr id="436" name="Google Shape;436;p36:notes"/>
+          <p:cNvSpPr txBox="1">
+            <a:spLocks noGrp="1"/>
+          </p:cNvSpPr>
+          <p:nvPr>
+            <p:ph type="body" idx="1"/>
+          </p:nvPr>
+        </p:nvSpPr>
+        <p:spPr>
+          <a:xfrm>
+            <a:off x="2009775" y="5441950"/>
+            <a:ext cx="16084549" cy="4454525"/>
+          </a:xfrm>
+          <a:prstGeom prst="rect">
+            <a:avLst/>
+          </a:prstGeom>
+        </p:spPr>
+        <p:txBody>
+          <a:bodyPr spcFirstLastPara="1" wrap="square" lIns="91425" tIns="45700" rIns="91425" bIns="45700" anchor="t" anchorCtr="0">
+            <a:noAutofit/>
+          </a:bodyPr>
+          <a:lstStyle/>
+          <a:p>
+            <a:pPr marL="0" lvl="0" indent="0" algn="l" rtl="0">
+              <a:spcBef>
+                <a:spcPts val="0"/>
+              </a:spcBef>
+              <a:spcAft>
+                <a:spcPts val="0"/>
+              </a:spcAft>
+              <a:buNone/>
+            </a:pPr>
             <a:endParaRPr lang="en-GB" dirty="0"/>
           </a:p>
         </p:txBody>
@@ -3245,7 +5888,7 @@
 </p:notes>
 </file>
 
-<file path=ppt/notesSlides/notesSlide14.xml><?xml version="1.0" encoding="utf-8"?>
+<file path=ppt/notesSlides/notesSlide15.xml><?xml version="1.0" encoding="utf-8"?>
 <p:notes xmlns:a="http://schemas.openxmlformats.org/drawingml/2006/main" xmlns:r="http://schemas.openxmlformats.org/officeDocument/2006/relationships" xmlns:p="http://schemas.openxmlformats.org/presentationml/2006/main" showMasterSp="0" showMasterPhAnim="0">
   <p:cSld>
     <p:spTree>
@@ -3298,13 +5941,8 @@
             </a:pPr>
             <a:r>
               <a:rPr lang="en-GB" dirty="0"/>
-              <a:t>Show how dummy_data.csv is </a:t>
-            </a:r>
-            <a:r>
-              <a:rPr lang="en-GB"/>
-              <a:t>created in repo.</a:t>
-            </a:r>
-            <a:endParaRPr lang="en-GB" dirty="0"/>
+              <a:t>Show how dummy_data.csv is created in repo. Creates webpage, because we don’t want to rely on internet connection, or changes from other resources. Tests are repeatable.</a:t>
+            </a:r>
           </a:p>
         </p:txBody>
       </p:sp>
@@ -3362,7 +6000,7 @@
 </p:notes>
 </file>
 
-<file path=ppt/notesSlides/notesSlide15.xml><?xml version="1.0" encoding="utf-8"?>
+<file path=ppt/notesSlides/notesSlide16.xml><?xml version="1.0" encoding="utf-8"?>
 <p:notes xmlns:a="http://schemas.openxmlformats.org/drawingml/2006/main" xmlns:r="http://schemas.openxmlformats.org/officeDocument/2006/relationships" xmlns:p="http://schemas.openxmlformats.org/presentationml/2006/main" showMasterSp="0" showMasterPhAnim="0">
   <p:cSld>
     <p:spTree>
@@ -3508,16 +6146,169 @@
           </a:bodyPr>
           <a:lstStyle/>
           <a:p>
-            <a:pPr marL="0" lvl="0" indent="0" algn="l" rtl="0">
+            <a:pPr marL="0" marR="0" lvl="0" indent="0" algn="l" defTabSz="914400" rtl="0" eaLnBrk="1" fontAlgn="auto" latinLnBrk="0" hangingPunct="1">
+              <a:lnSpc>
+                <a:spcPct val="100000"/>
+              </a:lnSpc>
               <a:spcBef>
                 <a:spcPts val="0"/>
               </a:spcBef>
               <a:spcAft>
                 <a:spcPts val="0"/>
               </a:spcAft>
+              <a:buClr>
+                <a:srgbClr val="000000"/>
+              </a:buClr>
+              <a:buSzPts val="1400"/>
+              <a:buFont typeface="Arial"/>
               <a:buNone/>
+              <a:tabLst/>
+              <a:defRPr/>
             </a:pPr>
-            <a:endParaRPr/>
+            <a:r>
+              <a:rPr lang="nl-NL" sz="1800" dirty="0">
+                <a:effectLst/>
+                <a:latin typeface="Calibri" panose="020F0502020204030204" pitchFamily="34" charset="0"/>
+                <a:ea typeface="Calibri" panose="020F0502020204030204" pitchFamily="34" charset="0"/>
+                <a:cs typeface="Calibri" panose="020F0502020204030204" pitchFamily="34" charset="0"/>
+              </a:rPr>
+              <a:t>Mappenstructuur (welke keuzes kun je hierin maken)</a:t>
+            </a:r>
+            <a:endParaRPr lang="en-GB" sz="1800" dirty="0">
+              <a:effectLst/>
+              <a:latin typeface="Calibri" panose="020F0502020204030204" pitchFamily="34" charset="0"/>
+              <a:ea typeface="Calibri" panose="020F0502020204030204" pitchFamily="34" charset="0"/>
+              <a:cs typeface="Times New Roman" panose="02020603050405020304" pitchFamily="18" charset="0"/>
+            </a:endParaRPr>
+          </a:p>
+          <a:p>
+            <a:pPr marL="0" marR="0" lvl="0" indent="0" algn="l" defTabSz="914400" rtl="0" eaLnBrk="1" fontAlgn="auto" latinLnBrk="0" hangingPunct="1">
+              <a:lnSpc>
+                <a:spcPct val="100000"/>
+              </a:lnSpc>
+              <a:spcBef>
+                <a:spcPts val="0"/>
+              </a:spcBef>
+              <a:spcAft>
+                <a:spcPts val="0"/>
+              </a:spcAft>
+              <a:buClr>
+                <a:srgbClr val="000000"/>
+              </a:buClr>
+              <a:buSzPts val="1400"/>
+              <a:buFont typeface="Arial"/>
+              <a:buNone/>
+              <a:tabLst/>
+              <a:defRPr/>
+            </a:pPr>
+            <a:r>
+              <a:rPr lang="nl-NL" sz="1800" dirty="0">
+                <a:effectLst/>
+                <a:latin typeface="Calibri" panose="020F0502020204030204" pitchFamily="34" charset="0"/>
+                <a:ea typeface="Calibri" panose="020F0502020204030204" pitchFamily="34" charset="0"/>
+                <a:cs typeface="Calibri" panose="020F0502020204030204" pitchFamily="34" charset="0"/>
+              </a:rPr>
+              <a:t>Test </a:t>
+            </a:r>
+            <a:r>
+              <a:rPr lang="nl-NL" sz="1800" dirty="0" err="1">
+                <a:effectLst/>
+                <a:latin typeface="Calibri" panose="020F0502020204030204" pitchFamily="34" charset="0"/>
+                <a:ea typeface="Calibri" panose="020F0502020204030204" pitchFamily="34" charset="0"/>
+                <a:cs typeface="Calibri" panose="020F0502020204030204" pitchFamily="34" charset="0"/>
+              </a:rPr>
+              <a:t>discovery</a:t>
+            </a:r>
+            <a:r>
+              <a:rPr lang="nl-NL" sz="1800" dirty="0">
+                <a:effectLst/>
+                <a:latin typeface="Calibri" panose="020F0502020204030204" pitchFamily="34" charset="0"/>
+                <a:ea typeface="Calibri" panose="020F0502020204030204" pitchFamily="34" charset="0"/>
+                <a:cs typeface="Calibri" panose="020F0502020204030204" pitchFamily="34" charset="0"/>
+              </a:rPr>
+              <a:t> (bestanden, functies, classes, </a:t>
+            </a:r>
+            <a:r>
+              <a:rPr lang="nl-NL" sz="1800" dirty="0" err="1">
+                <a:effectLst/>
+                <a:latin typeface="Calibri" panose="020F0502020204030204" pitchFamily="34" charset="0"/>
+                <a:ea typeface="Calibri" panose="020F0502020204030204" pitchFamily="34" charset="0"/>
+                <a:cs typeface="Calibri" panose="020F0502020204030204" pitchFamily="34" charset="0"/>
+              </a:rPr>
+              <a:t>methods</a:t>
+            </a:r>
+            <a:r>
+              <a:rPr lang="nl-NL" sz="1800" dirty="0">
+                <a:effectLst/>
+                <a:latin typeface="Calibri" panose="020F0502020204030204" pitchFamily="34" charset="0"/>
+                <a:ea typeface="Calibri" panose="020F0502020204030204" pitchFamily="34" charset="0"/>
+                <a:cs typeface="Calibri" panose="020F0502020204030204" pitchFamily="34" charset="0"/>
+              </a:rPr>
+              <a:t>)</a:t>
+            </a:r>
+          </a:p>
+          <a:p>
+            <a:pPr marL="0" marR="0" lvl="0" indent="0" algn="l" defTabSz="914400" rtl="0" eaLnBrk="1" fontAlgn="auto" latinLnBrk="0" hangingPunct="1">
+              <a:lnSpc>
+                <a:spcPct val="100000"/>
+              </a:lnSpc>
+              <a:spcBef>
+                <a:spcPts val="0"/>
+              </a:spcBef>
+              <a:spcAft>
+                <a:spcPts val="0"/>
+              </a:spcAft>
+              <a:buClr>
+                <a:srgbClr val="000000"/>
+              </a:buClr>
+              <a:buSzPts val="1400"/>
+              <a:buFont typeface="Arial"/>
+              <a:buNone/>
+              <a:tabLst/>
+              <a:defRPr/>
+            </a:pPr>
+            <a:r>
+              <a:rPr lang="nl-NL" sz="1800" dirty="0">
+                <a:effectLst/>
+                <a:latin typeface="Calibri" panose="020F0502020204030204" pitchFamily="34" charset="0"/>
+                <a:ea typeface="Calibri" panose="020F0502020204030204" pitchFamily="34" charset="0"/>
+                <a:cs typeface="Calibri" panose="020F0502020204030204" pitchFamily="34" charset="0"/>
+              </a:rPr>
+              <a:t>Conftest.py</a:t>
+            </a:r>
+            <a:endParaRPr lang="en-GB" sz="1800" dirty="0">
+              <a:effectLst/>
+              <a:latin typeface="Calibri" panose="020F0502020204030204" pitchFamily="34" charset="0"/>
+              <a:ea typeface="Calibri" panose="020F0502020204030204" pitchFamily="34" charset="0"/>
+              <a:cs typeface="Times New Roman" panose="02020603050405020304" pitchFamily="18" charset="0"/>
+            </a:endParaRPr>
+          </a:p>
+          <a:p>
+            <a:pPr marL="0" marR="0" lvl="0" indent="0" algn="l" defTabSz="914400" rtl="0" eaLnBrk="1" fontAlgn="auto" latinLnBrk="0" hangingPunct="1">
+              <a:lnSpc>
+                <a:spcPct val="100000"/>
+              </a:lnSpc>
+              <a:spcBef>
+                <a:spcPts val="0"/>
+              </a:spcBef>
+              <a:spcAft>
+                <a:spcPts val="0"/>
+              </a:spcAft>
+              <a:buClr>
+                <a:srgbClr val="000000"/>
+              </a:buClr>
+              <a:buSzPts val="1400"/>
+              <a:buFont typeface="Arial"/>
+              <a:buNone/>
+              <a:tabLst/>
+              <a:defRPr/>
+            </a:pPr>
+            <a:endParaRPr lang="en-GB" sz="1800" dirty="0">
+              <a:effectLst/>
+              <a:latin typeface="Calibri" panose="020F0502020204030204" pitchFamily="34" charset="0"/>
+              <a:ea typeface="Calibri" panose="020F0502020204030204" pitchFamily="34" charset="0"/>
+              <a:cs typeface="Times New Roman" panose="02020603050405020304" pitchFamily="18" charset="0"/>
+            </a:endParaRPr>
           </a:p>
         </p:txBody>
       </p:sp>
@@ -3975,6 +6766,25 @@
             <a:noAutofit/>
           </a:bodyPr>
           <a:lstStyle/>
+          <a:p>
+            <a:pPr marL="0" lvl="0" indent="0" algn="l" rtl="0">
+              <a:spcBef>
+                <a:spcPts val="0"/>
+              </a:spcBef>
+              <a:spcAft>
+                <a:spcPts val="0"/>
+              </a:spcAft>
+              <a:buNone/>
+            </a:pPr>
+            <a:r>
+              <a:rPr lang="en-GB" dirty="0" err="1"/>
+              <a:t>Xunit</a:t>
+            </a:r>
+            <a:r>
+              <a:rPr lang="en-GB" dirty="0"/>
+              <a:t> style of tests</a:t>
+            </a:r>
+          </a:p>
           <a:p>
             <a:pPr marL="0" lvl="0" indent="0" algn="l" rtl="0">
               <a:spcBef>
@@ -15725,344 +18535,34 @@
           </a:p>
         </p:txBody>
       </p:sp>
-      <p:sp>
-        <p:nvSpPr>
-          <p:cNvPr id="17" name="Google Shape;282;p37">
+      <p:graphicFrame>
+        <p:nvGraphicFramePr>
+          <p:cNvPr id="2" name="Diagram 1">
             <a:extLst>
               <a:ext uri="{FF2B5EF4-FFF2-40B4-BE49-F238E27FC236}">
-                <a16:creationId xmlns:a16="http://schemas.microsoft.com/office/drawing/2014/main" id="{B98FF3E7-D740-4FE9-8103-D8702392128E}"/>
+                <a16:creationId xmlns:a16="http://schemas.microsoft.com/office/drawing/2014/main" id="{0F9261A6-6E22-4866-82BC-1E1A8CA852BB}"/>
               </a:ext>
             </a:extLst>
           </p:cNvPr>
-          <p:cNvSpPr txBox="1">
-            <a:spLocks/>
-          </p:cNvSpPr>
-          <p:nvPr/>
-        </p:nvSpPr>
-        <p:spPr>
-          <a:xfrm>
-            <a:off x="1316836" y="1781320"/>
-            <a:ext cx="15992595" cy="2431050"/>
-          </a:xfrm>
-          <a:prstGeom prst="rect">
-            <a:avLst/>
-          </a:prstGeom>
-          <a:noFill/>
-          <a:ln>
-            <a:noFill/>
-          </a:ln>
-        </p:spPr>
-        <p:txBody>
-          <a:bodyPr spcFirstLastPara="1" wrap="square" lIns="0" tIns="0" rIns="0" bIns="0" anchor="t" anchorCtr="0">
-            <a:noAutofit/>
-          </a:bodyPr>
-          <a:lstStyle>
-            <a:defPPr marR="0" lvl="0" algn="l" rtl="0">
-              <a:lnSpc>
-                <a:spcPct val="100000"/>
-              </a:lnSpc>
-              <a:spcBef>
-                <a:spcPts val="0"/>
-              </a:spcBef>
-              <a:spcAft>
-                <a:spcPts val="0"/>
-              </a:spcAft>
-            </a:defPPr>
-            <a:lvl1pPr marR="0" lvl="0" algn="l" rtl="0">
-              <a:lnSpc>
-                <a:spcPct val="100000"/>
-              </a:lnSpc>
-              <a:spcBef>
-                <a:spcPts val="0"/>
-              </a:spcBef>
-              <a:spcAft>
-                <a:spcPts val="0"/>
-              </a:spcAft>
-              <a:buClr>
-                <a:srgbClr val="000000"/>
-              </a:buClr>
-              <a:buFont typeface="Arial"/>
-              <a:defRPr sz="1400" b="0" i="0" u="none" strike="noStrike" cap="none">
-                <a:solidFill>
-                  <a:srgbClr val="000000"/>
-                </a:solidFill>
-                <a:latin typeface="Arial"/>
-                <a:ea typeface="Arial"/>
-                <a:cs typeface="Arial"/>
-                <a:sym typeface="Arial"/>
-              </a:defRPr>
-            </a:lvl1pPr>
-            <a:lvl2pPr marR="0" lvl="1" algn="l" rtl="0">
-              <a:lnSpc>
-                <a:spcPct val="100000"/>
-              </a:lnSpc>
-              <a:spcBef>
-                <a:spcPts val="0"/>
-              </a:spcBef>
-              <a:spcAft>
-                <a:spcPts val="0"/>
-              </a:spcAft>
-              <a:buClr>
-                <a:srgbClr val="000000"/>
-              </a:buClr>
-              <a:buFont typeface="Arial"/>
-              <a:defRPr sz="1400" b="0" i="0" u="none" strike="noStrike" cap="none">
-                <a:solidFill>
-                  <a:srgbClr val="000000"/>
-                </a:solidFill>
-                <a:latin typeface="Arial"/>
-                <a:ea typeface="Arial"/>
-                <a:cs typeface="Arial"/>
-                <a:sym typeface="Arial"/>
-              </a:defRPr>
-            </a:lvl2pPr>
-            <a:lvl3pPr marR="0" lvl="2" algn="l" rtl="0">
-              <a:lnSpc>
-                <a:spcPct val="100000"/>
-              </a:lnSpc>
-              <a:spcBef>
-                <a:spcPts val="0"/>
-              </a:spcBef>
-              <a:spcAft>
-                <a:spcPts val="0"/>
-              </a:spcAft>
-              <a:buClr>
-                <a:srgbClr val="000000"/>
-              </a:buClr>
-              <a:buFont typeface="Arial"/>
-              <a:defRPr sz="1400" b="0" i="0" u="none" strike="noStrike" cap="none">
-                <a:solidFill>
-                  <a:srgbClr val="000000"/>
-                </a:solidFill>
-                <a:latin typeface="Arial"/>
-                <a:ea typeface="Arial"/>
-                <a:cs typeface="Arial"/>
-                <a:sym typeface="Arial"/>
-              </a:defRPr>
-            </a:lvl3pPr>
-            <a:lvl4pPr marR="0" lvl="3" algn="l" rtl="0">
-              <a:lnSpc>
-                <a:spcPct val="100000"/>
-              </a:lnSpc>
-              <a:spcBef>
-                <a:spcPts val="0"/>
-              </a:spcBef>
-              <a:spcAft>
-                <a:spcPts val="0"/>
-              </a:spcAft>
-              <a:buClr>
-                <a:srgbClr val="000000"/>
-              </a:buClr>
-              <a:buFont typeface="Arial"/>
-              <a:defRPr sz="1400" b="0" i="0" u="none" strike="noStrike" cap="none">
-                <a:solidFill>
-                  <a:srgbClr val="000000"/>
-                </a:solidFill>
-                <a:latin typeface="Arial"/>
-                <a:ea typeface="Arial"/>
-                <a:cs typeface="Arial"/>
-                <a:sym typeface="Arial"/>
-              </a:defRPr>
-            </a:lvl4pPr>
-            <a:lvl5pPr marR="0" lvl="4" algn="l" rtl="0">
-              <a:lnSpc>
-                <a:spcPct val="100000"/>
-              </a:lnSpc>
-              <a:spcBef>
-                <a:spcPts val="0"/>
-              </a:spcBef>
-              <a:spcAft>
-                <a:spcPts val="0"/>
-              </a:spcAft>
-              <a:buClr>
-                <a:srgbClr val="000000"/>
-              </a:buClr>
-              <a:buFont typeface="Arial"/>
-              <a:defRPr sz="1400" b="0" i="0" u="none" strike="noStrike" cap="none">
-                <a:solidFill>
-                  <a:srgbClr val="000000"/>
-                </a:solidFill>
-                <a:latin typeface="Arial"/>
-                <a:ea typeface="Arial"/>
-                <a:cs typeface="Arial"/>
-                <a:sym typeface="Arial"/>
-              </a:defRPr>
-            </a:lvl5pPr>
-            <a:lvl6pPr marR="0" lvl="5" algn="l" rtl="0">
-              <a:lnSpc>
-                <a:spcPct val="100000"/>
-              </a:lnSpc>
-              <a:spcBef>
-                <a:spcPts val="0"/>
-              </a:spcBef>
-              <a:spcAft>
-                <a:spcPts val="0"/>
-              </a:spcAft>
-              <a:buClr>
-                <a:srgbClr val="000000"/>
-              </a:buClr>
-              <a:buFont typeface="Arial"/>
-              <a:defRPr sz="1400" b="0" i="0" u="none" strike="noStrike" cap="none">
-                <a:solidFill>
-                  <a:srgbClr val="000000"/>
-                </a:solidFill>
-                <a:latin typeface="Arial"/>
-                <a:ea typeface="Arial"/>
-                <a:cs typeface="Arial"/>
-                <a:sym typeface="Arial"/>
-              </a:defRPr>
-            </a:lvl6pPr>
-            <a:lvl7pPr marR="0" lvl="6" algn="l" rtl="0">
-              <a:lnSpc>
-                <a:spcPct val="100000"/>
-              </a:lnSpc>
-              <a:spcBef>
-                <a:spcPts val="0"/>
-              </a:spcBef>
-              <a:spcAft>
-                <a:spcPts val="0"/>
-              </a:spcAft>
-              <a:buClr>
-                <a:srgbClr val="000000"/>
-              </a:buClr>
-              <a:buFont typeface="Arial"/>
-              <a:defRPr sz="1400" b="0" i="0" u="none" strike="noStrike" cap="none">
-                <a:solidFill>
-                  <a:srgbClr val="000000"/>
-                </a:solidFill>
-                <a:latin typeface="Arial"/>
-                <a:ea typeface="Arial"/>
-                <a:cs typeface="Arial"/>
-                <a:sym typeface="Arial"/>
-              </a:defRPr>
-            </a:lvl7pPr>
-            <a:lvl8pPr marR="0" lvl="7" algn="l" rtl="0">
-              <a:lnSpc>
-                <a:spcPct val="100000"/>
-              </a:lnSpc>
-              <a:spcBef>
-                <a:spcPts val="0"/>
-              </a:spcBef>
-              <a:spcAft>
-                <a:spcPts val="0"/>
-              </a:spcAft>
-              <a:buClr>
-                <a:srgbClr val="000000"/>
-              </a:buClr>
-              <a:buFont typeface="Arial"/>
-              <a:defRPr sz="1400" b="0" i="0" u="none" strike="noStrike" cap="none">
-                <a:solidFill>
-                  <a:srgbClr val="000000"/>
-                </a:solidFill>
-                <a:latin typeface="Arial"/>
-                <a:ea typeface="Arial"/>
-                <a:cs typeface="Arial"/>
-                <a:sym typeface="Arial"/>
-              </a:defRPr>
-            </a:lvl8pPr>
-            <a:lvl9pPr marR="0" lvl="8" algn="l" rtl="0">
-              <a:lnSpc>
-                <a:spcPct val="100000"/>
-              </a:lnSpc>
-              <a:spcBef>
-                <a:spcPts val="0"/>
-              </a:spcBef>
-              <a:spcAft>
-                <a:spcPts val="0"/>
-              </a:spcAft>
-              <a:buClr>
-                <a:srgbClr val="000000"/>
-              </a:buClr>
-              <a:buFont typeface="Arial"/>
-              <a:defRPr sz="1400" b="0" i="0" u="none" strike="noStrike" cap="none">
-                <a:solidFill>
-                  <a:srgbClr val="000000"/>
-                </a:solidFill>
-                <a:latin typeface="Arial"/>
-                <a:ea typeface="Arial"/>
-                <a:cs typeface="Arial"/>
-                <a:sym typeface="Arial"/>
-              </a:defRPr>
-            </a:lvl9pPr>
-          </a:lstStyle>
-          <a:p>
-            <a:pPr marL="3600" lvl="1">
-              <a:lnSpc>
-                <a:spcPct val="131250"/>
-              </a:lnSpc>
-            </a:pPr>
-            <a:r>
-              <a:rPr lang="en-US" sz="2800" b="1" dirty="0">
-                <a:solidFill>
-                  <a:schemeClr val="accent1"/>
-                </a:solidFill>
-                <a:latin typeface="Quicksand" panose="020B0604020202020204" charset="0"/>
-              </a:rPr>
-              <a:t>Rules</a:t>
-            </a:r>
-          </a:p>
-          <a:p>
-            <a:pPr marL="517950" lvl="1" indent="-514350">
-              <a:lnSpc>
-                <a:spcPct val="131250"/>
-              </a:lnSpc>
-              <a:buAutoNum type="arabicPeriod"/>
-            </a:pPr>
-            <a:r>
-              <a:rPr lang="en-US" sz="2800" dirty="0">
-                <a:solidFill>
-                  <a:srgbClr val="0C2749"/>
-                </a:solidFill>
-                <a:latin typeface="Muli"/>
-                <a:ea typeface="Muli"/>
-                <a:cs typeface="Muli"/>
-                <a:sym typeface="Muli"/>
-              </a:rPr>
-              <a:t>You are not allowed to write any production code unless it is to make a failing test pass.</a:t>
-            </a:r>
-          </a:p>
-          <a:p>
-            <a:pPr marL="517950" lvl="1" indent="-514350">
-              <a:lnSpc>
-                <a:spcPct val="131250"/>
-              </a:lnSpc>
-              <a:buAutoNum type="arabicPeriod"/>
-            </a:pPr>
-            <a:r>
-              <a:rPr lang="en-US" sz="2800" dirty="0">
-                <a:solidFill>
-                  <a:srgbClr val="0C2749"/>
-                </a:solidFill>
-                <a:latin typeface="Muli"/>
-                <a:ea typeface="Muli"/>
-                <a:cs typeface="Muli"/>
-                <a:sym typeface="Muli"/>
-              </a:rPr>
-              <a:t>You are not allowed to write any more of a test than is sufficient to fail.</a:t>
-            </a:r>
-          </a:p>
-          <a:p>
-            <a:pPr marL="517950" lvl="1" indent="-514350">
-              <a:lnSpc>
-                <a:spcPct val="131250"/>
-              </a:lnSpc>
-              <a:buAutoNum type="arabicPeriod"/>
-            </a:pPr>
-            <a:r>
-              <a:rPr lang="en-US" sz="2800" dirty="0">
-                <a:solidFill>
-                  <a:srgbClr val="0C2749"/>
-                </a:solidFill>
-                <a:latin typeface="Muli"/>
-                <a:ea typeface="Muli"/>
-                <a:cs typeface="Muli"/>
-                <a:sym typeface="Muli"/>
-              </a:rPr>
-              <a:t>You are not allowed to write any more production code than is sufficient to pass the one failing test.</a:t>
-            </a:r>
-          </a:p>
-        </p:txBody>
-      </p:sp>
+          <p:cNvGraphicFramePr/>
+          <p:nvPr>
+            <p:extLst>
+              <p:ext uri="{D42A27DB-BD31-4B8C-83A1-F6EECF244321}">
+                <p14:modId xmlns:p14="http://schemas.microsoft.com/office/powerpoint/2010/main" val="47923011"/>
+              </p:ext>
+            </p:extLst>
+          </p:nvPr>
+        </p:nvGraphicFramePr>
+        <p:xfrm>
+          <a:off x="834189" y="2192137"/>
+          <a:ext cx="14897195" cy="7042169"/>
+        </p:xfrm>
+        <a:graphic>
+          <a:graphicData uri="http://schemas.openxmlformats.org/drawingml/2006/diagram">
+            <dgm:relIds xmlns:dgm="http://schemas.openxmlformats.org/drawingml/2006/diagram" xmlns:r="http://schemas.openxmlformats.org/officeDocument/2006/relationships" r:dm="rId3" r:lo="rId4" r:qs="rId5" r:cs="rId6"/>
+          </a:graphicData>
+        </a:graphic>
+      </p:graphicFrame>
     </p:spTree>
     <p:extLst>
       <p:ext uri="{BB962C8B-B14F-4D97-AF65-F5344CB8AC3E}">
@@ -16089,6 +18589,260 @@
 </file>
 
 <file path=ppt/slides/slide17.xml><?xml version="1.0" encoding="utf-8"?>
+<p:sld xmlns:a="http://schemas.openxmlformats.org/drawingml/2006/main" xmlns:r="http://schemas.openxmlformats.org/officeDocument/2006/relationships" xmlns:p="http://schemas.openxmlformats.org/presentationml/2006/main">
+  <p:cSld>
+    <p:spTree>
+      <p:nvGrpSpPr>
+        <p:cNvPr id="1" name="Shape 438"/>
+        <p:cNvGrpSpPr/>
+        <p:nvPr/>
+      </p:nvGrpSpPr>
+      <p:grpSpPr>
+        <a:xfrm>
+          <a:off x="0" y="0"/>
+          <a:ext cx="0" cy="0"/>
+          <a:chOff x="0" y="0"/>
+          <a:chExt cx="0" cy="0"/>
+        </a:xfrm>
+      </p:grpSpPr>
+      <p:sp>
+        <p:nvSpPr>
+          <p:cNvPr id="439" name="Google Shape;439;p56"/>
+          <p:cNvSpPr txBox="1">
+            <a:spLocks noGrp="1"/>
+          </p:cNvSpPr>
+          <p:nvPr>
+            <p:ph type="ftr" idx="11"/>
+          </p:nvPr>
+        </p:nvSpPr>
+        <p:spPr>
+          <a:xfrm>
+            <a:off x="2340000" y="10602000"/>
+            <a:ext cx="10800000" cy="360000"/>
+          </a:xfrm>
+          <a:prstGeom prst="rect">
+            <a:avLst/>
+          </a:prstGeom>
+          <a:noFill/>
+          <a:ln>
+            <a:noFill/>
+          </a:ln>
+        </p:spPr>
+        <p:txBody>
+          <a:bodyPr spcFirstLastPara="1" wrap="square" lIns="0" tIns="0" rIns="0" bIns="0" anchor="ctr" anchorCtr="0">
+            <a:noAutofit/>
+          </a:bodyPr>
+          <a:lstStyle/>
+          <a:p>
+            <a:pPr lvl="3"/>
+            <a:r>
+              <a:rPr lang="en-US" dirty="0"/>
+              <a:t>What is test driven development?</a:t>
+            </a:r>
+          </a:p>
+        </p:txBody>
+      </p:sp>
+      <p:grpSp>
+        <p:nvGrpSpPr>
+          <p:cNvPr id="5" name="Group 4">
+            <a:extLst>
+              <a:ext uri="{FF2B5EF4-FFF2-40B4-BE49-F238E27FC236}">
+                <a16:creationId xmlns:a16="http://schemas.microsoft.com/office/drawing/2014/main" id="{6D78B8EE-FF98-460F-BBF1-5748F6199D4C}"/>
+              </a:ext>
+            </a:extLst>
+          </p:cNvPr>
+          <p:cNvGrpSpPr/>
+          <p:nvPr/>
+        </p:nvGrpSpPr>
+        <p:grpSpPr>
+          <a:xfrm>
+            <a:off x="1051560" y="562468"/>
+            <a:ext cx="16514328" cy="0"/>
+            <a:chOff x="1051560" y="-226423"/>
+            <a:chExt cx="16514328" cy="0"/>
+          </a:xfrm>
+        </p:grpSpPr>
+        <p:cxnSp>
+          <p:nvCxnSpPr>
+            <p:cNvPr id="6" name="Straight Connector 5">
+              <a:extLst>
+                <a:ext uri="{FF2B5EF4-FFF2-40B4-BE49-F238E27FC236}">
+                  <a16:creationId xmlns:a16="http://schemas.microsoft.com/office/drawing/2014/main" id="{C47A3487-E8FB-4E13-8583-D2453145E1A0}"/>
+                </a:ext>
+              </a:extLst>
+            </p:cNvPr>
+            <p:cNvCxnSpPr>
+              <a:cxnSpLocks/>
+            </p:cNvCxnSpPr>
+            <p:nvPr/>
+          </p:nvCxnSpPr>
+          <p:spPr>
+            <a:xfrm>
+              <a:off x="1051560" y="-226423"/>
+              <a:ext cx="972457" cy="0"/>
+            </a:xfrm>
+            <a:prstGeom prst="line">
+              <a:avLst/>
+            </a:prstGeom>
+            <a:ln w="63500" cap="rnd"/>
+          </p:spPr>
+          <p:style>
+            <a:lnRef idx="1">
+              <a:schemeClr val="accent2"/>
+            </a:lnRef>
+            <a:fillRef idx="0">
+              <a:schemeClr val="accent2"/>
+            </a:fillRef>
+            <a:effectRef idx="0">
+              <a:schemeClr val="accent2"/>
+            </a:effectRef>
+            <a:fontRef idx="minor">
+              <a:schemeClr val="tx1"/>
+            </a:fontRef>
+          </p:style>
+        </p:cxnSp>
+        <p:cxnSp>
+          <p:nvCxnSpPr>
+            <p:cNvPr id="7" name="Straight Connector 6">
+              <a:extLst>
+                <a:ext uri="{FF2B5EF4-FFF2-40B4-BE49-F238E27FC236}">
+                  <a16:creationId xmlns:a16="http://schemas.microsoft.com/office/drawing/2014/main" id="{8C38300A-87DD-4221-B38C-EA9C14FB7A33}"/>
+                </a:ext>
+              </a:extLst>
+            </p:cNvPr>
+            <p:cNvCxnSpPr>
+              <a:cxnSpLocks/>
+            </p:cNvCxnSpPr>
+            <p:nvPr/>
+          </p:nvCxnSpPr>
+          <p:spPr>
+            <a:xfrm>
+              <a:off x="10365888" y="-226423"/>
+              <a:ext cx="7200000" cy="0"/>
+            </a:xfrm>
+            <a:prstGeom prst="line">
+              <a:avLst/>
+            </a:prstGeom>
+            <a:ln w="63500" cap="rnd"/>
+          </p:spPr>
+          <p:style>
+            <a:lnRef idx="1">
+              <a:schemeClr val="accent2"/>
+            </a:lnRef>
+            <a:fillRef idx="0">
+              <a:schemeClr val="accent2"/>
+            </a:fillRef>
+            <a:effectRef idx="0">
+              <a:schemeClr val="accent2"/>
+            </a:effectRef>
+            <a:fontRef idx="minor">
+              <a:schemeClr val="tx1"/>
+            </a:fontRef>
+          </p:style>
+        </p:cxnSp>
+      </p:grpSp>
+      <p:sp>
+        <p:nvSpPr>
+          <p:cNvPr id="8" name="TextBox 7">
+            <a:extLst>
+              <a:ext uri="{FF2B5EF4-FFF2-40B4-BE49-F238E27FC236}">
+                <a16:creationId xmlns:a16="http://schemas.microsoft.com/office/drawing/2014/main" id="{CCD00564-A6A1-4304-9FA9-D91CFFDD07A2}"/>
+              </a:ext>
+            </a:extLst>
+          </p:cNvPr>
+          <p:cNvSpPr txBox="1"/>
+          <p:nvPr/>
+        </p:nvSpPr>
+        <p:spPr>
+          <a:xfrm>
+            <a:off x="2340000" y="239669"/>
+            <a:ext cx="9924143" cy="584775"/>
+          </a:xfrm>
+          <a:prstGeom prst="rect">
+            <a:avLst/>
+          </a:prstGeom>
+          <a:noFill/>
+        </p:spPr>
+        <p:txBody>
+          <a:bodyPr wrap="square" anchor="t">
+            <a:spAutoFit/>
+          </a:bodyPr>
+          <a:lstStyle/>
+          <a:p>
+            <a:r>
+              <a:rPr lang="en-US" sz="3200" b="1" dirty="0">
+                <a:solidFill>
+                  <a:schemeClr val="accent3"/>
+                </a:solidFill>
+                <a:latin typeface="Quicksand"/>
+                <a:sym typeface="Quicksand"/>
+              </a:rPr>
+              <a:t>What is test driven development?</a:t>
+            </a:r>
+          </a:p>
+        </p:txBody>
+      </p:sp>
+      <p:pic>
+        <p:nvPicPr>
+          <p:cNvPr id="1026" name="Picture 2" descr="Test-driven Development | IceMobile">
+            <a:extLst>
+              <a:ext uri="{FF2B5EF4-FFF2-40B4-BE49-F238E27FC236}">
+                <a16:creationId xmlns:a16="http://schemas.microsoft.com/office/drawing/2014/main" id="{4BCB96F2-2296-43A2-9381-0F8AE60622C4}"/>
+              </a:ext>
+            </a:extLst>
+          </p:cNvPr>
+          <p:cNvPicPr>
+            <a:picLocks noChangeAspect="1" noChangeArrowheads="1"/>
+          </p:cNvPicPr>
+          <p:nvPr/>
+        </p:nvPicPr>
+        <p:blipFill>
+          <a:blip r:embed="rId3">
+            <a:extLst>
+              <a:ext uri="{28A0092B-C50C-407E-A947-70E740481C1C}">
+                <a14:useLocalDpi xmlns:a14="http://schemas.microsoft.com/office/drawing/2010/main" val="0"/>
+              </a:ext>
+            </a:extLst>
+          </a:blip>
+          <a:srcRect/>
+          <a:stretch>
+            <a:fillRect/>
+          </a:stretch>
+        </p:blipFill>
+        <p:spPr bwMode="auto">
+          <a:xfrm>
+            <a:off x="2269958" y="2030973"/>
+            <a:ext cx="15564184" cy="6879999"/>
+          </a:xfrm>
+          <a:prstGeom prst="rect">
+            <a:avLst/>
+          </a:prstGeom>
+          <a:noFill/>
+          <a:extLst>
+            <a:ext uri="{909E8E84-426E-40DD-AFC4-6F175D3DCCD1}">
+              <a14:hiddenFill xmlns:a14="http://schemas.microsoft.com/office/drawing/2010/main">
+                <a:solidFill>
+                  <a:srgbClr val="FFFFFF"/>
+                </a:solidFill>
+              </a14:hiddenFill>
+            </a:ext>
+          </a:extLst>
+        </p:spPr>
+      </p:pic>
+    </p:spTree>
+    <p:extLst>
+      <p:ext uri="{BB962C8B-B14F-4D97-AF65-F5344CB8AC3E}">
+        <p14:creationId xmlns:p14="http://schemas.microsoft.com/office/powerpoint/2010/main" val="3082838820"/>
+      </p:ext>
+    </p:extLst>
+  </p:cSld>
+  <p:clrMapOvr>
+    <a:masterClrMapping/>
+  </p:clrMapOvr>
+</p:sld>
+</file>
+
+<file path=ppt/slides/slide18.xml><?xml version="1.0" encoding="utf-8"?>
 <p:sld xmlns:a="http://schemas.openxmlformats.org/drawingml/2006/main" xmlns:r="http://schemas.openxmlformats.org/officeDocument/2006/relationships" xmlns:p="http://schemas.openxmlformats.org/presentationml/2006/main">
   <p:cSld>
     <p:spTree>
@@ -16713,7 +19467,7 @@
 </p:sld>
 </file>
 
-<file path=ppt/slides/slide18.xml><?xml version="1.0" encoding="utf-8"?>
+<file path=ppt/slides/slide19.xml><?xml version="1.0" encoding="utf-8"?>
 <p:sld xmlns:a="http://schemas.openxmlformats.org/drawingml/2006/main" xmlns:r="http://schemas.openxmlformats.org/officeDocument/2006/relationships" xmlns:p="http://schemas.openxmlformats.org/presentationml/2006/main">
   <p:cSld>
     <p:spTree>
@@ -18457,631 +21211,6 @@
       </p:transition>
     </mc:Fallback>
   </mc:AlternateContent>
-</p:sld>
-</file>
-
-<file path=ppt/slides/slide19.xml><?xml version="1.0" encoding="utf-8"?>
-<p:sld xmlns:a="http://schemas.openxmlformats.org/drawingml/2006/main" xmlns:r="http://schemas.openxmlformats.org/officeDocument/2006/relationships" xmlns:p="http://schemas.openxmlformats.org/presentationml/2006/main">
-  <p:cSld>
-    <p:spTree>
-      <p:nvGrpSpPr>
-        <p:cNvPr id="1" name=""/>
-        <p:cNvGrpSpPr/>
-        <p:nvPr/>
-      </p:nvGrpSpPr>
-      <p:grpSpPr>
-        <a:xfrm>
-          <a:off x="0" y="0"/>
-          <a:ext cx="0" cy="0"/>
-          <a:chOff x="0" y="0"/>
-          <a:chExt cx="0" cy="0"/>
-        </a:xfrm>
-      </p:grpSpPr>
-      <p:sp>
-        <p:nvSpPr>
-          <p:cNvPr id="4" name="TextBox 3">
-            <a:extLst>
-              <a:ext uri="{FF2B5EF4-FFF2-40B4-BE49-F238E27FC236}">
-                <a16:creationId xmlns:a16="http://schemas.microsoft.com/office/drawing/2014/main" id="{A6BB768C-EF51-4E06-A656-BEF2F4E5F79C}"/>
-              </a:ext>
-            </a:extLst>
-          </p:cNvPr>
-          <p:cNvSpPr txBox="1"/>
-          <p:nvPr/>
-        </p:nvSpPr>
-        <p:spPr>
-          <a:xfrm>
-            <a:off x="2340000" y="2278713"/>
-            <a:ext cx="9924143" cy="584775"/>
-          </a:xfrm>
-          <a:prstGeom prst="rect">
-            <a:avLst/>
-          </a:prstGeom>
-          <a:noFill/>
-        </p:spPr>
-        <p:txBody>
-          <a:bodyPr wrap="square" anchor="t">
-            <a:spAutoFit/>
-          </a:bodyPr>
-          <a:lstStyle/>
-          <a:p>
-            <a:r>
-              <a:rPr lang="en-US" sz="3200" b="1" dirty="0">
-                <a:solidFill>
-                  <a:schemeClr val="bg1"/>
-                </a:solidFill>
-                <a:latin typeface="Quicksand"/>
-                <a:sym typeface="Quicksand"/>
-              </a:rPr>
-              <a:t>What testing platforms are out there?</a:t>
-            </a:r>
-          </a:p>
-        </p:txBody>
-      </p:sp>
-      <p:grpSp>
-        <p:nvGrpSpPr>
-          <p:cNvPr id="14" name="Group 13">
-            <a:extLst>
-              <a:ext uri="{FF2B5EF4-FFF2-40B4-BE49-F238E27FC236}">
-                <a16:creationId xmlns:a16="http://schemas.microsoft.com/office/drawing/2014/main" id="{BBB0798B-9005-4EAB-A5F9-F9C30FAE54DD}"/>
-              </a:ext>
-            </a:extLst>
-          </p:cNvPr>
-          <p:cNvGrpSpPr/>
-          <p:nvPr/>
-        </p:nvGrpSpPr>
-        <p:grpSpPr>
-          <a:xfrm>
-            <a:off x="1051560" y="8234358"/>
-            <a:ext cx="16514328" cy="0"/>
-            <a:chOff x="1051560" y="-226423"/>
-            <a:chExt cx="16514328" cy="0"/>
-          </a:xfrm>
-        </p:grpSpPr>
-        <p:cxnSp>
-          <p:nvCxnSpPr>
-            <p:cNvPr id="5" name="Straight Connector 4">
-              <a:extLst>
-                <a:ext uri="{FF2B5EF4-FFF2-40B4-BE49-F238E27FC236}">
-                  <a16:creationId xmlns:a16="http://schemas.microsoft.com/office/drawing/2014/main" id="{9A6887D1-962A-44F7-A748-C6789078F998}"/>
-                </a:ext>
-              </a:extLst>
-            </p:cNvPr>
-            <p:cNvCxnSpPr>
-              <a:cxnSpLocks/>
-            </p:cNvCxnSpPr>
-            <p:nvPr/>
-          </p:nvCxnSpPr>
-          <p:spPr>
-            <a:xfrm>
-              <a:off x="1051560" y="-226423"/>
-              <a:ext cx="972457" cy="0"/>
-            </a:xfrm>
-            <a:prstGeom prst="line">
-              <a:avLst/>
-            </a:prstGeom>
-            <a:ln w="63500" cap="rnd"/>
-          </p:spPr>
-          <p:style>
-            <a:lnRef idx="1">
-              <a:schemeClr val="accent2"/>
-            </a:lnRef>
-            <a:fillRef idx="0">
-              <a:schemeClr val="accent2"/>
-            </a:fillRef>
-            <a:effectRef idx="0">
-              <a:schemeClr val="accent2"/>
-            </a:effectRef>
-            <a:fontRef idx="minor">
-              <a:schemeClr val="tx1"/>
-            </a:fontRef>
-          </p:style>
-        </p:cxnSp>
-        <p:cxnSp>
-          <p:nvCxnSpPr>
-            <p:cNvPr id="8" name="Straight Connector 7">
-              <a:extLst>
-                <a:ext uri="{FF2B5EF4-FFF2-40B4-BE49-F238E27FC236}">
-                  <a16:creationId xmlns:a16="http://schemas.microsoft.com/office/drawing/2014/main" id="{952FD0C6-21C9-4C0B-AFA3-DE24A6C76454}"/>
-                </a:ext>
-              </a:extLst>
-            </p:cNvPr>
-            <p:cNvCxnSpPr>
-              <a:cxnSpLocks/>
-            </p:cNvCxnSpPr>
-            <p:nvPr/>
-          </p:nvCxnSpPr>
-          <p:spPr>
-            <a:xfrm>
-              <a:off x="10365888" y="-226423"/>
-              <a:ext cx="7200000" cy="0"/>
-            </a:xfrm>
-            <a:prstGeom prst="line">
-              <a:avLst/>
-            </a:prstGeom>
-            <a:ln w="63500" cap="rnd"/>
-          </p:spPr>
-          <p:style>
-            <a:lnRef idx="1">
-              <a:schemeClr val="accent2"/>
-            </a:lnRef>
-            <a:fillRef idx="0">
-              <a:schemeClr val="accent2"/>
-            </a:fillRef>
-            <a:effectRef idx="0">
-              <a:schemeClr val="accent2"/>
-            </a:effectRef>
-            <a:fontRef idx="minor">
-              <a:schemeClr val="tx1"/>
-            </a:fontRef>
-          </p:style>
-        </p:cxnSp>
-      </p:grpSp>
-      <p:sp>
-        <p:nvSpPr>
-          <p:cNvPr id="9" name="TextBox 8">
-            <a:extLst>
-              <a:ext uri="{FF2B5EF4-FFF2-40B4-BE49-F238E27FC236}">
-                <a16:creationId xmlns:a16="http://schemas.microsoft.com/office/drawing/2014/main" id="{F95C93D6-4B46-434F-9F99-8B62D1042E67}"/>
-              </a:ext>
-            </a:extLst>
-          </p:cNvPr>
-          <p:cNvSpPr txBox="1"/>
-          <p:nvPr/>
-        </p:nvSpPr>
-        <p:spPr>
-          <a:xfrm>
-            <a:off x="2340000" y="3410718"/>
-            <a:ext cx="9924143" cy="584775"/>
-          </a:xfrm>
-          <a:prstGeom prst="rect">
-            <a:avLst/>
-          </a:prstGeom>
-          <a:noFill/>
-        </p:spPr>
-        <p:txBody>
-          <a:bodyPr wrap="square" anchor="t">
-            <a:spAutoFit/>
-          </a:bodyPr>
-          <a:lstStyle/>
-          <a:p>
-            <a:r>
-              <a:rPr lang="en-US" sz="3200" b="1" dirty="0">
-                <a:solidFill>
-                  <a:schemeClr val="lt1"/>
-                </a:solidFill>
-                <a:latin typeface="Quicksand"/>
-                <a:sym typeface="Quicksand"/>
-              </a:rPr>
-              <a:t>How many tests should you write?</a:t>
-            </a:r>
-          </a:p>
-        </p:txBody>
-      </p:sp>
-      <p:sp>
-        <p:nvSpPr>
-          <p:cNvPr id="10" name="TextBox 9">
-            <a:extLst>
-              <a:ext uri="{FF2B5EF4-FFF2-40B4-BE49-F238E27FC236}">
-                <a16:creationId xmlns:a16="http://schemas.microsoft.com/office/drawing/2014/main" id="{A0C77339-3877-4BDE-BAF9-06EA47E56743}"/>
-              </a:ext>
-            </a:extLst>
-          </p:cNvPr>
-          <p:cNvSpPr txBox="1"/>
-          <p:nvPr/>
-        </p:nvSpPr>
-        <p:spPr>
-          <a:xfrm>
-            <a:off x="2340000" y="4542723"/>
-            <a:ext cx="9924143" cy="584775"/>
-          </a:xfrm>
-          <a:prstGeom prst="rect">
-            <a:avLst/>
-          </a:prstGeom>
-          <a:noFill/>
-        </p:spPr>
-        <p:txBody>
-          <a:bodyPr wrap="square" anchor="t">
-            <a:spAutoFit/>
-          </a:bodyPr>
-          <a:lstStyle/>
-          <a:p>
-            <a:r>
-              <a:rPr lang="en-US" sz="3200" b="1" dirty="0">
-                <a:solidFill>
-                  <a:schemeClr val="lt1"/>
-                </a:solidFill>
-                <a:latin typeface="Quicksand"/>
-                <a:sym typeface="Quicksand"/>
-              </a:rPr>
-              <a:t>How to make tests fast?</a:t>
-            </a:r>
-          </a:p>
-        </p:txBody>
-      </p:sp>
-      <p:sp>
-        <p:nvSpPr>
-          <p:cNvPr id="11" name="TextBox 10">
-            <a:extLst>
-              <a:ext uri="{FF2B5EF4-FFF2-40B4-BE49-F238E27FC236}">
-                <a16:creationId xmlns:a16="http://schemas.microsoft.com/office/drawing/2014/main" id="{06127EAA-E978-4280-AF67-5FBF7CD7F7EA}"/>
-              </a:ext>
-            </a:extLst>
-          </p:cNvPr>
-          <p:cNvSpPr txBox="1"/>
-          <p:nvPr/>
-        </p:nvSpPr>
-        <p:spPr>
-          <a:xfrm>
-            <a:off x="2340000" y="5674728"/>
-            <a:ext cx="9924143" cy="584775"/>
-          </a:xfrm>
-          <a:prstGeom prst="rect">
-            <a:avLst/>
-          </a:prstGeom>
-          <a:noFill/>
-        </p:spPr>
-        <p:txBody>
-          <a:bodyPr wrap="square" anchor="t">
-            <a:spAutoFit/>
-          </a:bodyPr>
-          <a:lstStyle/>
-          <a:p>
-            <a:r>
-              <a:rPr lang="en-US" sz="3200" b="1" dirty="0">
-                <a:solidFill>
-                  <a:schemeClr val="lt1"/>
-                </a:solidFill>
-                <a:latin typeface="Quicksand"/>
-                <a:sym typeface="Quicksand"/>
-              </a:rPr>
-              <a:t>What is test driven development?</a:t>
-            </a:r>
-          </a:p>
-        </p:txBody>
-      </p:sp>
-      <p:sp>
-        <p:nvSpPr>
-          <p:cNvPr id="12" name="TextBox 11">
-            <a:extLst>
-              <a:ext uri="{FF2B5EF4-FFF2-40B4-BE49-F238E27FC236}">
-                <a16:creationId xmlns:a16="http://schemas.microsoft.com/office/drawing/2014/main" id="{C8BC3622-6AF1-4B67-9733-78612D294296}"/>
-              </a:ext>
-            </a:extLst>
-          </p:cNvPr>
-          <p:cNvSpPr txBox="1"/>
-          <p:nvPr/>
-        </p:nvSpPr>
-        <p:spPr>
-          <a:xfrm>
-            <a:off x="2340000" y="6806733"/>
-            <a:ext cx="9924143" cy="584775"/>
-          </a:xfrm>
-          <a:prstGeom prst="rect">
-            <a:avLst/>
-          </a:prstGeom>
-          <a:noFill/>
-        </p:spPr>
-        <p:txBody>
-          <a:bodyPr wrap="square" anchor="t">
-            <a:spAutoFit/>
-          </a:bodyPr>
-          <a:lstStyle/>
-          <a:p>
-            <a:r>
-              <a:rPr lang="en-US" sz="3200" b="1" dirty="0">
-                <a:solidFill>
-                  <a:schemeClr val="lt1"/>
-                </a:solidFill>
-                <a:latin typeface="Quicksand"/>
-                <a:sym typeface="Quicksand"/>
-              </a:rPr>
-              <a:t>How to integrate test in your CI/CD?</a:t>
-            </a:r>
-          </a:p>
-        </p:txBody>
-      </p:sp>
-      <p:sp>
-        <p:nvSpPr>
-          <p:cNvPr id="13" name="TextBox 12">
-            <a:extLst>
-              <a:ext uri="{FF2B5EF4-FFF2-40B4-BE49-F238E27FC236}">
-                <a16:creationId xmlns:a16="http://schemas.microsoft.com/office/drawing/2014/main" id="{2069A2F5-FFCB-4FDD-AA6D-5A7AE234708B}"/>
-              </a:ext>
-            </a:extLst>
-          </p:cNvPr>
-          <p:cNvSpPr txBox="1"/>
-          <p:nvPr/>
-        </p:nvSpPr>
-        <p:spPr>
-          <a:xfrm>
-            <a:off x="2340000" y="7938739"/>
-            <a:ext cx="9924143" cy="584775"/>
-          </a:xfrm>
-          <a:prstGeom prst="rect">
-            <a:avLst/>
-          </a:prstGeom>
-          <a:noFill/>
-        </p:spPr>
-        <p:txBody>
-          <a:bodyPr wrap="square" anchor="t">
-            <a:spAutoFit/>
-          </a:bodyPr>
-          <a:lstStyle/>
-          <a:p>
-            <a:r>
-              <a:rPr lang="en-US" sz="3200" b="1" dirty="0">
-                <a:solidFill>
-                  <a:schemeClr val="lt1"/>
-                </a:solidFill>
-                <a:latin typeface="Quicksand"/>
-                <a:sym typeface="Quicksand"/>
-              </a:rPr>
-              <a:t>How to test for Data Science?</a:t>
-            </a:r>
-            <a:endParaRPr lang="en-GB" sz="3200" b="1" dirty="0">
-              <a:solidFill>
-                <a:schemeClr val="lt1"/>
-              </a:solidFill>
-              <a:latin typeface="Quicksand"/>
-              <a:sym typeface="Quicksand"/>
-            </a:endParaRPr>
-          </a:p>
-        </p:txBody>
-      </p:sp>
-      <p:grpSp>
-        <p:nvGrpSpPr>
-          <p:cNvPr id="18" name="Group 17">
-            <a:extLst>
-              <a:ext uri="{FF2B5EF4-FFF2-40B4-BE49-F238E27FC236}">
-                <a16:creationId xmlns:a16="http://schemas.microsoft.com/office/drawing/2014/main" id="{1AD135F7-E05A-4264-A148-7FB793DCE138}"/>
-              </a:ext>
-            </a:extLst>
-          </p:cNvPr>
-          <p:cNvGrpSpPr/>
-          <p:nvPr/>
-        </p:nvGrpSpPr>
-        <p:grpSpPr>
-          <a:xfrm>
-            <a:off x="363967" y="11535277"/>
-            <a:ext cx="16514328" cy="0"/>
-            <a:chOff x="1051560" y="-226423"/>
-            <a:chExt cx="16514328" cy="0"/>
-          </a:xfrm>
-        </p:grpSpPr>
-        <p:cxnSp>
-          <p:nvCxnSpPr>
-            <p:cNvPr id="19" name="Straight Connector 18">
-              <a:extLst>
-                <a:ext uri="{FF2B5EF4-FFF2-40B4-BE49-F238E27FC236}">
-                  <a16:creationId xmlns:a16="http://schemas.microsoft.com/office/drawing/2014/main" id="{588146C9-F5C7-4B33-8E1F-9040961B1F05}"/>
-                </a:ext>
-              </a:extLst>
-            </p:cNvPr>
-            <p:cNvCxnSpPr>
-              <a:cxnSpLocks/>
-            </p:cNvCxnSpPr>
-            <p:nvPr/>
-          </p:nvCxnSpPr>
-          <p:spPr>
-            <a:xfrm>
-              <a:off x="1051560" y="-226423"/>
-              <a:ext cx="972457" cy="0"/>
-            </a:xfrm>
-            <a:prstGeom prst="line">
-              <a:avLst/>
-            </a:prstGeom>
-            <a:ln w="63500" cap="rnd"/>
-          </p:spPr>
-          <p:style>
-            <a:lnRef idx="1">
-              <a:schemeClr val="accent2"/>
-            </a:lnRef>
-            <a:fillRef idx="0">
-              <a:schemeClr val="accent2"/>
-            </a:fillRef>
-            <a:effectRef idx="0">
-              <a:schemeClr val="accent2"/>
-            </a:effectRef>
-            <a:fontRef idx="minor">
-              <a:schemeClr val="tx1"/>
-            </a:fontRef>
-          </p:style>
-        </p:cxnSp>
-        <p:cxnSp>
-          <p:nvCxnSpPr>
-            <p:cNvPr id="20" name="Straight Connector 19">
-              <a:extLst>
-                <a:ext uri="{FF2B5EF4-FFF2-40B4-BE49-F238E27FC236}">
-                  <a16:creationId xmlns:a16="http://schemas.microsoft.com/office/drawing/2014/main" id="{CFE56F8D-ECCE-407F-ACD1-8654672FD297}"/>
-                </a:ext>
-              </a:extLst>
-            </p:cNvPr>
-            <p:cNvCxnSpPr>
-              <a:cxnSpLocks/>
-            </p:cNvCxnSpPr>
-            <p:nvPr/>
-          </p:nvCxnSpPr>
-          <p:spPr>
-            <a:xfrm>
-              <a:off x="10365888" y="-226423"/>
-              <a:ext cx="7200000" cy="0"/>
-            </a:xfrm>
-            <a:prstGeom prst="line">
-              <a:avLst/>
-            </a:prstGeom>
-            <a:ln w="63500" cap="rnd"/>
-          </p:spPr>
-          <p:style>
-            <a:lnRef idx="1">
-              <a:schemeClr val="accent2"/>
-            </a:lnRef>
-            <a:fillRef idx="0">
-              <a:schemeClr val="accent2"/>
-            </a:fillRef>
-            <a:effectRef idx="0">
-              <a:schemeClr val="accent2"/>
-            </a:effectRef>
-            <a:fontRef idx="minor">
-              <a:schemeClr val="tx1"/>
-            </a:fontRef>
-          </p:style>
-        </p:cxnSp>
-      </p:grpSp>
-    </p:spTree>
-    <p:extLst>
-      <p:ext uri="{BB962C8B-B14F-4D97-AF65-F5344CB8AC3E}">
-        <p14:creationId xmlns:p14="http://schemas.microsoft.com/office/powerpoint/2010/main" val="838594338"/>
-      </p:ext>
-    </p:extLst>
-  </p:cSld>
-  <p:clrMapOvr>
-    <a:masterClrMapping/>
-  </p:clrMapOvr>
-  <mc:AlternateContent xmlns:mc="http://schemas.openxmlformats.org/markup-compatibility/2006" xmlns:p159="http://schemas.microsoft.com/office/powerpoint/2015/09/main">
-    <mc:Choice Requires="p159">
-      <p:transition xmlns:p14="http://schemas.microsoft.com/office/powerpoint/2010/main" spd="slow" p14:dur="2000">
-        <p159:morph option="byObject"/>
-      </p:transition>
-    </mc:Choice>
-    <mc:Fallback xmlns="">
-      <p:transition spd="slow">
-        <p:fade/>
-      </p:transition>
-    </mc:Fallback>
-  </mc:AlternateContent>
-  <p:timing>
-    <p:tnLst>
-      <p:par>
-        <p:cTn id="1" dur="indefinite" restart="never" nodeType="tmRoot">
-          <p:childTnLst>
-            <p:seq concurrent="1" nextAc="seek">
-              <p:cTn id="2" dur="indefinite" nodeType="mainSeq">
-                <p:childTnLst>
-                  <p:par>
-                    <p:cTn id="3" fill="hold">
-                      <p:stCondLst>
-                        <p:cond delay="indefinite"/>
-                        <p:cond evt="onBegin" delay="0">
-                          <p:tn val="2"/>
-                        </p:cond>
-                      </p:stCondLst>
-                      <p:childTnLst>
-                        <p:par>
-                          <p:cTn id="4" fill="hold">
-                            <p:stCondLst>
-                              <p:cond delay="0"/>
-                            </p:stCondLst>
-                            <p:childTnLst>
-                              <p:par>
-                                <p:cTn id="5" presetID="19" presetClass="emph" presetSubtype="0" fill="hold" nodeType="withEffect">
-                                  <p:stCondLst>
-                                    <p:cond delay="0"/>
-                                  </p:stCondLst>
-                                  <p:childTnLst>
-                                    <p:animClr clrSpc="rgb" dir="cw">
-                                      <p:cBhvr override="childStyle">
-                                        <p:cTn id="6" dur="250" fill="hold"/>
-                                        <p:tgtEl>
-                                          <p:spTgt spid="13">
-                                            <p:txEl>
-                                              <p:pRg st="0" end="0"/>
-                                            </p:txEl>
-                                          </p:spTgt>
-                                        </p:tgtEl>
-                                        <p:attrNameLst>
-                                          <p:attrName>style.color</p:attrName>
-                                        </p:attrNameLst>
-                                      </p:cBhvr>
-                                      <p:to>
-                                        <a:srgbClr val="0C2749"/>
-                                      </p:to>
-                                    </p:animClr>
-                                    <p:animClr clrSpc="rgb" dir="cw">
-                                      <p:cBhvr>
-                                        <p:cTn id="7" dur="250" fill="hold"/>
-                                        <p:tgtEl>
-                                          <p:spTgt spid="13">
-                                            <p:txEl>
-                                              <p:pRg st="0" end="0"/>
-                                            </p:txEl>
-                                          </p:spTgt>
-                                        </p:tgtEl>
-                                        <p:attrNameLst>
-                                          <p:attrName>fillcolor</p:attrName>
-                                        </p:attrNameLst>
-                                      </p:cBhvr>
-                                      <p:to>
-                                        <a:srgbClr val="0C2749"/>
-                                      </p:to>
-                                    </p:animClr>
-                                    <p:set>
-                                      <p:cBhvr>
-                                        <p:cTn id="8" dur="250" fill="hold"/>
-                                        <p:tgtEl>
-                                          <p:spTgt spid="13">
-                                            <p:txEl>
-                                              <p:pRg st="0" end="0"/>
-                                            </p:txEl>
-                                          </p:spTgt>
-                                        </p:tgtEl>
-                                        <p:attrNameLst>
-                                          <p:attrName>fill.type</p:attrName>
-                                        </p:attrNameLst>
-                                      </p:cBhvr>
-                                      <p:to>
-                                        <p:strVal val="solid"/>
-                                      </p:to>
-                                    </p:set>
-                                    <p:set>
-                                      <p:cBhvr>
-                                        <p:cTn id="9" dur="250" fill="hold"/>
-                                        <p:tgtEl>
-                                          <p:spTgt spid="13">
-                                            <p:txEl>
-                                              <p:pRg st="0" end="0"/>
-                                            </p:txEl>
-                                          </p:spTgt>
-                                        </p:tgtEl>
-                                        <p:attrNameLst>
-                                          <p:attrName>fill.on</p:attrName>
-                                        </p:attrNameLst>
-                                      </p:cBhvr>
-                                      <p:to>
-                                        <p:strVal val="true"/>
-                                      </p:to>
-                                    </p:set>
-                                  </p:childTnLst>
-                                </p:cTn>
-                              </p:par>
-                            </p:childTnLst>
-                          </p:cTn>
-                        </p:par>
-                      </p:childTnLst>
-                    </p:cTn>
-                  </p:par>
-                </p:childTnLst>
-              </p:cTn>
-              <p:prevCondLst>
-                <p:cond evt="onPrev" delay="0">
-                  <p:tgtEl>
-                    <p:sldTgt/>
-                  </p:tgtEl>
-                </p:cond>
-              </p:prevCondLst>
-              <p:nextCondLst>
-                <p:cond evt="onNext" delay="0">
-                  <p:tgtEl>
-                    <p:sldTgt/>
-                  </p:tgtEl>
-                </p:cond>
-              </p:nextCondLst>
-            </p:seq>
-          </p:childTnLst>
-        </p:cTn>
-      </p:par>
-    </p:tnLst>
-  </p:timing>
 </p:sld>
 </file>
 
@@ -19977,6 +22106,631 @@
   <p:cSld>
     <p:spTree>
       <p:nvGrpSpPr>
+        <p:cNvPr id="1" name=""/>
+        <p:cNvGrpSpPr/>
+        <p:nvPr/>
+      </p:nvGrpSpPr>
+      <p:grpSpPr>
+        <a:xfrm>
+          <a:off x="0" y="0"/>
+          <a:ext cx="0" cy="0"/>
+          <a:chOff x="0" y="0"/>
+          <a:chExt cx="0" cy="0"/>
+        </a:xfrm>
+      </p:grpSpPr>
+      <p:sp>
+        <p:nvSpPr>
+          <p:cNvPr id="4" name="TextBox 3">
+            <a:extLst>
+              <a:ext uri="{FF2B5EF4-FFF2-40B4-BE49-F238E27FC236}">
+                <a16:creationId xmlns:a16="http://schemas.microsoft.com/office/drawing/2014/main" id="{A6BB768C-EF51-4E06-A656-BEF2F4E5F79C}"/>
+              </a:ext>
+            </a:extLst>
+          </p:cNvPr>
+          <p:cNvSpPr txBox="1"/>
+          <p:nvPr/>
+        </p:nvSpPr>
+        <p:spPr>
+          <a:xfrm>
+            <a:off x="2340000" y="2278713"/>
+            <a:ext cx="9924143" cy="584775"/>
+          </a:xfrm>
+          <a:prstGeom prst="rect">
+            <a:avLst/>
+          </a:prstGeom>
+          <a:noFill/>
+        </p:spPr>
+        <p:txBody>
+          <a:bodyPr wrap="square" anchor="t">
+            <a:spAutoFit/>
+          </a:bodyPr>
+          <a:lstStyle/>
+          <a:p>
+            <a:r>
+              <a:rPr lang="en-US" sz="3200" b="1" dirty="0">
+                <a:solidFill>
+                  <a:schemeClr val="bg1"/>
+                </a:solidFill>
+                <a:latin typeface="Quicksand"/>
+                <a:sym typeface="Quicksand"/>
+              </a:rPr>
+              <a:t>What testing platforms are out there?</a:t>
+            </a:r>
+          </a:p>
+        </p:txBody>
+      </p:sp>
+      <p:grpSp>
+        <p:nvGrpSpPr>
+          <p:cNvPr id="14" name="Group 13">
+            <a:extLst>
+              <a:ext uri="{FF2B5EF4-FFF2-40B4-BE49-F238E27FC236}">
+                <a16:creationId xmlns:a16="http://schemas.microsoft.com/office/drawing/2014/main" id="{BBB0798B-9005-4EAB-A5F9-F9C30FAE54DD}"/>
+              </a:ext>
+            </a:extLst>
+          </p:cNvPr>
+          <p:cNvGrpSpPr/>
+          <p:nvPr/>
+        </p:nvGrpSpPr>
+        <p:grpSpPr>
+          <a:xfrm>
+            <a:off x="1051560" y="8234358"/>
+            <a:ext cx="16514328" cy="0"/>
+            <a:chOff x="1051560" y="-226423"/>
+            <a:chExt cx="16514328" cy="0"/>
+          </a:xfrm>
+        </p:grpSpPr>
+        <p:cxnSp>
+          <p:nvCxnSpPr>
+            <p:cNvPr id="5" name="Straight Connector 4">
+              <a:extLst>
+                <a:ext uri="{FF2B5EF4-FFF2-40B4-BE49-F238E27FC236}">
+                  <a16:creationId xmlns:a16="http://schemas.microsoft.com/office/drawing/2014/main" id="{9A6887D1-962A-44F7-A748-C6789078F998}"/>
+                </a:ext>
+              </a:extLst>
+            </p:cNvPr>
+            <p:cNvCxnSpPr>
+              <a:cxnSpLocks/>
+            </p:cNvCxnSpPr>
+            <p:nvPr/>
+          </p:nvCxnSpPr>
+          <p:spPr>
+            <a:xfrm>
+              <a:off x="1051560" y="-226423"/>
+              <a:ext cx="972457" cy="0"/>
+            </a:xfrm>
+            <a:prstGeom prst="line">
+              <a:avLst/>
+            </a:prstGeom>
+            <a:ln w="63500" cap="rnd"/>
+          </p:spPr>
+          <p:style>
+            <a:lnRef idx="1">
+              <a:schemeClr val="accent2"/>
+            </a:lnRef>
+            <a:fillRef idx="0">
+              <a:schemeClr val="accent2"/>
+            </a:fillRef>
+            <a:effectRef idx="0">
+              <a:schemeClr val="accent2"/>
+            </a:effectRef>
+            <a:fontRef idx="minor">
+              <a:schemeClr val="tx1"/>
+            </a:fontRef>
+          </p:style>
+        </p:cxnSp>
+        <p:cxnSp>
+          <p:nvCxnSpPr>
+            <p:cNvPr id="8" name="Straight Connector 7">
+              <a:extLst>
+                <a:ext uri="{FF2B5EF4-FFF2-40B4-BE49-F238E27FC236}">
+                  <a16:creationId xmlns:a16="http://schemas.microsoft.com/office/drawing/2014/main" id="{952FD0C6-21C9-4C0B-AFA3-DE24A6C76454}"/>
+                </a:ext>
+              </a:extLst>
+            </p:cNvPr>
+            <p:cNvCxnSpPr>
+              <a:cxnSpLocks/>
+            </p:cNvCxnSpPr>
+            <p:nvPr/>
+          </p:nvCxnSpPr>
+          <p:spPr>
+            <a:xfrm>
+              <a:off x="10365888" y="-226423"/>
+              <a:ext cx="7200000" cy="0"/>
+            </a:xfrm>
+            <a:prstGeom prst="line">
+              <a:avLst/>
+            </a:prstGeom>
+            <a:ln w="63500" cap="rnd"/>
+          </p:spPr>
+          <p:style>
+            <a:lnRef idx="1">
+              <a:schemeClr val="accent2"/>
+            </a:lnRef>
+            <a:fillRef idx="0">
+              <a:schemeClr val="accent2"/>
+            </a:fillRef>
+            <a:effectRef idx="0">
+              <a:schemeClr val="accent2"/>
+            </a:effectRef>
+            <a:fontRef idx="minor">
+              <a:schemeClr val="tx1"/>
+            </a:fontRef>
+          </p:style>
+        </p:cxnSp>
+      </p:grpSp>
+      <p:sp>
+        <p:nvSpPr>
+          <p:cNvPr id="9" name="TextBox 8">
+            <a:extLst>
+              <a:ext uri="{FF2B5EF4-FFF2-40B4-BE49-F238E27FC236}">
+                <a16:creationId xmlns:a16="http://schemas.microsoft.com/office/drawing/2014/main" id="{F95C93D6-4B46-434F-9F99-8B62D1042E67}"/>
+              </a:ext>
+            </a:extLst>
+          </p:cNvPr>
+          <p:cNvSpPr txBox="1"/>
+          <p:nvPr/>
+        </p:nvSpPr>
+        <p:spPr>
+          <a:xfrm>
+            <a:off x="2340000" y="3410718"/>
+            <a:ext cx="9924143" cy="584775"/>
+          </a:xfrm>
+          <a:prstGeom prst="rect">
+            <a:avLst/>
+          </a:prstGeom>
+          <a:noFill/>
+        </p:spPr>
+        <p:txBody>
+          <a:bodyPr wrap="square" anchor="t">
+            <a:spAutoFit/>
+          </a:bodyPr>
+          <a:lstStyle/>
+          <a:p>
+            <a:r>
+              <a:rPr lang="en-US" sz="3200" b="1" dirty="0">
+                <a:solidFill>
+                  <a:schemeClr val="lt1"/>
+                </a:solidFill>
+                <a:latin typeface="Quicksand"/>
+                <a:sym typeface="Quicksand"/>
+              </a:rPr>
+              <a:t>How many tests should you write?</a:t>
+            </a:r>
+          </a:p>
+        </p:txBody>
+      </p:sp>
+      <p:sp>
+        <p:nvSpPr>
+          <p:cNvPr id="10" name="TextBox 9">
+            <a:extLst>
+              <a:ext uri="{FF2B5EF4-FFF2-40B4-BE49-F238E27FC236}">
+                <a16:creationId xmlns:a16="http://schemas.microsoft.com/office/drawing/2014/main" id="{A0C77339-3877-4BDE-BAF9-06EA47E56743}"/>
+              </a:ext>
+            </a:extLst>
+          </p:cNvPr>
+          <p:cNvSpPr txBox="1"/>
+          <p:nvPr/>
+        </p:nvSpPr>
+        <p:spPr>
+          <a:xfrm>
+            <a:off x="2340000" y="4542723"/>
+            <a:ext cx="9924143" cy="584775"/>
+          </a:xfrm>
+          <a:prstGeom prst="rect">
+            <a:avLst/>
+          </a:prstGeom>
+          <a:noFill/>
+        </p:spPr>
+        <p:txBody>
+          <a:bodyPr wrap="square" anchor="t">
+            <a:spAutoFit/>
+          </a:bodyPr>
+          <a:lstStyle/>
+          <a:p>
+            <a:r>
+              <a:rPr lang="en-US" sz="3200" b="1" dirty="0">
+                <a:solidFill>
+                  <a:schemeClr val="lt1"/>
+                </a:solidFill>
+                <a:latin typeface="Quicksand"/>
+                <a:sym typeface="Quicksand"/>
+              </a:rPr>
+              <a:t>How to make tests fast?</a:t>
+            </a:r>
+          </a:p>
+        </p:txBody>
+      </p:sp>
+      <p:sp>
+        <p:nvSpPr>
+          <p:cNvPr id="11" name="TextBox 10">
+            <a:extLst>
+              <a:ext uri="{FF2B5EF4-FFF2-40B4-BE49-F238E27FC236}">
+                <a16:creationId xmlns:a16="http://schemas.microsoft.com/office/drawing/2014/main" id="{06127EAA-E978-4280-AF67-5FBF7CD7F7EA}"/>
+              </a:ext>
+            </a:extLst>
+          </p:cNvPr>
+          <p:cNvSpPr txBox="1"/>
+          <p:nvPr/>
+        </p:nvSpPr>
+        <p:spPr>
+          <a:xfrm>
+            <a:off x="2340000" y="5674728"/>
+            <a:ext cx="9924143" cy="584775"/>
+          </a:xfrm>
+          <a:prstGeom prst="rect">
+            <a:avLst/>
+          </a:prstGeom>
+          <a:noFill/>
+        </p:spPr>
+        <p:txBody>
+          <a:bodyPr wrap="square" anchor="t">
+            <a:spAutoFit/>
+          </a:bodyPr>
+          <a:lstStyle/>
+          <a:p>
+            <a:r>
+              <a:rPr lang="en-US" sz="3200" b="1" dirty="0">
+                <a:solidFill>
+                  <a:schemeClr val="lt1"/>
+                </a:solidFill>
+                <a:latin typeface="Quicksand"/>
+                <a:sym typeface="Quicksand"/>
+              </a:rPr>
+              <a:t>What is test driven development?</a:t>
+            </a:r>
+          </a:p>
+        </p:txBody>
+      </p:sp>
+      <p:sp>
+        <p:nvSpPr>
+          <p:cNvPr id="12" name="TextBox 11">
+            <a:extLst>
+              <a:ext uri="{FF2B5EF4-FFF2-40B4-BE49-F238E27FC236}">
+                <a16:creationId xmlns:a16="http://schemas.microsoft.com/office/drawing/2014/main" id="{C8BC3622-6AF1-4B67-9733-78612D294296}"/>
+              </a:ext>
+            </a:extLst>
+          </p:cNvPr>
+          <p:cNvSpPr txBox="1"/>
+          <p:nvPr/>
+        </p:nvSpPr>
+        <p:spPr>
+          <a:xfrm>
+            <a:off x="2340000" y="6806733"/>
+            <a:ext cx="9924143" cy="584775"/>
+          </a:xfrm>
+          <a:prstGeom prst="rect">
+            <a:avLst/>
+          </a:prstGeom>
+          <a:noFill/>
+        </p:spPr>
+        <p:txBody>
+          <a:bodyPr wrap="square" anchor="t">
+            <a:spAutoFit/>
+          </a:bodyPr>
+          <a:lstStyle/>
+          <a:p>
+            <a:r>
+              <a:rPr lang="en-US" sz="3200" b="1" dirty="0">
+                <a:solidFill>
+                  <a:schemeClr val="lt1"/>
+                </a:solidFill>
+                <a:latin typeface="Quicksand"/>
+                <a:sym typeface="Quicksand"/>
+              </a:rPr>
+              <a:t>How to integrate test in your CI/CD?</a:t>
+            </a:r>
+          </a:p>
+        </p:txBody>
+      </p:sp>
+      <p:sp>
+        <p:nvSpPr>
+          <p:cNvPr id="13" name="TextBox 12">
+            <a:extLst>
+              <a:ext uri="{FF2B5EF4-FFF2-40B4-BE49-F238E27FC236}">
+                <a16:creationId xmlns:a16="http://schemas.microsoft.com/office/drawing/2014/main" id="{2069A2F5-FFCB-4FDD-AA6D-5A7AE234708B}"/>
+              </a:ext>
+            </a:extLst>
+          </p:cNvPr>
+          <p:cNvSpPr txBox="1"/>
+          <p:nvPr/>
+        </p:nvSpPr>
+        <p:spPr>
+          <a:xfrm>
+            <a:off x="2340000" y="7938739"/>
+            <a:ext cx="9924143" cy="584775"/>
+          </a:xfrm>
+          <a:prstGeom prst="rect">
+            <a:avLst/>
+          </a:prstGeom>
+          <a:noFill/>
+        </p:spPr>
+        <p:txBody>
+          <a:bodyPr wrap="square" anchor="t">
+            <a:spAutoFit/>
+          </a:bodyPr>
+          <a:lstStyle/>
+          <a:p>
+            <a:r>
+              <a:rPr lang="en-US" sz="3200" b="1" dirty="0">
+                <a:solidFill>
+                  <a:schemeClr val="lt1"/>
+                </a:solidFill>
+                <a:latin typeface="Quicksand"/>
+                <a:sym typeface="Quicksand"/>
+              </a:rPr>
+              <a:t>How to test for Data Science?</a:t>
+            </a:r>
+            <a:endParaRPr lang="en-GB" sz="3200" b="1" dirty="0">
+              <a:solidFill>
+                <a:schemeClr val="lt1"/>
+              </a:solidFill>
+              <a:latin typeface="Quicksand"/>
+              <a:sym typeface="Quicksand"/>
+            </a:endParaRPr>
+          </a:p>
+        </p:txBody>
+      </p:sp>
+      <p:grpSp>
+        <p:nvGrpSpPr>
+          <p:cNvPr id="18" name="Group 17">
+            <a:extLst>
+              <a:ext uri="{FF2B5EF4-FFF2-40B4-BE49-F238E27FC236}">
+                <a16:creationId xmlns:a16="http://schemas.microsoft.com/office/drawing/2014/main" id="{1AD135F7-E05A-4264-A148-7FB793DCE138}"/>
+              </a:ext>
+            </a:extLst>
+          </p:cNvPr>
+          <p:cNvGrpSpPr/>
+          <p:nvPr/>
+        </p:nvGrpSpPr>
+        <p:grpSpPr>
+          <a:xfrm>
+            <a:off x="363967" y="11535277"/>
+            <a:ext cx="16514328" cy="0"/>
+            <a:chOff x="1051560" y="-226423"/>
+            <a:chExt cx="16514328" cy="0"/>
+          </a:xfrm>
+        </p:grpSpPr>
+        <p:cxnSp>
+          <p:nvCxnSpPr>
+            <p:cNvPr id="19" name="Straight Connector 18">
+              <a:extLst>
+                <a:ext uri="{FF2B5EF4-FFF2-40B4-BE49-F238E27FC236}">
+                  <a16:creationId xmlns:a16="http://schemas.microsoft.com/office/drawing/2014/main" id="{588146C9-F5C7-4B33-8E1F-9040961B1F05}"/>
+                </a:ext>
+              </a:extLst>
+            </p:cNvPr>
+            <p:cNvCxnSpPr>
+              <a:cxnSpLocks/>
+            </p:cNvCxnSpPr>
+            <p:nvPr/>
+          </p:nvCxnSpPr>
+          <p:spPr>
+            <a:xfrm>
+              <a:off x="1051560" y="-226423"/>
+              <a:ext cx="972457" cy="0"/>
+            </a:xfrm>
+            <a:prstGeom prst="line">
+              <a:avLst/>
+            </a:prstGeom>
+            <a:ln w="63500" cap="rnd"/>
+          </p:spPr>
+          <p:style>
+            <a:lnRef idx="1">
+              <a:schemeClr val="accent2"/>
+            </a:lnRef>
+            <a:fillRef idx="0">
+              <a:schemeClr val="accent2"/>
+            </a:fillRef>
+            <a:effectRef idx="0">
+              <a:schemeClr val="accent2"/>
+            </a:effectRef>
+            <a:fontRef idx="minor">
+              <a:schemeClr val="tx1"/>
+            </a:fontRef>
+          </p:style>
+        </p:cxnSp>
+        <p:cxnSp>
+          <p:nvCxnSpPr>
+            <p:cNvPr id="20" name="Straight Connector 19">
+              <a:extLst>
+                <a:ext uri="{FF2B5EF4-FFF2-40B4-BE49-F238E27FC236}">
+                  <a16:creationId xmlns:a16="http://schemas.microsoft.com/office/drawing/2014/main" id="{CFE56F8D-ECCE-407F-ACD1-8654672FD297}"/>
+                </a:ext>
+              </a:extLst>
+            </p:cNvPr>
+            <p:cNvCxnSpPr>
+              <a:cxnSpLocks/>
+            </p:cNvCxnSpPr>
+            <p:nvPr/>
+          </p:nvCxnSpPr>
+          <p:spPr>
+            <a:xfrm>
+              <a:off x="10365888" y="-226423"/>
+              <a:ext cx="7200000" cy="0"/>
+            </a:xfrm>
+            <a:prstGeom prst="line">
+              <a:avLst/>
+            </a:prstGeom>
+            <a:ln w="63500" cap="rnd"/>
+          </p:spPr>
+          <p:style>
+            <a:lnRef idx="1">
+              <a:schemeClr val="accent2"/>
+            </a:lnRef>
+            <a:fillRef idx="0">
+              <a:schemeClr val="accent2"/>
+            </a:fillRef>
+            <a:effectRef idx="0">
+              <a:schemeClr val="accent2"/>
+            </a:effectRef>
+            <a:fontRef idx="minor">
+              <a:schemeClr val="tx1"/>
+            </a:fontRef>
+          </p:style>
+        </p:cxnSp>
+      </p:grpSp>
+    </p:spTree>
+    <p:extLst>
+      <p:ext uri="{BB962C8B-B14F-4D97-AF65-F5344CB8AC3E}">
+        <p14:creationId xmlns:p14="http://schemas.microsoft.com/office/powerpoint/2010/main" val="838594338"/>
+      </p:ext>
+    </p:extLst>
+  </p:cSld>
+  <p:clrMapOvr>
+    <a:masterClrMapping/>
+  </p:clrMapOvr>
+  <mc:AlternateContent xmlns:mc="http://schemas.openxmlformats.org/markup-compatibility/2006" xmlns:p159="http://schemas.microsoft.com/office/powerpoint/2015/09/main">
+    <mc:Choice Requires="p159">
+      <p:transition xmlns:p14="http://schemas.microsoft.com/office/powerpoint/2010/main" spd="slow" p14:dur="2000">
+        <p159:morph option="byObject"/>
+      </p:transition>
+    </mc:Choice>
+    <mc:Fallback xmlns="">
+      <p:transition spd="slow">
+        <p:fade/>
+      </p:transition>
+    </mc:Fallback>
+  </mc:AlternateContent>
+  <p:timing>
+    <p:tnLst>
+      <p:par>
+        <p:cTn id="1" dur="indefinite" restart="never" nodeType="tmRoot">
+          <p:childTnLst>
+            <p:seq concurrent="1" nextAc="seek">
+              <p:cTn id="2" dur="indefinite" nodeType="mainSeq">
+                <p:childTnLst>
+                  <p:par>
+                    <p:cTn id="3" fill="hold">
+                      <p:stCondLst>
+                        <p:cond delay="indefinite"/>
+                        <p:cond evt="onBegin" delay="0">
+                          <p:tn val="2"/>
+                        </p:cond>
+                      </p:stCondLst>
+                      <p:childTnLst>
+                        <p:par>
+                          <p:cTn id="4" fill="hold">
+                            <p:stCondLst>
+                              <p:cond delay="0"/>
+                            </p:stCondLst>
+                            <p:childTnLst>
+                              <p:par>
+                                <p:cTn id="5" presetID="19" presetClass="emph" presetSubtype="0" fill="hold" nodeType="withEffect">
+                                  <p:stCondLst>
+                                    <p:cond delay="0"/>
+                                  </p:stCondLst>
+                                  <p:childTnLst>
+                                    <p:animClr clrSpc="rgb" dir="cw">
+                                      <p:cBhvr override="childStyle">
+                                        <p:cTn id="6" dur="250" fill="hold"/>
+                                        <p:tgtEl>
+                                          <p:spTgt spid="13">
+                                            <p:txEl>
+                                              <p:pRg st="0" end="0"/>
+                                            </p:txEl>
+                                          </p:spTgt>
+                                        </p:tgtEl>
+                                        <p:attrNameLst>
+                                          <p:attrName>style.color</p:attrName>
+                                        </p:attrNameLst>
+                                      </p:cBhvr>
+                                      <p:to>
+                                        <a:srgbClr val="0C2749"/>
+                                      </p:to>
+                                    </p:animClr>
+                                    <p:animClr clrSpc="rgb" dir="cw">
+                                      <p:cBhvr>
+                                        <p:cTn id="7" dur="250" fill="hold"/>
+                                        <p:tgtEl>
+                                          <p:spTgt spid="13">
+                                            <p:txEl>
+                                              <p:pRg st="0" end="0"/>
+                                            </p:txEl>
+                                          </p:spTgt>
+                                        </p:tgtEl>
+                                        <p:attrNameLst>
+                                          <p:attrName>fillcolor</p:attrName>
+                                        </p:attrNameLst>
+                                      </p:cBhvr>
+                                      <p:to>
+                                        <a:srgbClr val="0C2749"/>
+                                      </p:to>
+                                    </p:animClr>
+                                    <p:set>
+                                      <p:cBhvr>
+                                        <p:cTn id="8" dur="250" fill="hold"/>
+                                        <p:tgtEl>
+                                          <p:spTgt spid="13">
+                                            <p:txEl>
+                                              <p:pRg st="0" end="0"/>
+                                            </p:txEl>
+                                          </p:spTgt>
+                                        </p:tgtEl>
+                                        <p:attrNameLst>
+                                          <p:attrName>fill.type</p:attrName>
+                                        </p:attrNameLst>
+                                      </p:cBhvr>
+                                      <p:to>
+                                        <p:strVal val="solid"/>
+                                      </p:to>
+                                    </p:set>
+                                    <p:set>
+                                      <p:cBhvr>
+                                        <p:cTn id="9" dur="250" fill="hold"/>
+                                        <p:tgtEl>
+                                          <p:spTgt spid="13">
+                                            <p:txEl>
+                                              <p:pRg st="0" end="0"/>
+                                            </p:txEl>
+                                          </p:spTgt>
+                                        </p:tgtEl>
+                                        <p:attrNameLst>
+                                          <p:attrName>fill.on</p:attrName>
+                                        </p:attrNameLst>
+                                      </p:cBhvr>
+                                      <p:to>
+                                        <p:strVal val="true"/>
+                                      </p:to>
+                                    </p:set>
+                                  </p:childTnLst>
+                                </p:cTn>
+                              </p:par>
+                            </p:childTnLst>
+                          </p:cTn>
+                        </p:par>
+                      </p:childTnLst>
+                    </p:cTn>
+                  </p:par>
+                </p:childTnLst>
+              </p:cTn>
+              <p:prevCondLst>
+                <p:cond evt="onPrev" delay="0">
+                  <p:tgtEl>
+                    <p:sldTgt/>
+                  </p:tgtEl>
+                </p:cond>
+              </p:prevCondLst>
+              <p:nextCondLst>
+                <p:cond evt="onNext" delay="0">
+                  <p:tgtEl>
+                    <p:sldTgt/>
+                  </p:tgtEl>
+                </p:cond>
+              </p:nextCondLst>
+            </p:seq>
+          </p:childTnLst>
+        </p:cTn>
+      </p:par>
+    </p:tnLst>
+  </p:timing>
+</p:sld>
+</file>
+
+<file path=ppt/slides/slide21.xml><?xml version="1.0" encoding="utf-8"?>
+<p:sld xmlns:a="http://schemas.openxmlformats.org/drawingml/2006/main" xmlns:r="http://schemas.openxmlformats.org/officeDocument/2006/relationships" xmlns:p="http://schemas.openxmlformats.org/presentationml/2006/main">
+  <p:cSld>
+    <p:spTree>
+      <p:nvGrpSpPr>
         <p:cNvPr id="1" name="Shape 438"/>
         <p:cNvGrpSpPr/>
         <p:nvPr/>
@@ -23291,7 +26045,7 @@
 </p:sld>
 </file>
 
-<file path=ppt/slides/slide21.xml><?xml version="1.0" encoding="utf-8"?>
+<file path=ppt/slides/slide22.xml><?xml version="1.0" encoding="utf-8"?>
 <p:sld xmlns:a="http://schemas.openxmlformats.org/drawingml/2006/main" xmlns:r="http://schemas.openxmlformats.org/officeDocument/2006/relationships" xmlns:p="http://schemas.openxmlformats.org/presentationml/2006/main">
   <p:cSld>
     <p:spTree>
@@ -25254,6 +28008,171 @@
   <p:clrMapOvr>
     <a:masterClrMapping/>
   </p:clrMapOvr>
+  <p:timing>
+    <p:tnLst>
+      <p:par>
+        <p:cTn id="1" dur="indefinite" restart="never" nodeType="tmRoot">
+          <p:childTnLst>
+            <p:seq concurrent="1" nextAc="seek">
+              <p:cTn id="2" dur="indefinite" nodeType="mainSeq">
+                <p:childTnLst>
+                  <p:par>
+                    <p:cTn id="3" fill="hold">
+                      <p:stCondLst>
+                        <p:cond delay="indefinite"/>
+                      </p:stCondLst>
+                      <p:childTnLst>
+                        <p:par>
+                          <p:cTn id="4" fill="hold">
+                            <p:stCondLst>
+                              <p:cond delay="0"/>
+                            </p:stCondLst>
+                            <p:childTnLst>
+                              <p:par>
+                                <p:cTn id="5" presetID="1" presetClass="entr" presetSubtype="0" fill="hold" nodeType="clickEffect">
+                                  <p:stCondLst>
+                                    <p:cond delay="0"/>
+                                  </p:stCondLst>
+                                  <p:childTnLst>
+                                    <p:set>
+                                      <p:cBhvr>
+                                        <p:cTn id="6" dur="1" fill="hold">
+                                          <p:stCondLst>
+                                            <p:cond delay="0"/>
+                                          </p:stCondLst>
+                                        </p:cTn>
+                                        <p:tgtEl>
+                                          <p:spTgt spid="8"/>
+                                        </p:tgtEl>
+                                        <p:attrNameLst>
+                                          <p:attrName>style.visibility</p:attrName>
+                                        </p:attrNameLst>
+                                      </p:cBhvr>
+                                      <p:to>
+                                        <p:strVal val="visible"/>
+                                      </p:to>
+                                    </p:set>
+                                  </p:childTnLst>
+                                </p:cTn>
+                              </p:par>
+                            </p:childTnLst>
+                          </p:cTn>
+                        </p:par>
+                      </p:childTnLst>
+                    </p:cTn>
+                  </p:par>
+                  <p:par>
+                    <p:cTn id="7" fill="hold">
+                      <p:stCondLst>
+                        <p:cond delay="indefinite"/>
+                      </p:stCondLst>
+                      <p:childTnLst>
+                        <p:par>
+                          <p:cTn id="8" fill="hold">
+                            <p:stCondLst>
+                              <p:cond delay="0"/>
+                            </p:stCondLst>
+                            <p:childTnLst>
+                              <p:par>
+                                <p:cTn id="9" presetID="1" presetClass="entr" presetSubtype="0" fill="hold" nodeType="clickEffect">
+                                  <p:stCondLst>
+                                    <p:cond delay="0"/>
+                                  </p:stCondLst>
+                                  <p:childTnLst>
+                                    <p:set>
+                                      <p:cBhvr>
+                                        <p:cTn id="10" dur="1" fill="hold">
+                                          <p:stCondLst>
+                                            <p:cond delay="0"/>
+                                          </p:stCondLst>
+                                        </p:cTn>
+                                        <p:tgtEl>
+                                          <p:spTgt spid="11"/>
+                                        </p:tgtEl>
+                                        <p:attrNameLst>
+                                          <p:attrName>style.visibility</p:attrName>
+                                        </p:attrNameLst>
+                                      </p:cBhvr>
+                                      <p:to>
+                                        <p:strVal val="visible"/>
+                                      </p:to>
+                                    </p:set>
+                                  </p:childTnLst>
+                                </p:cTn>
+                              </p:par>
+                            </p:childTnLst>
+                          </p:cTn>
+                        </p:par>
+                      </p:childTnLst>
+                    </p:cTn>
+                  </p:par>
+                  <p:par>
+                    <p:cTn id="11" fill="hold">
+                      <p:stCondLst>
+                        <p:cond delay="indefinite"/>
+                      </p:stCondLst>
+                      <p:childTnLst>
+                        <p:par>
+                          <p:cTn id="12" fill="hold">
+                            <p:stCondLst>
+                              <p:cond delay="0"/>
+                            </p:stCondLst>
+                            <p:childTnLst>
+                              <p:par>
+                                <p:cTn id="13" presetID="1" presetClass="entr" presetSubtype="0" fill="hold" nodeType="clickEffect">
+                                  <p:stCondLst>
+                                    <p:cond delay="0"/>
+                                  </p:stCondLst>
+                                  <p:childTnLst>
+                                    <p:set>
+                                      <p:cBhvr>
+                                        <p:cTn id="14" dur="1" fill="hold">
+                                          <p:stCondLst>
+                                            <p:cond delay="0"/>
+                                          </p:stCondLst>
+                                        </p:cTn>
+                                        <p:tgtEl>
+                                          <p:spTgt spid="15"/>
+                                        </p:tgtEl>
+                                        <p:attrNameLst>
+                                          <p:attrName>style.visibility</p:attrName>
+                                        </p:attrNameLst>
+                                      </p:cBhvr>
+                                      <p:to>
+                                        <p:strVal val="visible"/>
+                                      </p:to>
+                                    </p:set>
+                                  </p:childTnLst>
+                                </p:cTn>
+                              </p:par>
+                            </p:childTnLst>
+                          </p:cTn>
+                        </p:par>
+                      </p:childTnLst>
+                    </p:cTn>
+                  </p:par>
+                </p:childTnLst>
+              </p:cTn>
+              <p:prevCondLst>
+                <p:cond evt="onPrev" delay="0">
+                  <p:tgtEl>
+                    <p:sldTgt/>
+                  </p:tgtEl>
+                </p:cond>
+              </p:prevCondLst>
+              <p:nextCondLst>
+                <p:cond evt="onNext" delay="0">
+                  <p:tgtEl>
+                    <p:sldTgt/>
+                  </p:tgtEl>
+                </p:cond>
+              </p:nextCondLst>
+            </p:seq>
+          </p:childTnLst>
+        </p:cTn>
+      </p:par>
+    </p:tnLst>
+  </p:timing>
 </p:sld>
 </file>
 
@@ -28505,12 +31424,1216 @@
           </p:spPr>
         </p:pic>
       </p:grpSp>
+      <p:sp>
+        <p:nvSpPr>
+          <p:cNvPr id="15" name="Rectangle 14">
+            <a:extLst>
+              <a:ext uri="{FF2B5EF4-FFF2-40B4-BE49-F238E27FC236}">
+                <a16:creationId xmlns:a16="http://schemas.microsoft.com/office/drawing/2014/main" id="{0821AEAF-D1E2-4019-A093-F4ACA8B6A807}"/>
+              </a:ext>
+            </a:extLst>
+          </p:cNvPr>
+          <p:cNvSpPr>
+            <a:spLocks noChangeArrowheads="1"/>
+          </p:cNvSpPr>
+          <p:nvPr/>
+        </p:nvSpPr>
+        <p:spPr bwMode="auto">
+          <a:xfrm>
+            <a:off x="1543134" y="1327313"/>
+            <a:ext cx="7560000" cy="8679299"/>
+          </a:xfrm>
+          <a:prstGeom prst="rect">
+            <a:avLst/>
+          </a:prstGeom>
+          <a:solidFill>
+            <a:srgbClr val="FFFFFF"/>
+          </a:solidFill>
+          <a:ln w="9525">
+            <a:solidFill>
+              <a:schemeClr val="tx1"/>
+            </a:solidFill>
+            <a:miter lim="800000"/>
+            <a:headEnd/>
+            <a:tailEnd/>
+          </a:ln>
+          <a:effectLst/>
+          <a:extLst>
+            <a:ext uri="{AF507438-7753-43E0-B8FC-AC1667EBCBE1}">
+              <a14:hiddenEffects xmlns:a14="http://schemas.microsoft.com/office/drawing/2010/main">
+                <a:effectLst>
+                  <a:outerShdw dist="35921" dir="2700000" algn="ctr" rotWithShape="0">
+                    <a:schemeClr val="bg2"/>
+                  </a:outerShdw>
+                </a:effectLst>
+              </a14:hiddenEffects>
+            </a:ext>
+          </a:extLst>
+        </p:spPr>
+        <p:txBody>
+          <a:bodyPr vert="horz" wrap="square" lIns="91440" tIns="45720" rIns="91440" bIns="45720" numCol="1" anchor="ctr" anchorCtr="0" compatLnSpc="1">
+            <a:prstTxWarp prst="textNoShape">
+              <a:avLst/>
+            </a:prstTxWarp>
+            <a:spAutoFit/>
+          </a:bodyPr>
+          <a:lstStyle/>
+          <a:p>
+            <a:endParaRPr lang="en-GB" sz="1800" b="0" i="0" noProof="1">
+              <a:solidFill>
+                <a:srgbClr val="0033B3"/>
+              </a:solidFill>
+              <a:latin typeface="Consolas" panose="020B0609020204030204" pitchFamily="49" charset="0"/>
+            </a:endParaRPr>
+          </a:p>
+          <a:p>
+            <a:r>
+              <a:rPr lang="en-GB" sz="1800" b="0" i="0" noProof="1">
+                <a:solidFill>
+                  <a:srgbClr val="0033B3"/>
+                </a:solidFill>
+                <a:latin typeface="Consolas" panose="020B0609020204030204" pitchFamily="49" charset="0"/>
+              </a:rPr>
+              <a:t>from </a:t>
+            </a:r>
+            <a:r>
+              <a:rPr lang="en-GB" sz="1800" b="0" i="0" noProof="1">
+                <a:solidFill>
+                  <a:srgbClr val="080808"/>
+                </a:solidFill>
+                <a:latin typeface="Consolas" panose="020B0609020204030204" pitchFamily="49" charset="0"/>
+              </a:rPr>
+              <a:t>unittest </a:t>
+            </a:r>
+            <a:r>
+              <a:rPr lang="en-GB" sz="1800" b="0" i="0" noProof="1">
+                <a:solidFill>
+                  <a:srgbClr val="0033B3"/>
+                </a:solidFill>
+                <a:latin typeface="Consolas" panose="020B0609020204030204" pitchFamily="49" charset="0"/>
+              </a:rPr>
+              <a:t>import </a:t>
+            </a:r>
+            <a:r>
+              <a:rPr lang="en-GB" sz="1800" b="0" i="0" noProof="1">
+                <a:solidFill>
+                  <a:srgbClr val="080808"/>
+                </a:solidFill>
+                <a:latin typeface="Consolas" panose="020B0609020204030204" pitchFamily="49" charset="0"/>
+              </a:rPr>
+              <a:t>TestCase</a:t>
+            </a:r>
+            <a:br>
+              <a:rPr lang="en-GB" sz="1800" b="0" i="0" noProof="1">
+                <a:solidFill>
+                  <a:srgbClr val="080808"/>
+                </a:solidFill>
+                <a:latin typeface="Consolas" panose="020B0609020204030204" pitchFamily="49" charset="0"/>
+              </a:rPr>
+            </a:br>
+            <a:r>
+              <a:rPr lang="en-GB" sz="1800" b="0" i="0" noProof="1">
+                <a:solidFill>
+                  <a:srgbClr val="0033B3"/>
+                </a:solidFill>
+                <a:latin typeface="Consolas" panose="020B0609020204030204" pitchFamily="49" charset="0"/>
+              </a:rPr>
+              <a:t>from </a:t>
+            </a:r>
+            <a:r>
+              <a:rPr lang="en-GB" sz="1800" b="0" i="0" noProof="1">
+                <a:solidFill>
+                  <a:srgbClr val="080808"/>
+                </a:solidFill>
+                <a:latin typeface="Consolas" panose="020B0609020204030204" pitchFamily="49" charset="0"/>
+              </a:rPr>
+              <a:t>src.utils </a:t>
+            </a:r>
+            <a:r>
+              <a:rPr lang="en-GB" sz="1800" b="0" i="0" noProof="1">
+                <a:solidFill>
+                  <a:srgbClr val="0033B3"/>
+                </a:solidFill>
+                <a:latin typeface="Consolas" panose="020B0609020204030204" pitchFamily="49" charset="0"/>
+              </a:rPr>
+              <a:t>import </a:t>
+            </a:r>
+            <a:r>
+              <a:rPr lang="en-GB" sz="1800" b="0" i="0" noProof="1">
+                <a:solidFill>
+                  <a:srgbClr val="080808"/>
+                </a:solidFill>
+                <a:latin typeface="Consolas" panose="020B0609020204030204" pitchFamily="49" charset="0"/>
+              </a:rPr>
+              <a:t>Connection</a:t>
+            </a:r>
+            <a:br>
+              <a:rPr lang="en-GB" sz="1800" b="0" i="0" noProof="1">
+                <a:solidFill>
+                  <a:srgbClr val="080808"/>
+                </a:solidFill>
+                <a:latin typeface="Consolas" panose="020B0609020204030204" pitchFamily="49" charset="0"/>
+              </a:rPr>
+            </a:br>
+            <a:br>
+              <a:rPr lang="en-GB" sz="1800" b="0" i="0" noProof="1">
+                <a:solidFill>
+                  <a:srgbClr val="080808"/>
+                </a:solidFill>
+                <a:latin typeface="Consolas" panose="020B0609020204030204" pitchFamily="49" charset="0"/>
+              </a:rPr>
+            </a:br>
+            <a:br>
+              <a:rPr lang="en-GB" sz="1800" b="0" i="0" noProof="1">
+                <a:solidFill>
+                  <a:srgbClr val="080808"/>
+                </a:solidFill>
+                <a:latin typeface="Consolas" panose="020B0609020204030204" pitchFamily="49" charset="0"/>
+              </a:rPr>
+            </a:br>
+            <a:r>
+              <a:rPr lang="en-GB" sz="1800" b="0" i="0" noProof="1">
+                <a:solidFill>
+                  <a:srgbClr val="0033B3"/>
+                </a:solidFill>
+                <a:latin typeface="Consolas" panose="020B0609020204030204" pitchFamily="49" charset="0"/>
+              </a:rPr>
+              <a:t>class </a:t>
+            </a:r>
+            <a:r>
+              <a:rPr lang="en-GB" sz="1800" b="0" i="0" noProof="1">
+                <a:solidFill>
+                  <a:srgbClr val="000000"/>
+                </a:solidFill>
+                <a:latin typeface="Consolas" panose="020B0609020204030204" pitchFamily="49" charset="0"/>
+              </a:rPr>
+              <a:t>TestExample</a:t>
+            </a:r>
+            <a:r>
+              <a:rPr lang="en-GB" sz="1800" b="0" i="0" noProof="1">
+                <a:solidFill>
+                  <a:srgbClr val="080808"/>
+                </a:solidFill>
+                <a:latin typeface="Consolas" panose="020B0609020204030204" pitchFamily="49" charset="0"/>
+              </a:rPr>
+              <a:t>(TestCase):</a:t>
+            </a:r>
+            <a:br>
+              <a:rPr lang="en-GB" sz="1800" b="0" i="0" noProof="1">
+                <a:solidFill>
+                  <a:srgbClr val="080808"/>
+                </a:solidFill>
+                <a:latin typeface="Consolas" panose="020B0609020204030204" pitchFamily="49" charset="0"/>
+              </a:rPr>
+            </a:br>
+            <a:r>
+              <a:rPr lang="en-GB" sz="1800" b="0" i="0" noProof="1">
+                <a:solidFill>
+                  <a:srgbClr val="080808"/>
+                </a:solidFill>
+                <a:latin typeface="Consolas" panose="020B0609020204030204" pitchFamily="49" charset="0"/>
+              </a:rPr>
+              <a:t>    </a:t>
+            </a:r>
+            <a:r>
+              <a:rPr lang="en-GB" sz="1800" b="0" i="0" noProof="1">
+                <a:solidFill>
+                  <a:srgbClr val="9E880D"/>
+                </a:solidFill>
+                <a:latin typeface="Consolas" panose="020B0609020204030204" pitchFamily="49" charset="0"/>
+              </a:rPr>
+              <a:t>@classmethod</a:t>
+            </a:r>
+            <a:br>
+              <a:rPr lang="en-GB" sz="1800" b="0" i="0" noProof="1">
+                <a:solidFill>
+                  <a:srgbClr val="9E880D"/>
+                </a:solidFill>
+                <a:latin typeface="Consolas" panose="020B0609020204030204" pitchFamily="49" charset="0"/>
+              </a:rPr>
+            </a:br>
+            <a:r>
+              <a:rPr lang="en-GB" sz="1800" b="0" i="0" noProof="1">
+                <a:solidFill>
+                  <a:srgbClr val="9E880D"/>
+                </a:solidFill>
+                <a:latin typeface="Consolas" panose="020B0609020204030204" pitchFamily="49" charset="0"/>
+              </a:rPr>
+              <a:t>    </a:t>
+            </a:r>
+            <a:r>
+              <a:rPr lang="en-GB" sz="1800" b="0" i="0" noProof="1">
+                <a:solidFill>
+                  <a:srgbClr val="0033B3"/>
+                </a:solidFill>
+                <a:latin typeface="Consolas" panose="020B0609020204030204" pitchFamily="49" charset="0"/>
+              </a:rPr>
+              <a:t>def </a:t>
+            </a:r>
+            <a:r>
+              <a:rPr lang="en-GB" sz="1800" b="0" i="0" noProof="1">
+                <a:solidFill>
+                  <a:srgbClr val="00627A"/>
+                </a:solidFill>
+                <a:latin typeface="Consolas" panose="020B0609020204030204" pitchFamily="49" charset="0"/>
+              </a:rPr>
+              <a:t>setUpClass</a:t>
+            </a:r>
+            <a:r>
+              <a:rPr lang="en-GB" sz="1800" b="0" i="0" noProof="1">
+                <a:solidFill>
+                  <a:srgbClr val="080808"/>
+                </a:solidFill>
+                <a:latin typeface="Consolas" panose="020B0609020204030204" pitchFamily="49" charset="0"/>
+              </a:rPr>
+              <a:t>(</a:t>
+            </a:r>
+            <a:r>
+              <a:rPr lang="en-GB" sz="1800" b="0" i="0" noProof="1">
+                <a:solidFill>
+                  <a:srgbClr val="94558D"/>
+                </a:solidFill>
+                <a:latin typeface="Consolas" panose="020B0609020204030204" pitchFamily="49" charset="0"/>
+              </a:rPr>
+              <a:t>cls</a:t>
+            </a:r>
+            <a:r>
+              <a:rPr lang="en-GB" sz="1800" b="0" i="0" noProof="1">
+                <a:solidFill>
+                  <a:srgbClr val="080808"/>
+                </a:solidFill>
+                <a:latin typeface="Consolas" panose="020B0609020204030204" pitchFamily="49" charset="0"/>
+              </a:rPr>
+              <a:t>):</a:t>
+            </a:r>
+            <a:br>
+              <a:rPr lang="en-GB" sz="1800" b="0" i="0" noProof="1">
+                <a:solidFill>
+                  <a:srgbClr val="080808"/>
+                </a:solidFill>
+                <a:latin typeface="Consolas" panose="020B0609020204030204" pitchFamily="49" charset="0"/>
+              </a:rPr>
+            </a:br>
+            <a:r>
+              <a:rPr lang="en-GB" sz="1800" b="0" i="0" noProof="1">
+                <a:solidFill>
+                  <a:srgbClr val="080808"/>
+                </a:solidFill>
+                <a:latin typeface="Consolas" panose="020B0609020204030204" pitchFamily="49" charset="0"/>
+              </a:rPr>
+              <a:t>        </a:t>
+            </a:r>
+            <a:r>
+              <a:rPr lang="en-GB" sz="1800" b="0" i="0" noProof="1">
+                <a:solidFill>
+                  <a:srgbClr val="94558D"/>
+                </a:solidFill>
+                <a:latin typeface="Consolas" panose="020B0609020204030204" pitchFamily="49" charset="0"/>
+              </a:rPr>
+              <a:t>cls</a:t>
+            </a:r>
+            <a:r>
+              <a:rPr lang="en-GB" sz="1800" b="0" i="0" noProof="1">
+                <a:solidFill>
+                  <a:srgbClr val="080808"/>
+                </a:solidFill>
+                <a:latin typeface="Consolas" panose="020B0609020204030204" pitchFamily="49" charset="0"/>
+              </a:rPr>
+              <a:t>.conn = Connection()</a:t>
+            </a:r>
+            <a:br>
+              <a:rPr lang="en-GB" sz="1800" b="0" i="0" noProof="1">
+                <a:solidFill>
+                  <a:srgbClr val="080808"/>
+                </a:solidFill>
+                <a:latin typeface="Consolas" panose="020B0609020204030204" pitchFamily="49" charset="0"/>
+              </a:rPr>
+            </a:br>
+            <a:br>
+              <a:rPr lang="en-GB" sz="1800" b="0" i="0" noProof="1">
+                <a:solidFill>
+                  <a:srgbClr val="080808"/>
+                </a:solidFill>
+                <a:latin typeface="Consolas" panose="020B0609020204030204" pitchFamily="49" charset="0"/>
+              </a:rPr>
+            </a:br>
+            <a:r>
+              <a:rPr lang="en-GB" sz="1800" b="0" i="0" noProof="1">
+                <a:solidFill>
+                  <a:srgbClr val="080808"/>
+                </a:solidFill>
+                <a:latin typeface="Consolas" panose="020B0609020204030204" pitchFamily="49" charset="0"/>
+              </a:rPr>
+              <a:t>    </a:t>
+            </a:r>
+            <a:r>
+              <a:rPr lang="en-GB" sz="1800" b="0" i="0" noProof="1">
+                <a:solidFill>
+                  <a:srgbClr val="9E880D"/>
+                </a:solidFill>
+                <a:latin typeface="Consolas" panose="020B0609020204030204" pitchFamily="49" charset="0"/>
+              </a:rPr>
+              <a:t>@classmethod</a:t>
+            </a:r>
+            <a:br>
+              <a:rPr lang="en-GB" sz="1800" b="0" i="0" noProof="1">
+                <a:solidFill>
+                  <a:srgbClr val="9E880D"/>
+                </a:solidFill>
+                <a:latin typeface="Consolas" panose="020B0609020204030204" pitchFamily="49" charset="0"/>
+              </a:rPr>
+            </a:br>
+            <a:r>
+              <a:rPr lang="en-GB" sz="1800" b="0" i="0" noProof="1">
+                <a:solidFill>
+                  <a:srgbClr val="9E880D"/>
+                </a:solidFill>
+                <a:latin typeface="Consolas" panose="020B0609020204030204" pitchFamily="49" charset="0"/>
+              </a:rPr>
+              <a:t>    </a:t>
+            </a:r>
+            <a:r>
+              <a:rPr lang="en-GB" sz="1800" b="0" i="0" noProof="1">
+                <a:solidFill>
+                  <a:srgbClr val="0033B3"/>
+                </a:solidFill>
+                <a:latin typeface="Consolas" panose="020B0609020204030204" pitchFamily="49" charset="0"/>
+              </a:rPr>
+              <a:t>def </a:t>
+            </a:r>
+            <a:r>
+              <a:rPr lang="en-GB" sz="1800" b="0" i="0" noProof="1">
+                <a:solidFill>
+                  <a:srgbClr val="00627A"/>
+                </a:solidFill>
+                <a:latin typeface="Consolas" panose="020B0609020204030204" pitchFamily="49" charset="0"/>
+              </a:rPr>
+              <a:t>tearDownClass</a:t>
+            </a:r>
+            <a:r>
+              <a:rPr lang="en-GB" sz="1800" b="0" i="0" noProof="1">
+                <a:solidFill>
+                  <a:srgbClr val="080808"/>
+                </a:solidFill>
+                <a:latin typeface="Consolas" panose="020B0609020204030204" pitchFamily="49" charset="0"/>
+              </a:rPr>
+              <a:t>(</a:t>
+            </a:r>
+            <a:r>
+              <a:rPr lang="en-GB" sz="1800" b="0" i="0" noProof="1">
+                <a:solidFill>
+                  <a:srgbClr val="94558D"/>
+                </a:solidFill>
+                <a:latin typeface="Consolas" panose="020B0609020204030204" pitchFamily="49" charset="0"/>
+              </a:rPr>
+              <a:t>cls</a:t>
+            </a:r>
+            <a:r>
+              <a:rPr lang="en-GB" sz="1800" b="0" i="0" noProof="1">
+                <a:solidFill>
+                  <a:srgbClr val="080808"/>
+                </a:solidFill>
+                <a:latin typeface="Consolas" panose="020B0609020204030204" pitchFamily="49" charset="0"/>
+              </a:rPr>
+              <a:t>):</a:t>
+            </a:r>
+            <a:br>
+              <a:rPr lang="en-GB" sz="1800" b="0" i="0" noProof="1">
+                <a:solidFill>
+                  <a:srgbClr val="080808"/>
+                </a:solidFill>
+                <a:latin typeface="Consolas" panose="020B0609020204030204" pitchFamily="49" charset="0"/>
+              </a:rPr>
+            </a:br>
+            <a:r>
+              <a:rPr lang="en-GB" sz="1800" b="0" i="0" noProof="1">
+                <a:solidFill>
+                  <a:srgbClr val="080808"/>
+                </a:solidFill>
+                <a:latin typeface="Consolas" panose="020B0609020204030204" pitchFamily="49" charset="0"/>
+              </a:rPr>
+              <a:t>        </a:t>
+            </a:r>
+            <a:r>
+              <a:rPr lang="en-GB" sz="1800" b="0" i="0" noProof="1">
+                <a:solidFill>
+                  <a:srgbClr val="94558D"/>
+                </a:solidFill>
+                <a:latin typeface="Consolas" panose="020B0609020204030204" pitchFamily="49" charset="0"/>
+              </a:rPr>
+              <a:t>cls</a:t>
+            </a:r>
+            <a:r>
+              <a:rPr lang="en-GB" sz="1800" b="0" i="0" noProof="1">
+                <a:solidFill>
+                  <a:srgbClr val="080808"/>
+                </a:solidFill>
+                <a:latin typeface="Consolas" panose="020B0609020204030204" pitchFamily="49" charset="0"/>
+              </a:rPr>
+              <a:t>.conn.close()</a:t>
+            </a:r>
+            <a:br>
+              <a:rPr lang="en-GB" sz="1800" b="0" i="0" noProof="1">
+                <a:solidFill>
+                  <a:srgbClr val="080808"/>
+                </a:solidFill>
+                <a:latin typeface="Consolas" panose="020B0609020204030204" pitchFamily="49" charset="0"/>
+              </a:rPr>
+            </a:br>
+            <a:br>
+              <a:rPr lang="en-GB" sz="1800" b="0" i="0" noProof="1">
+                <a:solidFill>
+                  <a:srgbClr val="080808"/>
+                </a:solidFill>
+                <a:latin typeface="Consolas" panose="020B0609020204030204" pitchFamily="49" charset="0"/>
+              </a:rPr>
+            </a:br>
+            <a:r>
+              <a:rPr lang="en-GB" sz="1800" b="0" i="0" noProof="1">
+                <a:solidFill>
+                  <a:srgbClr val="080808"/>
+                </a:solidFill>
+                <a:latin typeface="Consolas" panose="020B0609020204030204" pitchFamily="49" charset="0"/>
+              </a:rPr>
+              <a:t>    </a:t>
+            </a:r>
+            <a:r>
+              <a:rPr lang="en-GB" sz="1800" b="0" i="0" noProof="1">
+                <a:solidFill>
+                  <a:srgbClr val="0033B3"/>
+                </a:solidFill>
+                <a:latin typeface="Consolas" panose="020B0609020204030204" pitchFamily="49" charset="0"/>
+              </a:rPr>
+              <a:t>def </a:t>
+            </a:r>
+            <a:r>
+              <a:rPr lang="en-GB" sz="1800" b="0" i="0" noProof="1">
+                <a:solidFill>
+                  <a:srgbClr val="00627A"/>
+                </a:solidFill>
+                <a:latin typeface="Consolas" panose="020B0609020204030204" pitchFamily="49" charset="0"/>
+              </a:rPr>
+              <a:t>setUp</a:t>
+            </a:r>
+            <a:r>
+              <a:rPr lang="en-GB" sz="1800" b="0" i="0" noProof="1">
+                <a:solidFill>
+                  <a:srgbClr val="080808"/>
+                </a:solidFill>
+                <a:latin typeface="Consolas" panose="020B0609020204030204" pitchFamily="49" charset="0"/>
+              </a:rPr>
+              <a:t>(</a:t>
+            </a:r>
+            <a:r>
+              <a:rPr lang="en-GB" sz="1800" b="0" i="0" noProof="1">
+                <a:solidFill>
+                  <a:srgbClr val="94558D"/>
+                </a:solidFill>
+                <a:latin typeface="Consolas" panose="020B0609020204030204" pitchFamily="49" charset="0"/>
+              </a:rPr>
+              <a:t>self</a:t>
+            </a:r>
+            <a:r>
+              <a:rPr lang="en-GB" sz="1800" b="0" i="0" noProof="1">
+                <a:solidFill>
+                  <a:srgbClr val="080808"/>
+                </a:solidFill>
+                <a:latin typeface="Consolas" panose="020B0609020204030204" pitchFamily="49" charset="0"/>
+              </a:rPr>
+              <a:t>):</a:t>
+            </a:r>
+            <a:br>
+              <a:rPr lang="en-GB" sz="1800" b="0" i="0" noProof="1">
+                <a:solidFill>
+                  <a:srgbClr val="080808"/>
+                </a:solidFill>
+                <a:latin typeface="Consolas" panose="020B0609020204030204" pitchFamily="49" charset="0"/>
+              </a:rPr>
+            </a:br>
+            <a:r>
+              <a:rPr lang="en-GB" sz="1800" b="0" i="0" noProof="1">
+                <a:solidFill>
+                  <a:srgbClr val="080808"/>
+                </a:solidFill>
+                <a:latin typeface="Consolas" panose="020B0609020204030204" pitchFamily="49" charset="0"/>
+              </a:rPr>
+              <a:t>        </a:t>
+            </a:r>
+            <a:r>
+              <a:rPr lang="en-GB" sz="1800" b="0" i="0" noProof="1">
+                <a:solidFill>
+                  <a:srgbClr val="94558D"/>
+                </a:solidFill>
+                <a:latin typeface="Consolas" panose="020B0609020204030204" pitchFamily="49" charset="0"/>
+              </a:rPr>
+              <a:t>self</a:t>
+            </a:r>
+            <a:r>
+              <a:rPr lang="en-GB" sz="1800" b="0" i="0" noProof="1">
+                <a:solidFill>
+                  <a:srgbClr val="080808"/>
+                </a:solidFill>
+                <a:latin typeface="Consolas" panose="020B0609020204030204" pitchFamily="49" charset="0"/>
+              </a:rPr>
+              <a:t>.sess = </a:t>
+            </a:r>
+            <a:r>
+              <a:rPr lang="en-GB" sz="1800" b="0" i="0" noProof="1">
+                <a:solidFill>
+                  <a:srgbClr val="94558D"/>
+                </a:solidFill>
+                <a:latin typeface="Consolas" panose="020B0609020204030204" pitchFamily="49" charset="0"/>
+              </a:rPr>
+              <a:t>self</a:t>
+            </a:r>
+            <a:r>
+              <a:rPr lang="en-GB" sz="1800" b="0" i="0" noProof="1">
+                <a:solidFill>
+                  <a:srgbClr val="080808"/>
+                </a:solidFill>
+                <a:latin typeface="Consolas" panose="020B0609020204030204" pitchFamily="49" charset="0"/>
+              </a:rPr>
+              <a:t>.conn.new_session()</a:t>
+            </a:r>
+            <a:br>
+              <a:rPr lang="en-GB" sz="1800" b="0" i="0" noProof="1">
+                <a:solidFill>
+                  <a:srgbClr val="080808"/>
+                </a:solidFill>
+                <a:latin typeface="Consolas" panose="020B0609020204030204" pitchFamily="49" charset="0"/>
+              </a:rPr>
+            </a:br>
+            <a:br>
+              <a:rPr lang="en-GB" sz="1800" b="0" i="0" noProof="1">
+                <a:solidFill>
+                  <a:srgbClr val="080808"/>
+                </a:solidFill>
+                <a:latin typeface="Consolas" panose="020B0609020204030204" pitchFamily="49" charset="0"/>
+              </a:rPr>
+            </a:br>
+            <a:r>
+              <a:rPr lang="en-GB" sz="1800" b="0" i="0" noProof="1">
+                <a:solidFill>
+                  <a:srgbClr val="080808"/>
+                </a:solidFill>
+                <a:latin typeface="Consolas" panose="020B0609020204030204" pitchFamily="49" charset="0"/>
+              </a:rPr>
+              <a:t>    </a:t>
+            </a:r>
+            <a:r>
+              <a:rPr lang="en-GB" sz="1800" b="0" i="0" noProof="1">
+                <a:solidFill>
+                  <a:srgbClr val="0033B3"/>
+                </a:solidFill>
+                <a:latin typeface="Consolas" panose="020B0609020204030204" pitchFamily="49" charset="0"/>
+              </a:rPr>
+              <a:t>def </a:t>
+            </a:r>
+            <a:r>
+              <a:rPr lang="en-GB" sz="1800" b="0" i="0" noProof="1">
+                <a:solidFill>
+                  <a:srgbClr val="00627A"/>
+                </a:solidFill>
+                <a:latin typeface="Consolas" panose="020B0609020204030204" pitchFamily="49" charset="0"/>
+              </a:rPr>
+              <a:t>tearDown</a:t>
+            </a:r>
+            <a:r>
+              <a:rPr lang="en-GB" sz="1800" b="0" i="0" noProof="1">
+                <a:solidFill>
+                  <a:srgbClr val="080808"/>
+                </a:solidFill>
+                <a:latin typeface="Consolas" panose="020B0609020204030204" pitchFamily="49" charset="0"/>
+              </a:rPr>
+              <a:t>(</a:t>
+            </a:r>
+            <a:r>
+              <a:rPr lang="en-GB" sz="1800" b="0" i="0" noProof="1">
+                <a:solidFill>
+                  <a:srgbClr val="94558D"/>
+                </a:solidFill>
+                <a:latin typeface="Consolas" panose="020B0609020204030204" pitchFamily="49" charset="0"/>
+              </a:rPr>
+              <a:t>self</a:t>
+            </a:r>
+            <a:r>
+              <a:rPr lang="en-GB" sz="1800" b="0" i="0" noProof="1">
+                <a:solidFill>
+                  <a:srgbClr val="080808"/>
+                </a:solidFill>
+                <a:latin typeface="Consolas" panose="020B0609020204030204" pitchFamily="49" charset="0"/>
+              </a:rPr>
+              <a:t>):</a:t>
+            </a:r>
+            <a:br>
+              <a:rPr lang="en-GB" sz="1800" b="0" i="0" noProof="1">
+                <a:solidFill>
+                  <a:srgbClr val="080808"/>
+                </a:solidFill>
+                <a:latin typeface="Consolas" panose="020B0609020204030204" pitchFamily="49" charset="0"/>
+              </a:rPr>
+            </a:br>
+            <a:r>
+              <a:rPr lang="en-GB" sz="1800" b="0" i="0" noProof="1">
+                <a:solidFill>
+                  <a:srgbClr val="080808"/>
+                </a:solidFill>
+                <a:latin typeface="Consolas" panose="020B0609020204030204" pitchFamily="49" charset="0"/>
+              </a:rPr>
+              <a:t>        </a:t>
+            </a:r>
+            <a:r>
+              <a:rPr lang="en-GB" sz="1800" b="0" i="0" noProof="1">
+                <a:solidFill>
+                  <a:srgbClr val="94558D"/>
+                </a:solidFill>
+                <a:latin typeface="Consolas" panose="020B0609020204030204" pitchFamily="49" charset="0"/>
+              </a:rPr>
+              <a:t>self</a:t>
+            </a:r>
+            <a:r>
+              <a:rPr lang="en-GB" sz="1800" b="0" i="0" noProof="1">
+                <a:solidFill>
+                  <a:srgbClr val="080808"/>
+                </a:solidFill>
+                <a:latin typeface="Consolas" panose="020B0609020204030204" pitchFamily="49" charset="0"/>
+              </a:rPr>
+              <a:t>.sess.close()</a:t>
+            </a:r>
+            <a:br>
+              <a:rPr lang="en-GB" sz="1800" b="0" i="0" noProof="1">
+                <a:solidFill>
+                  <a:srgbClr val="080808"/>
+                </a:solidFill>
+                <a:latin typeface="Consolas" panose="020B0609020204030204" pitchFamily="49" charset="0"/>
+              </a:rPr>
+            </a:br>
+            <a:br>
+              <a:rPr lang="en-GB" sz="1800" b="0" i="0" noProof="1">
+                <a:solidFill>
+                  <a:srgbClr val="080808"/>
+                </a:solidFill>
+                <a:latin typeface="Consolas" panose="020B0609020204030204" pitchFamily="49" charset="0"/>
+              </a:rPr>
+            </a:br>
+            <a:r>
+              <a:rPr lang="en-GB" sz="1800" b="0" i="0" noProof="1">
+                <a:solidFill>
+                  <a:srgbClr val="080808"/>
+                </a:solidFill>
+                <a:latin typeface="Consolas" panose="020B0609020204030204" pitchFamily="49" charset="0"/>
+              </a:rPr>
+              <a:t>    </a:t>
+            </a:r>
+            <a:r>
+              <a:rPr lang="en-GB" sz="1800" b="0" i="0" noProof="1">
+                <a:solidFill>
+                  <a:srgbClr val="0033B3"/>
+                </a:solidFill>
+                <a:latin typeface="Consolas" panose="020B0609020204030204" pitchFamily="49" charset="0"/>
+              </a:rPr>
+              <a:t>def </a:t>
+            </a:r>
+            <a:r>
+              <a:rPr lang="en-GB" sz="1800" b="0" i="0" noProof="1">
+                <a:solidFill>
+                  <a:srgbClr val="00627A"/>
+                </a:solidFill>
+                <a:latin typeface="Consolas" panose="020B0609020204030204" pitchFamily="49" charset="0"/>
+              </a:rPr>
+              <a:t>test_boolean</a:t>
+            </a:r>
+            <a:r>
+              <a:rPr lang="en-GB" sz="1800" b="0" i="0" noProof="1">
+                <a:solidFill>
+                  <a:srgbClr val="080808"/>
+                </a:solidFill>
+                <a:latin typeface="Consolas" panose="020B0609020204030204" pitchFamily="49" charset="0"/>
+              </a:rPr>
+              <a:t>(</a:t>
+            </a:r>
+            <a:r>
+              <a:rPr lang="en-GB" sz="1800" b="0" i="0" noProof="1">
+                <a:solidFill>
+                  <a:srgbClr val="94558D"/>
+                </a:solidFill>
+                <a:latin typeface="Consolas" panose="020B0609020204030204" pitchFamily="49" charset="0"/>
+              </a:rPr>
+              <a:t>self</a:t>
+            </a:r>
+            <a:r>
+              <a:rPr lang="en-GB" sz="1800" b="0" i="0" noProof="1">
+                <a:solidFill>
+                  <a:srgbClr val="080808"/>
+                </a:solidFill>
+                <a:latin typeface="Consolas" panose="020B0609020204030204" pitchFamily="49" charset="0"/>
+              </a:rPr>
+              <a:t>):</a:t>
+            </a:r>
+            <a:br>
+              <a:rPr lang="en-GB" sz="1800" b="0" i="0" noProof="1">
+                <a:solidFill>
+                  <a:srgbClr val="080808"/>
+                </a:solidFill>
+                <a:latin typeface="Consolas" panose="020B0609020204030204" pitchFamily="49" charset="0"/>
+              </a:rPr>
+            </a:br>
+            <a:r>
+              <a:rPr lang="en-GB" sz="1800" b="0" i="0" noProof="1">
+                <a:solidFill>
+                  <a:srgbClr val="080808"/>
+                </a:solidFill>
+                <a:latin typeface="Consolas" panose="020B0609020204030204" pitchFamily="49" charset="0"/>
+              </a:rPr>
+              <a:t>        </a:t>
+            </a:r>
+            <a:r>
+              <a:rPr lang="en-GB" sz="1800" b="0" i="0" noProof="1">
+                <a:solidFill>
+                  <a:srgbClr val="94558D"/>
+                </a:solidFill>
+                <a:latin typeface="Consolas" panose="020B0609020204030204" pitchFamily="49" charset="0"/>
+              </a:rPr>
+              <a:t>self</a:t>
+            </a:r>
+            <a:r>
+              <a:rPr lang="en-GB" sz="1800" b="0" i="0" noProof="1">
+                <a:solidFill>
+                  <a:srgbClr val="080808"/>
+                </a:solidFill>
+                <a:latin typeface="Consolas" panose="020B0609020204030204" pitchFamily="49" charset="0"/>
+              </a:rPr>
+              <a:t>.assertTrue(</a:t>
+            </a:r>
+            <a:r>
+              <a:rPr lang="en-GB" sz="1800" b="0" i="0" noProof="1">
+                <a:solidFill>
+                  <a:srgbClr val="94558D"/>
+                </a:solidFill>
+                <a:latin typeface="Consolas" panose="020B0609020204030204" pitchFamily="49" charset="0"/>
+              </a:rPr>
+              <a:t>self</a:t>
+            </a:r>
+            <a:r>
+              <a:rPr lang="en-GB" sz="1800" b="0" i="0" noProof="1">
+                <a:solidFill>
+                  <a:srgbClr val="080808"/>
+                </a:solidFill>
+                <a:latin typeface="Consolas" panose="020B0609020204030204" pitchFamily="49" charset="0"/>
+              </a:rPr>
+              <a:t>.sess.is_up())</a:t>
+            </a:r>
+            <a:br>
+              <a:rPr lang="en-GB" sz="1800" b="0" i="0" noProof="1">
+                <a:solidFill>
+                  <a:srgbClr val="080808"/>
+                </a:solidFill>
+                <a:latin typeface="Consolas" panose="020B0609020204030204" pitchFamily="49" charset="0"/>
+              </a:rPr>
+            </a:br>
+            <a:br>
+              <a:rPr lang="en-GB" sz="1800" b="0" i="0" noProof="1">
+                <a:solidFill>
+                  <a:srgbClr val="080808"/>
+                </a:solidFill>
+                <a:latin typeface="Consolas" panose="020B0609020204030204" pitchFamily="49" charset="0"/>
+              </a:rPr>
+            </a:br>
+            <a:r>
+              <a:rPr lang="en-GB" sz="1800" b="0" i="0" noProof="1">
+                <a:solidFill>
+                  <a:srgbClr val="080808"/>
+                </a:solidFill>
+                <a:latin typeface="Consolas" panose="020B0609020204030204" pitchFamily="49" charset="0"/>
+              </a:rPr>
+              <a:t>    </a:t>
+            </a:r>
+            <a:r>
+              <a:rPr lang="en-GB" sz="1800" b="0" i="0" noProof="1">
+                <a:solidFill>
+                  <a:srgbClr val="0033B3"/>
+                </a:solidFill>
+                <a:latin typeface="Consolas" panose="020B0609020204030204" pitchFamily="49" charset="0"/>
+              </a:rPr>
+              <a:t>def </a:t>
+            </a:r>
+            <a:r>
+              <a:rPr lang="en-GB" sz="1800" b="0" i="0" noProof="1">
+                <a:solidFill>
+                  <a:srgbClr val="00627A"/>
+                </a:solidFill>
+                <a:latin typeface="Consolas" panose="020B0609020204030204" pitchFamily="49" charset="0"/>
+              </a:rPr>
+              <a:t>test_session_status</a:t>
+            </a:r>
+            <a:r>
+              <a:rPr lang="en-GB" sz="1800" b="0" i="0" noProof="1">
+                <a:solidFill>
+                  <a:srgbClr val="080808"/>
+                </a:solidFill>
+                <a:latin typeface="Consolas" panose="020B0609020204030204" pitchFamily="49" charset="0"/>
+              </a:rPr>
+              <a:t>(</a:t>
+            </a:r>
+            <a:r>
+              <a:rPr lang="en-GB" sz="1800" b="0" i="0" noProof="1">
+                <a:solidFill>
+                  <a:srgbClr val="94558D"/>
+                </a:solidFill>
+                <a:latin typeface="Consolas" panose="020B0609020204030204" pitchFamily="49" charset="0"/>
+              </a:rPr>
+              <a:t>self</a:t>
+            </a:r>
+            <a:r>
+              <a:rPr lang="en-GB" sz="1800" b="0" i="0" noProof="1">
+                <a:solidFill>
+                  <a:srgbClr val="080808"/>
+                </a:solidFill>
+                <a:latin typeface="Consolas" panose="020B0609020204030204" pitchFamily="49" charset="0"/>
+              </a:rPr>
+              <a:t>):</a:t>
+            </a:r>
+            <a:br>
+              <a:rPr lang="en-GB" sz="1800" b="0" i="0" noProof="1">
+                <a:solidFill>
+                  <a:srgbClr val="080808"/>
+                </a:solidFill>
+                <a:latin typeface="Consolas" panose="020B0609020204030204" pitchFamily="49" charset="0"/>
+              </a:rPr>
+            </a:br>
+            <a:r>
+              <a:rPr lang="en-GB" sz="1800" b="0" i="0" noProof="1">
+                <a:solidFill>
+                  <a:srgbClr val="080808"/>
+                </a:solidFill>
+                <a:latin typeface="Consolas" panose="020B0609020204030204" pitchFamily="49" charset="0"/>
+              </a:rPr>
+              <a:t>        </a:t>
+            </a:r>
+            <a:r>
+              <a:rPr lang="en-GB" sz="1800" b="0" i="0" noProof="1">
+                <a:solidFill>
+                  <a:srgbClr val="94558D"/>
+                </a:solidFill>
+                <a:latin typeface="Consolas" panose="020B0609020204030204" pitchFamily="49" charset="0"/>
+              </a:rPr>
+              <a:t>self</a:t>
+            </a:r>
+            <a:r>
+              <a:rPr lang="en-GB" sz="1800" b="0" i="0" noProof="1">
+                <a:solidFill>
+                  <a:srgbClr val="080808"/>
+                </a:solidFill>
+                <a:latin typeface="Consolas" panose="020B0609020204030204" pitchFamily="49" charset="0"/>
+              </a:rPr>
+              <a:t>.assertEqual(</a:t>
+            </a:r>
+            <a:r>
+              <a:rPr lang="en-GB" sz="1800" b="0" i="0" noProof="1">
+                <a:solidFill>
+                  <a:srgbClr val="94558D"/>
+                </a:solidFill>
+                <a:latin typeface="Consolas" panose="020B0609020204030204" pitchFamily="49" charset="0"/>
+              </a:rPr>
+              <a:t>self</a:t>
+            </a:r>
+            <a:r>
+              <a:rPr lang="en-GB" sz="1800" b="0" i="0" noProof="1">
+                <a:solidFill>
+                  <a:srgbClr val="080808"/>
+                </a:solidFill>
+                <a:latin typeface="Consolas" panose="020B0609020204030204" pitchFamily="49" charset="0"/>
+              </a:rPr>
+              <a:t>.sess.status(), </a:t>
+            </a:r>
+            <a:r>
+              <a:rPr lang="en-GB" sz="1800" b="0" i="0" noProof="1">
+                <a:solidFill>
+                  <a:srgbClr val="067D17"/>
+                </a:solidFill>
+                <a:latin typeface="Consolas" panose="020B0609020204030204" pitchFamily="49" charset="0"/>
+              </a:rPr>
+              <a:t>"running"</a:t>
+            </a:r>
+            <a:r>
+              <a:rPr lang="en-GB" sz="1800" b="0" i="0" noProof="1">
+                <a:solidFill>
+                  <a:srgbClr val="080808"/>
+                </a:solidFill>
+                <a:latin typeface="Consolas" panose="020B0609020204030204" pitchFamily="49" charset="0"/>
+              </a:rPr>
+              <a:t>)</a:t>
+            </a:r>
+            <a:br>
+              <a:rPr lang="en-GB" sz="1800" b="0" i="0" noProof="1">
+                <a:solidFill>
+                  <a:srgbClr val="080808"/>
+                </a:solidFill>
+                <a:latin typeface="Consolas" panose="020B0609020204030204" pitchFamily="49" charset="0"/>
+              </a:rPr>
+            </a:br>
+            <a:br>
+              <a:rPr lang="en-GB" sz="1800" b="0" i="0" noProof="1">
+                <a:solidFill>
+                  <a:srgbClr val="080808"/>
+                </a:solidFill>
+                <a:latin typeface="Consolas" panose="020B0609020204030204" pitchFamily="49" charset="0"/>
+              </a:rPr>
+            </a:br>
+            <a:r>
+              <a:rPr lang="en-GB" sz="1800" b="0" i="0" noProof="1">
+                <a:solidFill>
+                  <a:srgbClr val="080808"/>
+                </a:solidFill>
+                <a:latin typeface="Consolas" panose="020B0609020204030204" pitchFamily="49" charset="0"/>
+              </a:rPr>
+              <a:t>    </a:t>
+            </a:r>
+            <a:r>
+              <a:rPr lang="en-GB" sz="1800" b="0" i="0" noProof="1">
+                <a:solidFill>
+                  <a:srgbClr val="0033B3"/>
+                </a:solidFill>
+                <a:latin typeface="Consolas" panose="020B0609020204030204" pitchFamily="49" charset="0"/>
+              </a:rPr>
+              <a:t>def </a:t>
+            </a:r>
+            <a:r>
+              <a:rPr lang="en-GB" sz="1800" b="0" i="0" noProof="1">
+                <a:solidFill>
+                  <a:srgbClr val="00627A"/>
+                </a:solidFill>
+                <a:latin typeface="Consolas" panose="020B0609020204030204" pitchFamily="49" charset="0"/>
+              </a:rPr>
+              <a:t>test_multi_param_stuff</a:t>
+            </a:r>
+            <a:r>
+              <a:rPr lang="en-GB" sz="1800" b="0" i="0" noProof="1">
+                <a:solidFill>
+                  <a:srgbClr val="080808"/>
+                </a:solidFill>
+                <a:latin typeface="Consolas" panose="020B0609020204030204" pitchFamily="49" charset="0"/>
+              </a:rPr>
+              <a:t>(</a:t>
+            </a:r>
+            <a:r>
+              <a:rPr lang="en-GB" sz="1800" b="0" i="0" noProof="1">
+                <a:solidFill>
+                  <a:srgbClr val="94558D"/>
+                </a:solidFill>
+                <a:latin typeface="Consolas" panose="020B0609020204030204" pitchFamily="49" charset="0"/>
+              </a:rPr>
+              <a:t>self</a:t>
+            </a:r>
+            <a:r>
+              <a:rPr lang="en-GB" sz="1800" b="0" i="0" noProof="1">
+                <a:solidFill>
+                  <a:srgbClr val="080808"/>
+                </a:solidFill>
+                <a:latin typeface="Consolas" panose="020B0609020204030204" pitchFamily="49" charset="0"/>
+              </a:rPr>
+              <a:t>):</a:t>
+            </a:r>
+            <a:br>
+              <a:rPr lang="en-GB" sz="1800" b="0" i="0" noProof="1">
+                <a:solidFill>
+                  <a:srgbClr val="080808"/>
+                </a:solidFill>
+                <a:latin typeface="Consolas" panose="020B0609020204030204" pitchFamily="49" charset="0"/>
+              </a:rPr>
+            </a:br>
+            <a:r>
+              <a:rPr lang="en-GB" sz="1800" b="0" i="0" noProof="1">
+                <a:solidFill>
+                  <a:srgbClr val="080808"/>
+                </a:solidFill>
+                <a:latin typeface="Consolas" panose="020B0609020204030204" pitchFamily="49" charset="0"/>
+              </a:rPr>
+              <a:t>        </a:t>
+            </a:r>
+            <a:r>
+              <a:rPr lang="en-GB" sz="1800" b="0" i="0" noProof="1">
+                <a:solidFill>
+                  <a:srgbClr val="0033B3"/>
+                </a:solidFill>
+                <a:latin typeface="Consolas" panose="020B0609020204030204" pitchFamily="49" charset="0"/>
+              </a:rPr>
+              <a:t>for </a:t>
+            </a:r>
+            <a:r>
+              <a:rPr lang="en-GB" sz="1800" b="0" i="0" noProof="1">
+                <a:solidFill>
+                  <a:srgbClr val="080808"/>
+                </a:solidFill>
+                <a:latin typeface="Consolas" panose="020B0609020204030204" pitchFamily="49" charset="0"/>
+              </a:rPr>
+              <a:t>i </a:t>
+            </a:r>
+            <a:r>
+              <a:rPr lang="en-GB" sz="1800" b="0" i="0" noProof="1">
+                <a:solidFill>
+                  <a:srgbClr val="0033B3"/>
+                </a:solidFill>
+                <a:latin typeface="Consolas" panose="020B0609020204030204" pitchFamily="49" charset="0"/>
+              </a:rPr>
+              <a:t>in </a:t>
+            </a:r>
+            <a:r>
+              <a:rPr lang="en-GB" sz="1800" b="0" i="0" noProof="1">
+                <a:solidFill>
+                  <a:srgbClr val="000080"/>
+                </a:solidFill>
+                <a:latin typeface="Consolas" panose="020B0609020204030204" pitchFamily="49" charset="0"/>
+              </a:rPr>
+              <a:t>range</a:t>
+            </a:r>
+            <a:r>
+              <a:rPr lang="en-GB" sz="1800" b="0" i="0" noProof="1">
+                <a:solidFill>
+                  <a:srgbClr val="080808"/>
+                </a:solidFill>
+                <a:latin typeface="Consolas" panose="020B0609020204030204" pitchFamily="49" charset="0"/>
+              </a:rPr>
+              <a:t>(</a:t>
+            </a:r>
+            <a:r>
+              <a:rPr lang="en-GB" sz="1800" b="0" i="0" noProof="1">
+                <a:solidFill>
+                  <a:srgbClr val="1750EB"/>
+                </a:solidFill>
+                <a:latin typeface="Consolas" panose="020B0609020204030204" pitchFamily="49" charset="0"/>
+              </a:rPr>
+              <a:t>10</a:t>
+            </a:r>
+            <a:r>
+              <a:rPr lang="en-GB" sz="1800" b="0" i="0" noProof="1">
+                <a:solidFill>
+                  <a:srgbClr val="080808"/>
+                </a:solidFill>
+                <a:latin typeface="Consolas" panose="020B0609020204030204" pitchFamily="49" charset="0"/>
+              </a:rPr>
+              <a:t>):</a:t>
+            </a:r>
+            <a:br>
+              <a:rPr lang="en-GB" sz="1800" b="0" i="0" noProof="1">
+                <a:solidFill>
+                  <a:srgbClr val="080808"/>
+                </a:solidFill>
+                <a:latin typeface="Consolas" panose="020B0609020204030204" pitchFamily="49" charset="0"/>
+              </a:rPr>
+            </a:br>
+            <a:r>
+              <a:rPr lang="en-GB" sz="1800" b="0" i="0" noProof="1">
+                <a:solidFill>
+                  <a:srgbClr val="080808"/>
+                </a:solidFill>
+                <a:latin typeface="Consolas" panose="020B0609020204030204" pitchFamily="49" charset="0"/>
+              </a:rPr>
+              <a:t>            </a:t>
+            </a:r>
+            <a:r>
+              <a:rPr lang="en-GB" sz="1800" b="0" i="0" noProof="1">
+                <a:solidFill>
+                  <a:srgbClr val="0033B3"/>
+                </a:solidFill>
+                <a:latin typeface="Consolas" panose="020B0609020204030204" pitchFamily="49" charset="0"/>
+              </a:rPr>
+              <a:t>with </a:t>
+            </a:r>
+            <a:r>
+              <a:rPr lang="en-GB" sz="1800" b="0" i="0" noProof="1">
+                <a:solidFill>
+                  <a:srgbClr val="94558D"/>
+                </a:solidFill>
+                <a:latin typeface="Consolas" panose="020B0609020204030204" pitchFamily="49" charset="0"/>
+              </a:rPr>
+              <a:t>self</a:t>
+            </a:r>
+            <a:r>
+              <a:rPr lang="en-GB" sz="1800" b="0" i="0" noProof="1">
+                <a:solidFill>
+                  <a:srgbClr val="080808"/>
+                </a:solidFill>
+                <a:latin typeface="Consolas" panose="020B0609020204030204" pitchFamily="49" charset="0"/>
+              </a:rPr>
+              <a:t>.subTest(i):</a:t>
+            </a:r>
+            <a:br>
+              <a:rPr lang="en-GB" sz="1800" b="0" i="0" noProof="1">
+                <a:solidFill>
+                  <a:srgbClr val="080808"/>
+                </a:solidFill>
+                <a:latin typeface="Consolas" panose="020B0609020204030204" pitchFamily="49" charset="0"/>
+              </a:rPr>
+            </a:br>
+            <a:r>
+              <a:rPr lang="en-GB" sz="1800" b="0" i="0" noProof="1">
+                <a:solidFill>
+                  <a:srgbClr val="080808"/>
+                </a:solidFill>
+                <a:latin typeface="Consolas" panose="020B0609020204030204" pitchFamily="49" charset="0"/>
+              </a:rPr>
+              <a:t>                </a:t>
+            </a:r>
+            <a:r>
+              <a:rPr lang="en-GB" sz="1800" b="0" i="0" noProof="1">
+                <a:solidFill>
+                  <a:srgbClr val="94558D"/>
+                </a:solidFill>
+                <a:latin typeface="Consolas" panose="020B0609020204030204" pitchFamily="49" charset="0"/>
+              </a:rPr>
+              <a:t>self</a:t>
+            </a:r>
+            <a:r>
+              <a:rPr lang="en-GB" sz="1800" b="0" i="0" noProof="1">
+                <a:solidFill>
+                  <a:srgbClr val="080808"/>
+                </a:solidFill>
+                <a:latin typeface="Consolas" panose="020B0609020204030204" pitchFamily="49" charset="0"/>
+              </a:rPr>
+              <a:t>.assertEqual(</a:t>
+            </a:r>
+            <a:r>
+              <a:rPr lang="en-GB" sz="1800" b="0" i="0" noProof="1">
+                <a:solidFill>
+                  <a:srgbClr val="1750EB"/>
+                </a:solidFill>
+                <a:latin typeface="Consolas" panose="020B0609020204030204" pitchFamily="49" charset="0"/>
+              </a:rPr>
+              <a:t>0</a:t>
+            </a:r>
+            <a:r>
+              <a:rPr lang="en-GB" sz="1800" b="0" i="0" noProof="1">
+                <a:solidFill>
+                  <a:srgbClr val="080808"/>
+                </a:solidFill>
+                <a:latin typeface="Consolas" panose="020B0609020204030204" pitchFamily="49" charset="0"/>
+              </a:rPr>
+              <a:t>, i)</a:t>
+            </a:r>
+            <a:endParaRPr lang="en-GB" sz="1800" noProof="1">
+              <a:solidFill>
+                <a:srgbClr val="080808"/>
+              </a:solidFill>
+              <a:latin typeface="Consolas" panose="020B0609020204030204" pitchFamily="49" charset="0"/>
+            </a:endParaRPr>
+          </a:p>
+          <a:p>
+            <a:endParaRPr lang="en-GB" sz="1800" b="0" i="0" noProof="1">
+              <a:solidFill>
+                <a:srgbClr val="080808"/>
+              </a:solidFill>
+              <a:latin typeface="Consolas" panose="020B0609020204030204" pitchFamily="49" charset="0"/>
+            </a:endParaRPr>
+          </a:p>
+        </p:txBody>
+      </p:sp>
       <p:grpSp>
         <p:nvGrpSpPr>
-          <p:cNvPr id="2" name="Group 1">
+          <p:cNvPr id="9" name="Group 8">
             <a:extLst>
               <a:ext uri="{FF2B5EF4-FFF2-40B4-BE49-F238E27FC236}">
-                <a16:creationId xmlns:a16="http://schemas.microsoft.com/office/drawing/2014/main" id="{AC63B1BA-D9E0-4753-92A3-6A3A9A83E4F3}"/>
+                <a16:creationId xmlns:a16="http://schemas.microsoft.com/office/drawing/2014/main" id="{7EAB44F2-D874-4254-AB53-619CE2C8BBDE}"/>
               </a:ext>
             </a:extLst>
           </p:cNvPr>
@@ -28519,1322 +32642,97 @@
         </p:nvGrpSpPr>
         <p:grpSpPr>
           <a:xfrm>
-            <a:off x="1543134" y="1327313"/>
-            <a:ext cx="7560000" cy="8679299"/>
-            <a:chOff x="10353309" y="1341319"/>
-            <a:chExt cx="7560000" cy="8679299"/>
+            <a:off x="7059829" y="1538452"/>
+            <a:ext cx="1890905" cy="894781"/>
+            <a:chOff x="899886" y="2133600"/>
+            <a:chExt cx="2902856" cy="1373639"/>
           </a:xfrm>
         </p:grpSpPr>
-        <p:sp>
-          <p:nvSpPr>
-            <p:cNvPr id="15" name="Rectangle 14">
+        <p:pic>
+          <p:nvPicPr>
+            <p:cNvPr id="8" name="Picture 7">
               <a:extLst>
                 <a:ext uri="{FF2B5EF4-FFF2-40B4-BE49-F238E27FC236}">
-                  <a16:creationId xmlns:a16="http://schemas.microsoft.com/office/drawing/2014/main" id="{0821AEAF-D1E2-4019-A093-F4ACA8B6A807}"/>
+                  <a16:creationId xmlns:a16="http://schemas.microsoft.com/office/drawing/2014/main" id="{43E96E13-3E21-45D1-9D6E-B74B6D3B3206}"/>
                 </a:ext>
               </a:extLst>
             </p:cNvPr>
-            <p:cNvSpPr>
-              <a:spLocks noChangeArrowheads="1"/>
-            </p:cNvSpPr>
+            <p:cNvPicPr>
+              <a:picLocks noChangeAspect="1"/>
+            </p:cNvPicPr>
             <p:nvPr/>
-          </p:nvSpPr>
-          <p:spPr bwMode="auto">
+          </p:nvPicPr>
+          <p:blipFill>
+            <a:blip r:embed="rId4"/>
+            <a:stretch>
+              <a:fillRect/>
+            </a:stretch>
+          </p:blipFill>
+          <p:spPr>
             <a:xfrm>
-              <a:off x="10353309" y="1341319"/>
-              <a:ext cx="7560000" cy="8679299"/>
+              <a:off x="1630387" y="2983364"/>
+              <a:ext cx="1419225" cy="523875"/>
             </a:xfrm>
             <a:prstGeom prst="rect">
               <a:avLst/>
             </a:prstGeom>
-            <a:solidFill>
-              <a:srgbClr val="FFFFFF"/>
-            </a:solidFill>
-            <a:ln w="9525">
-              <a:solidFill>
-                <a:schemeClr val="tx1"/>
-              </a:solidFill>
-              <a:miter lim="800000"/>
-              <a:headEnd/>
-              <a:tailEnd/>
-            </a:ln>
-            <a:effectLst/>
+          </p:spPr>
+        </p:pic>
+        <p:pic>
+          <p:nvPicPr>
+            <p:cNvPr id="1026" name="Picture 2" descr="Python programmeren - flexibele en begrijpelijke programmeertaal - c't">
+              <a:extLst>
+                <a:ext uri="{FF2B5EF4-FFF2-40B4-BE49-F238E27FC236}">
+                  <a16:creationId xmlns:a16="http://schemas.microsoft.com/office/drawing/2014/main" id="{52F9E8BB-1D91-4ED4-AA93-5A03C0184E24}"/>
+                </a:ext>
+              </a:extLst>
+            </p:cNvPr>
+            <p:cNvPicPr>
+              <a:picLocks noChangeAspect="1" noChangeArrowheads="1"/>
+            </p:cNvPicPr>
+            <p:nvPr/>
+          </p:nvPicPr>
+          <p:blipFill rotWithShape="1">
+            <a:blip r:embed="rId5">
+              <a:clrChange>
+                <a:clrFrom>
+                  <a:srgbClr val="FFFFFF"/>
+                </a:clrFrom>
+                <a:clrTo>
+                  <a:srgbClr val="FFFFFF">
+                    <a:alpha val="0"/>
+                  </a:srgbClr>
+                </a:clrTo>
+              </a:clrChange>
+              <a:extLst>
+                <a:ext uri="{28A0092B-C50C-407E-A947-70E740481C1C}">
+                  <a14:useLocalDpi xmlns:a14="http://schemas.microsoft.com/office/drawing/2010/main" val="0"/>
+                </a:ext>
+              </a:extLst>
+            </a:blip>
+            <a:srcRect l="10011" t="10221" r="11241" b="8901"/>
+            <a:stretch/>
+          </p:blipFill>
+          <p:spPr bwMode="auto">
+            <a:xfrm>
+              <a:off x="899886" y="2133600"/>
+              <a:ext cx="2902856" cy="1001486"/>
+            </a:xfrm>
+            <a:prstGeom prst="rect">
+              <a:avLst/>
+            </a:prstGeom>
+            <a:noFill/>
             <a:extLst>
-              <a:ext uri="{AF507438-7753-43E0-B8FC-AC1667EBCBE1}">
-                <a14:hiddenEffects xmlns:a14="http://schemas.microsoft.com/office/drawing/2010/main">
-                  <a:effectLst>
-                    <a:outerShdw dist="35921" dir="2700000" algn="ctr" rotWithShape="0">
-                      <a:schemeClr val="bg2"/>
-                    </a:outerShdw>
-                  </a:effectLst>
-                </a14:hiddenEffects>
+              <a:ext uri="{909E8E84-426E-40DD-AFC4-6F175D3DCCD1}">
+                <a14:hiddenFill xmlns:a14="http://schemas.microsoft.com/office/drawing/2010/main">
+                  <a:solidFill>
+                    <a:srgbClr val="FFFFFF"/>
+                  </a:solidFill>
+                </a14:hiddenFill>
               </a:ext>
             </a:extLst>
           </p:spPr>
-          <p:txBody>
-            <a:bodyPr vert="horz" wrap="square" lIns="91440" tIns="45720" rIns="91440" bIns="45720" numCol="1" anchor="ctr" anchorCtr="0" compatLnSpc="1">
-              <a:prstTxWarp prst="textNoShape">
-                <a:avLst/>
-              </a:prstTxWarp>
-              <a:spAutoFit/>
-            </a:bodyPr>
-            <a:lstStyle/>
-            <a:p>
-              <a:endParaRPr lang="en-GB" sz="1800" b="0" i="0" noProof="1">
-                <a:solidFill>
-                  <a:srgbClr val="0033B3"/>
-                </a:solidFill>
-                <a:latin typeface="Consolas" panose="020B0609020204030204" pitchFamily="49" charset="0"/>
-              </a:endParaRPr>
-            </a:p>
-            <a:p>
-              <a:r>
-                <a:rPr lang="en-GB" sz="1800" b="0" i="0" noProof="1">
-                  <a:solidFill>
-                    <a:srgbClr val="0033B3"/>
-                  </a:solidFill>
-                  <a:latin typeface="Consolas" panose="020B0609020204030204" pitchFamily="49" charset="0"/>
-                </a:rPr>
-                <a:t>from </a:t>
-              </a:r>
-              <a:r>
-                <a:rPr lang="en-GB" sz="1800" b="0" i="0" noProof="1">
-                  <a:solidFill>
-                    <a:srgbClr val="080808"/>
-                  </a:solidFill>
-                  <a:latin typeface="Consolas" panose="020B0609020204030204" pitchFamily="49" charset="0"/>
-                </a:rPr>
-                <a:t>unittest </a:t>
-              </a:r>
-              <a:r>
-                <a:rPr lang="en-GB" sz="1800" b="0" i="0" noProof="1">
-                  <a:solidFill>
-                    <a:srgbClr val="0033B3"/>
-                  </a:solidFill>
-                  <a:latin typeface="Consolas" panose="020B0609020204030204" pitchFamily="49" charset="0"/>
-                </a:rPr>
-                <a:t>import </a:t>
-              </a:r>
-              <a:r>
-                <a:rPr lang="en-GB" sz="1800" b="0" i="0" noProof="1">
-                  <a:solidFill>
-                    <a:srgbClr val="080808"/>
-                  </a:solidFill>
-                  <a:latin typeface="Consolas" panose="020B0609020204030204" pitchFamily="49" charset="0"/>
-                </a:rPr>
-                <a:t>TestCase</a:t>
-              </a:r>
-              <a:br>
-                <a:rPr lang="en-GB" sz="1800" b="0" i="0" noProof="1">
-                  <a:solidFill>
-                    <a:srgbClr val="080808"/>
-                  </a:solidFill>
-                  <a:latin typeface="Consolas" panose="020B0609020204030204" pitchFamily="49" charset="0"/>
-                </a:rPr>
-              </a:br>
-              <a:r>
-                <a:rPr lang="en-GB" sz="1800" b="0" i="0" noProof="1">
-                  <a:solidFill>
-                    <a:srgbClr val="0033B3"/>
-                  </a:solidFill>
-                  <a:latin typeface="Consolas" panose="020B0609020204030204" pitchFamily="49" charset="0"/>
-                </a:rPr>
-                <a:t>from </a:t>
-              </a:r>
-              <a:r>
-                <a:rPr lang="en-GB" sz="1800" b="0" i="0" noProof="1">
-                  <a:solidFill>
-                    <a:srgbClr val="080808"/>
-                  </a:solidFill>
-                  <a:latin typeface="Consolas" panose="020B0609020204030204" pitchFamily="49" charset="0"/>
-                </a:rPr>
-                <a:t>src.utils </a:t>
-              </a:r>
-              <a:r>
-                <a:rPr lang="en-GB" sz="1800" b="0" i="0" noProof="1">
-                  <a:solidFill>
-                    <a:srgbClr val="0033B3"/>
-                  </a:solidFill>
-                  <a:latin typeface="Consolas" panose="020B0609020204030204" pitchFamily="49" charset="0"/>
-                </a:rPr>
-                <a:t>import </a:t>
-              </a:r>
-              <a:r>
-                <a:rPr lang="en-GB" sz="1800" b="0" i="0" noProof="1">
-                  <a:solidFill>
-                    <a:srgbClr val="080808"/>
-                  </a:solidFill>
-                  <a:latin typeface="Consolas" panose="020B0609020204030204" pitchFamily="49" charset="0"/>
-                </a:rPr>
-                <a:t>Connection</a:t>
-              </a:r>
-              <a:br>
-                <a:rPr lang="en-GB" sz="1800" b="0" i="0" noProof="1">
-                  <a:solidFill>
-                    <a:srgbClr val="080808"/>
-                  </a:solidFill>
-                  <a:latin typeface="Consolas" panose="020B0609020204030204" pitchFamily="49" charset="0"/>
-                </a:rPr>
-              </a:br>
-              <a:br>
-                <a:rPr lang="en-GB" sz="1800" b="0" i="0" noProof="1">
-                  <a:solidFill>
-                    <a:srgbClr val="080808"/>
-                  </a:solidFill>
-                  <a:latin typeface="Consolas" panose="020B0609020204030204" pitchFamily="49" charset="0"/>
-                </a:rPr>
-              </a:br>
-              <a:br>
-                <a:rPr lang="en-GB" sz="1800" b="0" i="0" noProof="1">
-                  <a:solidFill>
-                    <a:srgbClr val="080808"/>
-                  </a:solidFill>
-                  <a:latin typeface="Consolas" panose="020B0609020204030204" pitchFamily="49" charset="0"/>
-                </a:rPr>
-              </a:br>
-              <a:r>
-                <a:rPr lang="en-GB" sz="1800" b="0" i="0" noProof="1">
-                  <a:solidFill>
-                    <a:srgbClr val="0033B3"/>
-                  </a:solidFill>
-                  <a:latin typeface="Consolas" panose="020B0609020204030204" pitchFamily="49" charset="0"/>
-                </a:rPr>
-                <a:t>class </a:t>
-              </a:r>
-              <a:r>
-                <a:rPr lang="en-GB" sz="1800" b="0" i="0" noProof="1">
-                  <a:solidFill>
-                    <a:srgbClr val="000000"/>
-                  </a:solidFill>
-                  <a:latin typeface="Consolas" panose="020B0609020204030204" pitchFamily="49" charset="0"/>
-                </a:rPr>
-                <a:t>TestExample</a:t>
-              </a:r>
-              <a:r>
-                <a:rPr lang="en-GB" sz="1800" b="0" i="0" noProof="1">
-                  <a:solidFill>
-                    <a:srgbClr val="080808"/>
-                  </a:solidFill>
-                  <a:latin typeface="Consolas" panose="020B0609020204030204" pitchFamily="49" charset="0"/>
-                </a:rPr>
-                <a:t>(TestCase):</a:t>
-              </a:r>
-              <a:br>
-                <a:rPr lang="en-GB" sz="1800" b="0" i="0" noProof="1">
-                  <a:solidFill>
-                    <a:srgbClr val="080808"/>
-                  </a:solidFill>
-                  <a:latin typeface="Consolas" panose="020B0609020204030204" pitchFamily="49" charset="0"/>
-                </a:rPr>
-              </a:br>
-              <a:r>
-                <a:rPr lang="en-GB" sz="1800" b="0" i="0" noProof="1">
-                  <a:solidFill>
-                    <a:srgbClr val="080808"/>
-                  </a:solidFill>
-                  <a:latin typeface="Consolas" panose="020B0609020204030204" pitchFamily="49" charset="0"/>
-                </a:rPr>
-                <a:t>    </a:t>
-              </a:r>
-              <a:r>
-                <a:rPr lang="en-GB" sz="1800" b="0" i="0" noProof="1">
-                  <a:solidFill>
-                    <a:srgbClr val="9E880D"/>
-                  </a:solidFill>
-                  <a:latin typeface="Consolas" panose="020B0609020204030204" pitchFamily="49" charset="0"/>
-                </a:rPr>
-                <a:t>@classmethod</a:t>
-              </a:r>
-              <a:br>
-                <a:rPr lang="en-GB" sz="1800" b="0" i="0" noProof="1">
-                  <a:solidFill>
-                    <a:srgbClr val="9E880D"/>
-                  </a:solidFill>
-                  <a:latin typeface="Consolas" panose="020B0609020204030204" pitchFamily="49" charset="0"/>
-                </a:rPr>
-              </a:br>
-              <a:r>
-                <a:rPr lang="en-GB" sz="1800" b="0" i="0" noProof="1">
-                  <a:solidFill>
-                    <a:srgbClr val="9E880D"/>
-                  </a:solidFill>
-                  <a:latin typeface="Consolas" panose="020B0609020204030204" pitchFamily="49" charset="0"/>
-                </a:rPr>
-                <a:t>    </a:t>
-              </a:r>
-              <a:r>
-                <a:rPr lang="en-GB" sz="1800" b="0" i="0" noProof="1">
-                  <a:solidFill>
-                    <a:srgbClr val="0033B3"/>
-                  </a:solidFill>
-                  <a:latin typeface="Consolas" panose="020B0609020204030204" pitchFamily="49" charset="0"/>
-                </a:rPr>
-                <a:t>def </a:t>
-              </a:r>
-              <a:r>
-                <a:rPr lang="en-GB" sz="1800" b="0" i="0" noProof="1">
-                  <a:solidFill>
-                    <a:srgbClr val="00627A"/>
-                  </a:solidFill>
-                  <a:latin typeface="Consolas" panose="020B0609020204030204" pitchFamily="49" charset="0"/>
-                </a:rPr>
-                <a:t>setUpClass</a:t>
-              </a:r>
-              <a:r>
-                <a:rPr lang="en-GB" sz="1800" b="0" i="0" noProof="1">
-                  <a:solidFill>
-                    <a:srgbClr val="080808"/>
-                  </a:solidFill>
-                  <a:latin typeface="Consolas" panose="020B0609020204030204" pitchFamily="49" charset="0"/>
-                </a:rPr>
-                <a:t>(</a:t>
-              </a:r>
-              <a:r>
-                <a:rPr lang="en-GB" sz="1800" b="0" i="0" noProof="1">
-                  <a:solidFill>
-                    <a:srgbClr val="94558D"/>
-                  </a:solidFill>
-                  <a:latin typeface="Consolas" panose="020B0609020204030204" pitchFamily="49" charset="0"/>
-                </a:rPr>
-                <a:t>cls</a:t>
-              </a:r>
-              <a:r>
-                <a:rPr lang="en-GB" sz="1800" b="0" i="0" noProof="1">
-                  <a:solidFill>
-                    <a:srgbClr val="080808"/>
-                  </a:solidFill>
-                  <a:latin typeface="Consolas" panose="020B0609020204030204" pitchFamily="49" charset="0"/>
-                </a:rPr>
-                <a:t>):</a:t>
-              </a:r>
-              <a:br>
-                <a:rPr lang="en-GB" sz="1800" b="0" i="0" noProof="1">
-                  <a:solidFill>
-                    <a:srgbClr val="080808"/>
-                  </a:solidFill>
-                  <a:latin typeface="Consolas" panose="020B0609020204030204" pitchFamily="49" charset="0"/>
-                </a:rPr>
-              </a:br>
-              <a:r>
-                <a:rPr lang="en-GB" sz="1800" b="0" i="0" noProof="1">
-                  <a:solidFill>
-                    <a:srgbClr val="080808"/>
-                  </a:solidFill>
-                  <a:latin typeface="Consolas" panose="020B0609020204030204" pitchFamily="49" charset="0"/>
-                </a:rPr>
-                <a:t>        </a:t>
-              </a:r>
-              <a:r>
-                <a:rPr lang="en-GB" sz="1800" b="0" i="0" noProof="1">
-                  <a:solidFill>
-                    <a:srgbClr val="94558D"/>
-                  </a:solidFill>
-                  <a:latin typeface="Consolas" panose="020B0609020204030204" pitchFamily="49" charset="0"/>
-                </a:rPr>
-                <a:t>cls</a:t>
-              </a:r>
-              <a:r>
-                <a:rPr lang="en-GB" sz="1800" b="0" i="0" noProof="1">
-                  <a:solidFill>
-                    <a:srgbClr val="080808"/>
-                  </a:solidFill>
-                  <a:latin typeface="Consolas" panose="020B0609020204030204" pitchFamily="49" charset="0"/>
-                </a:rPr>
-                <a:t>.conn = Connection()</a:t>
-              </a:r>
-              <a:br>
-                <a:rPr lang="en-GB" sz="1800" b="0" i="0" noProof="1">
-                  <a:solidFill>
-                    <a:srgbClr val="080808"/>
-                  </a:solidFill>
-                  <a:latin typeface="Consolas" panose="020B0609020204030204" pitchFamily="49" charset="0"/>
-                </a:rPr>
-              </a:br>
-              <a:br>
-                <a:rPr lang="en-GB" sz="1800" b="0" i="0" noProof="1">
-                  <a:solidFill>
-                    <a:srgbClr val="080808"/>
-                  </a:solidFill>
-                  <a:latin typeface="Consolas" panose="020B0609020204030204" pitchFamily="49" charset="0"/>
-                </a:rPr>
-              </a:br>
-              <a:r>
-                <a:rPr lang="en-GB" sz="1800" b="0" i="0" noProof="1">
-                  <a:solidFill>
-                    <a:srgbClr val="080808"/>
-                  </a:solidFill>
-                  <a:latin typeface="Consolas" panose="020B0609020204030204" pitchFamily="49" charset="0"/>
-                </a:rPr>
-                <a:t>    </a:t>
-              </a:r>
-              <a:r>
-                <a:rPr lang="en-GB" sz="1800" b="0" i="0" noProof="1">
-                  <a:solidFill>
-                    <a:srgbClr val="9E880D"/>
-                  </a:solidFill>
-                  <a:latin typeface="Consolas" panose="020B0609020204030204" pitchFamily="49" charset="0"/>
-                </a:rPr>
-                <a:t>@classmethod</a:t>
-              </a:r>
-              <a:br>
-                <a:rPr lang="en-GB" sz="1800" b="0" i="0" noProof="1">
-                  <a:solidFill>
-                    <a:srgbClr val="9E880D"/>
-                  </a:solidFill>
-                  <a:latin typeface="Consolas" panose="020B0609020204030204" pitchFamily="49" charset="0"/>
-                </a:rPr>
-              </a:br>
-              <a:r>
-                <a:rPr lang="en-GB" sz="1800" b="0" i="0" noProof="1">
-                  <a:solidFill>
-                    <a:srgbClr val="9E880D"/>
-                  </a:solidFill>
-                  <a:latin typeface="Consolas" panose="020B0609020204030204" pitchFamily="49" charset="0"/>
-                </a:rPr>
-                <a:t>    </a:t>
-              </a:r>
-              <a:r>
-                <a:rPr lang="en-GB" sz="1800" b="0" i="0" noProof="1">
-                  <a:solidFill>
-                    <a:srgbClr val="0033B3"/>
-                  </a:solidFill>
-                  <a:latin typeface="Consolas" panose="020B0609020204030204" pitchFamily="49" charset="0"/>
-                </a:rPr>
-                <a:t>def </a:t>
-              </a:r>
-              <a:r>
-                <a:rPr lang="en-GB" sz="1800" b="0" i="0" noProof="1">
-                  <a:solidFill>
-                    <a:srgbClr val="00627A"/>
-                  </a:solidFill>
-                  <a:latin typeface="Consolas" panose="020B0609020204030204" pitchFamily="49" charset="0"/>
-                </a:rPr>
-                <a:t>tearDownClass</a:t>
-              </a:r>
-              <a:r>
-                <a:rPr lang="en-GB" sz="1800" b="0" i="0" noProof="1">
-                  <a:solidFill>
-                    <a:srgbClr val="080808"/>
-                  </a:solidFill>
-                  <a:latin typeface="Consolas" panose="020B0609020204030204" pitchFamily="49" charset="0"/>
-                </a:rPr>
-                <a:t>(</a:t>
-              </a:r>
-              <a:r>
-                <a:rPr lang="en-GB" sz="1800" b="0" i="0" noProof="1">
-                  <a:solidFill>
-                    <a:srgbClr val="94558D"/>
-                  </a:solidFill>
-                  <a:latin typeface="Consolas" panose="020B0609020204030204" pitchFamily="49" charset="0"/>
-                </a:rPr>
-                <a:t>cls</a:t>
-              </a:r>
-              <a:r>
-                <a:rPr lang="en-GB" sz="1800" b="0" i="0" noProof="1">
-                  <a:solidFill>
-                    <a:srgbClr val="080808"/>
-                  </a:solidFill>
-                  <a:latin typeface="Consolas" panose="020B0609020204030204" pitchFamily="49" charset="0"/>
-                </a:rPr>
-                <a:t>):</a:t>
-              </a:r>
-              <a:br>
-                <a:rPr lang="en-GB" sz="1800" b="0" i="0" noProof="1">
-                  <a:solidFill>
-                    <a:srgbClr val="080808"/>
-                  </a:solidFill>
-                  <a:latin typeface="Consolas" panose="020B0609020204030204" pitchFamily="49" charset="0"/>
-                </a:rPr>
-              </a:br>
-              <a:r>
-                <a:rPr lang="en-GB" sz="1800" b="0" i="0" noProof="1">
-                  <a:solidFill>
-                    <a:srgbClr val="080808"/>
-                  </a:solidFill>
-                  <a:latin typeface="Consolas" panose="020B0609020204030204" pitchFamily="49" charset="0"/>
-                </a:rPr>
-                <a:t>        </a:t>
-              </a:r>
-              <a:r>
-                <a:rPr lang="en-GB" sz="1800" b="0" i="0" noProof="1">
-                  <a:solidFill>
-                    <a:srgbClr val="94558D"/>
-                  </a:solidFill>
-                  <a:latin typeface="Consolas" panose="020B0609020204030204" pitchFamily="49" charset="0"/>
-                </a:rPr>
-                <a:t>cls</a:t>
-              </a:r>
-              <a:r>
-                <a:rPr lang="en-GB" sz="1800" b="0" i="0" noProof="1">
-                  <a:solidFill>
-                    <a:srgbClr val="080808"/>
-                  </a:solidFill>
-                  <a:latin typeface="Consolas" panose="020B0609020204030204" pitchFamily="49" charset="0"/>
-                </a:rPr>
-                <a:t>.conn.close()</a:t>
-              </a:r>
-              <a:br>
-                <a:rPr lang="en-GB" sz="1800" b="0" i="0" noProof="1">
-                  <a:solidFill>
-                    <a:srgbClr val="080808"/>
-                  </a:solidFill>
-                  <a:latin typeface="Consolas" panose="020B0609020204030204" pitchFamily="49" charset="0"/>
-                </a:rPr>
-              </a:br>
-              <a:br>
-                <a:rPr lang="en-GB" sz="1800" b="0" i="0" noProof="1">
-                  <a:solidFill>
-                    <a:srgbClr val="080808"/>
-                  </a:solidFill>
-                  <a:latin typeface="Consolas" panose="020B0609020204030204" pitchFamily="49" charset="0"/>
-                </a:rPr>
-              </a:br>
-              <a:r>
-                <a:rPr lang="en-GB" sz="1800" b="0" i="0" noProof="1">
-                  <a:solidFill>
-                    <a:srgbClr val="080808"/>
-                  </a:solidFill>
-                  <a:latin typeface="Consolas" panose="020B0609020204030204" pitchFamily="49" charset="0"/>
-                </a:rPr>
-                <a:t>    </a:t>
-              </a:r>
-              <a:r>
-                <a:rPr lang="en-GB" sz="1800" b="0" i="0" noProof="1">
-                  <a:solidFill>
-                    <a:srgbClr val="0033B3"/>
-                  </a:solidFill>
-                  <a:latin typeface="Consolas" panose="020B0609020204030204" pitchFamily="49" charset="0"/>
-                </a:rPr>
-                <a:t>def </a:t>
-              </a:r>
-              <a:r>
-                <a:rPr lang="en-GB" sz="1800" b="0" i="0" noProof="1">
-                  <a:solidFill>
-                    <a:srgbClr val="00627A"/>
-                  </a:solidFill>
-                  <a:latin typeface="Consolas" panose="020B0609020204030204" pitchFamily="49" charset="0"/>
-                </a:rPr>
-                <a:t>setUp</a:t>
-              </a:r>
-              <a:r>
-                <a:rPr lang="en-GB" sz="1800" b="0" i="0" noProof="1">
-                  <a:solidFill>
-                    <a:srgbClr val="080808"/>
-                  </a:solidFill>
-                  <a:latin typeface="Consolas" panose="020B0609020204030204" pitchFamily="49" charset="0"/>
-                </a:rPr>
-                <a:t>(</a:t>
-              </a:r>
-              <a:r>
-                <a:rPr lang="en-GB" sz="1800" b="0" i="0" noProof="1">
-                  <a:solidFill>
-                    <a:srgbClr val="94558D"/>
-                  </a:solidFill>
-                  <a:latin typeface="Consolas" panose="020B0609020204030204" pitchFamily="49" charset="0"/>
-                </a:rPr>
-                <a:t>self</a:t>
-              </a:r>
-              <a:r>
-                <a:rPr lang="en-GB" sz="1800" b="0" i="0" noProof="1">
-                  <a:solidFill>
-                    <a:srgbClr val="080808"/>
-                  </a:solidFill>
-                  <a:latin typeface="Consolas" panose="020B0609020204030204" pitchFamily="49" charset="0"/>
-                </a:rPr>
-                <a:t>):</a:t>
-              </a:r>
-              <a:br>
-                <a:rPr lang="en-GB" sz="1800" b="0" i="0" noProof="1">
-                  <a:solidFill>
-                    <a:srgbClr val="080808"/>
-                  </a:solidFill>
-                  <a:latin typeface="Consolas" panose="020B0609020204030204" pitchFamily="49" charset="0"/>
-                </a:rPr>
-              </a:br>
-              <a:r>
-                <a:rPr lang="en-GB" sz="1800" b="0" i="0" noProof="1">
-                  <a:solidFill>
-                    <a:srgbClr val="080808"/>
-                  </a:solidFill>
-                  <a:latin typeface="Consolas" panose="020B0609020204030204" pitchFamily="49" charset="0"/>
-                </a:rPr>
-                <a:t>        </a:t>
-              </a:r>
-              <a:r>
-                <a:rPr lang="en-GB" sz="1800" b="0" i="0" noProof="1">
-                  <a:solidFill>
-                    <a:srgbClr val="94558D"/>
-                  </a:solidFill>
-                  <a:latin typeface="Consolas" panose="020B0609020204030204" pitchFamily="49" charset="0"/>
-                </a:rPr>
-                <a:t>self</a:t>
-              </a:r>
-              <a:r>
-                <a:rPr lang="en-GB" sz="1800" b="0" i="0" noProof="1">
-                  <a:solidFill>
-                    <a:srgbClr val="080808"/>
-                  </a:solidFill>
-                  <a:latin typeface="Consolas" panose="020B0609020204030204" pitchFamily="49" charset="0"/>
-                </a:rPr>
-                <a:t>.sess = </a:t>
-              </a:r>
-              <a:r>
-                <a:rPr lang="en-GB" sz="1800" b="0" i="0" noProof="1">
-                  <a:solidFill>
-                    <a:srgbClr val="94558D"/>
-                  </a:solidFill>
-                  <a:latin typeface="Consolas" panose="020B0609020204030204" pitchFamily="49" charset="0"/>
-                </a:rPr>
-                <a:t>self</a:t>
-              </a:r>
-              <a:r>
-                <a:rPr lang="en-GB" sz="1800" b="0" i="0" noProof="1">
-                  <a:solidFill>
-                    <a:srgbClr val="080808"/>
-                  </a:solidFill>
-                  <a:latin typeface="Consolas" panose="020B0609020204030204" pitchFamily="49" charset="0"/>
-                </a:rPr>
-                <a:t>.conn.new_session()</a:t>
-              </a:r>
-              <a:br>
-                <a:rPr lang="en-GB" sz="1800" b="0" i="0" noProof="1">
-                  <a:solidFill>
-                    <a:srgbClr val="080808"/>
-                  </a:solidFill>
-                  <a:latin typeface="Consolas" panose="020B0609020204030204" pitchFamily="49" charset="0"/>
-                </a:rPr>
-              </a:br>
-              <a:br>
-                <a:rPr lang="en-GB" sz="1800" b="0" i="0" noProof="1">
-                  <a:solidFill>
-                    <a:srgbClr val="080808"/>
-                  </a:solidFill>
-                  <a:latin typeface="Consolas" panose="020B0609020204030204" pitchFamily="49" charset="0"/>
-                </a:rPr>
-              </a:br>
-              <a:r>
-                <a:rPr lang="en-GB" sz="1800" b="0" i="0" noProof="1">
-                  <a:solidFill>
-                    <a:srgbClr val="080808"/>
-                  </a:solidFill>
-                  <a:latin typeface="Consolas" panose="020B0609020204030204" pitchFamily="49" charset="0"/>
-                </a:rPr>
-                <a:t>    </a:t>
-              </a:r>
-              <a:r>
-                <a:rPr lang="en-GB" sz="1800" b="0" i="0" noProof="1">
-                  <a:solidFill>
-                    <a:srgbClr val="0033B3"/>
-                  </a:solidFill>
-                  <a:latin typeface="Consolas" panose="020B0609020204030204" pitchFamily="49" charset="0"/>
-                </a:rPr>
-                <a:t>def </a:t>
-              </a:r>
-              <a:r>
-                <a:rPr lang="en-GB" sz="1800" b="0" i="0" noProof="1">
-                  <a:solidFill>
-                    <a:srgbClr val="00627A"/>
-                  </a:solidFill>
-                  <a:latin typeface="Consolas" panose="020B0609020204030204" pitchFamily="49" charset="0"/>
-                </a:rPr>
-                <a:t>tearDown</a:t>
-              </a:r>
-              <a:r>
-                <a:rPr lang="en-GB" sz="1800" b="0" i="0" noProof="1">
-                  <a:solidFill>
-                    <a:srgbClr val="080808"/>
-                  </a:solidFill>
-                  <a:latin typeface="Consolas" panose="020B0609020204030204" pitchFamily="49" charset="0"/>
-                </a:rPr>
-                <a:t>(</a:t>
-              </a:r>
-              <a:r>
-                <a:rPr lang="en-GB" sz="1800" b="0" i="0" noProof="1">
-                  <a:solidFill>
-                    <a:srgbClr val="94558D"/>
-                  </a:solidFill>
-                  <a:latin typeface="Consolas" panose="020B0609020204030204" pitchFamily="49" charset="0"/>
-                </a:rPr>
-                <a:t>self</a:t>
-              </a:r>
-              <a:r>
-                <a:rPr lang="en-GB" sz="1800" b="0" i="0" noProof="1">
-                  <a:solidFill>
-                    <a:srgbClr val="080808"/>
-                  </a:solidFill>
-                  <a:latin typeface="Consolas" panose="020B0609020204030204" pitchFamily="49" charset="0"/>
-                </a:rPr>
-                <a:t>):</a:t>
-              </a:r>
-              <a:br>
-                <a:rPr lang="en-GB" sz="1800" b="0" i="0" noProof="1">
-                  <a:solidFill>
-                    <a:srgbClr val="080808"/>
-                  </a:solidFill>
-                  <a:latin typeface="Consolas" panose="020B0609020204030204" pitchFamily="49" charset="0"/>
-                </a:rPr>
-              </a:br>
-              <a:r>
-                <a:rPr lang="en-GB" sz="1800" b="0" i="0" noProof="1">
-                  <a:solidFill>
-                    <a:srgbClr val="080808"/>
-                  </a:solidFill>
-                  <a:latin typeface="Consolas" panose="020B0609020204030204" pitchFamily="49" charset="0"/>
-                </a:rPr>
-                <a:t>        </a:t>
-              </a:r>
-              <a:r>
-                <a:rPr lang="en-GB" sz="1800" b="0" i="0" noProof="1">
-                  <a:solidFill>
-                    <a:srgbClr val="94558D"/>
-                  </a:solidFill>
-                  <a:latin typeface="Consolas" panose="020B0609020204030204" pitchFamily="49" charset="0"/>
-                </a:rPr>
-                <a:t>self</a:t>
-              </a:r>
-              <a:r>
-                <a:rPr lang="en-GB" sz="1800" b="0" i="0" noProof="1">
-                  <a:solidFill>
-                    <a:srgbClr val="080808"/>
-                  </a:solidFill>
-                  <a:latin typeface="Consolas" panose="020B0609020204030204" pitchFamily="49" charset="0"/>
-                </a:rPr>
-                <a:t>.sess.close()</a:t>
-              </a:r>
-              <a:br>
-                <a:rPr lang="en-GB" sz="1800" b="0" i="0" noProof="1">
-                  <a:solidFill>
-                    <a:srgbClr val="080808"/>
-                  </a:solidFill>
-                  <a:latin typeface="Consolas" panose="020B0609020204030204" pitchFamily="49" charset="0"/>
-                </a:rPr>
-              </a:br>
-              <a:br>
-                <a:rPr lang="en-GB" sz="1800" b="0" i="0" noProof="1">
-                  <a:solidFill>
-                    <a:srgbClr val="080808"/>
-                  </a:solidFill>
-                  <a:latin typeface="Consolas" panose="020B0609020204030204" pitchFamily="49" charset="0"/>
-                </a:rPr>
-              </a:br>
-              <a:r>
-                <a:rPr lang="en-GB" sz="1800" b="0" i="0" noProof="1">
-                  <a:solidFill>
-                    <a:srgbClr val="080808"/>
-                  </a:solidFill>
-                  <a:latin typeface="Consolas" panose="020B0609020204030204" pitchFamily="49" charset="0"/>
-                </a:rPr>
-                <a:t>    </a:t>
-              </a:r>
-              <a:r>
-                <a:rPr lang="en-GB" sz="1800" b="0" i="0" noProof="1">
-                  <a:solidFill>
-                    <a:srgbClr val="0033B3"/>
-                  </a:solidFill>
-                  <a:latin typeface="Consolas" panose="020B0609020204030204" pitchFamily="49" charset="0"/>
-                </a:rPr>
-                <a:t>def </a:t>
-              </a:r>
-              <a:r>
-                <a:rPr lang="en-GB" sz="1800" b="0" i="0" noProof="1">
-                  <a:solidFill>
-                    <a:srgbClr val="00627A"/>
-                  </a:solidFill>
-                  <a:latin typeface="Consolas" panose="020B0609020204030204" pitchFamily="49" charset="0"/>
-                </a:rPr>
-                <a:t>test_boolean</a:t>
-              </a:r>
-              <a:r>
-                <a:rPr lang="en-GB" sz="1800" b="0" i="0" noProof="1">
-                  <a:solidFill>
-                    <a:srgbClr val="080808"/>
-                  </a:solidFill>
-                  <a:latin typeface="Consolas" panose="020B0609020204030204" pitchFamily="49" charset="0"/>
-                </a:rPr>
-                <a:t>(</a:t>
-              </a:r>
-              <a:r>
-                <a:rPr lang="en-GB" sz="1800" b="0" i="0" noProof="1">
-                  <a:solidFill>
-                    <a:srgbClr val="94558D"/>
-                  </a:solidFill>
-                  <a:latin typeface="Consolas" panose="020B0609020204030204" pitchFamily="49" charset="0"/>
-                </a:rPr>
-                <a:t>self</a:t>
-              </a:r>
-              <a:r>
-                <a:rPr lang="en-GB" sz="1800" b="0" i="0" noProof="1">
-                  <a:solidFill>
-                    <a:srgbClr val="080808"/>
-                  </a:solidFill>
-                  <a:latin typeface="Consolas" panose="020B0609020204030204" pitchFamily="49" charset="0"/>
-                </a:rPr>
-                <a:t>):</a:t>
-              </a:r>
-              <a:br>
-                <a:rPr lang="en-GB" sz="1800" b="0" i="0" noProof="1">
-                  <a:solidFill>
-                    <a:srgbClr val="080808"/>
-                  </a:solidFill>
-                  <a:latin typeface="Consolas" panose="020B0609020204030204" pitchFamily="49" charset="0"/>
-                </a:rPr>
-              </a:br>
-              <a:r>
-                <a:rPr lang="en-GB" sz="1800" b="0" i="0" noProof="1">
-                  <a:solidFill>
-                    <a:srgbClr val="080808"/>
-                  </a:solidFill>
-                  <a:latin typeface="Consolas" panose="020B0609020204030204" pitchFamily="49" charset="0"/>
-                </a:rPr>
-                <a:t>        </a:t>
-              </a:r>
-              <a:r>
-                <a:rPr lang="en-GB" sz="1800" b="0" i="0" noProof="1">
-                  <a:solidFill>
-                    <a:srgbClr val="94558D"/>
-                  </a:solidFill>
-                  <a:latin typeface="Consolas" panose="020B0609020204030204" pitchFamily="49" charset="0"/>
-                </a:rPr>
-                <a:t>self</a:t>
-              </a:r>
-              <a:r>
-                <a:rPr lang="en-GB" sz="1800" b="0" i="0" noProof="1">
-                  <a:solidFill>
-                    <a:srgbClr val="080808"/>
-                  </a:solidFill>
-                  <a:latin typeface="Consolas" panose="020B0609020204030204" pitchFamily="49" charset="0"/>
-                </a:rPr>
-                <a:t>.assertTrue(</a:t>
-              </a:r>
-              <a:r>
-                <a:rPr lang="en-GB" sz="1800" b="0" i="0" noProof="1">
-                  <a:solidFill>
-                    <a:srgbClr val="94558D"/>
-                  </a:solidFill>
-                  <a:latin typeface="Consolas" panose="020B0609020204030204" pitchFamily="49" charset="0"/>
-                </a:rPr>
-                <a:t>self</a:t>
-              </a:r>
-              <a:r>
-                <a:rPr lang="en-GB" sz="1800" b="0" i="0" noProof="1">
-                  <a:solidFill>
-                    <a:srgbClr val="080808"/>
-                  </a:solidFill>
-                  <a:latin typeface="Consolas" panose="020B0609020204030204" pitchFamily="49" charset="0"/>
-                </a:rPr>
-                <a:t>.sess.is_up())</a:t>
-              </a:r>
-              <a:br>
-                <a:rPr lang="en-GB" sz="1800" b="0" i="0" noProof="1">
-                  <a:solidFill>
-                    <a:srgbClr val="080808"/>
-                  </a:solidFill>
-                  <a:latin typeface="Consolas" panose="020B0609020204030204" pitchFamily="49" charset="0"/>
-                </a:rPr>
-              </a:br>
-              <a:br>
-                <a:rPr lang="en-GB" sz="1800" b="0" i="0" noProof="1">
-                  <a:solidFill>
-                    <a:srgbClr val="080808"/>
-                  </a:solidFill>
-                  <a:latin typeface="Consolas" panose="020B0609020204030204" pitchFamily="49" charset="0"/>
-                </a:rPr>
-              </a:br>
-              <a:r>
-                <a:rPr lang="en-GB" sz="1800" b="0" i="0" noProof="1">
-                  <a:solidFill>
-                    <a:srgbClr val="080808"/>
-                  </a:solidFill>
-                  <a:latin typeface="Consolas" panose="020B0609020204030204" pitchFamily="49" charset="0"/>
-                </a:rPr>
-                <a:t>    </a:t>
-              </a:r>
-              <a:r>
-                <a:rPr lang="en-GB" sz="1800" b="0" i="0" noProof="1">
-                  <a:solidFill>
-                    <a:srgbClr val="0033B3"/>
-                  </a:solidFill>
-                  <a:latin typeface="Consolas" panose="020B0609020204030204" pitchFamily="49" charset="0"/>
-                </a:rPr>
-                <a:t>def </a:t>
-              </a:r>
-              <a:r>
-                <a:rPr lang="en-GB" sz="1800" b="0" i="0" noProof="1">
-                  <a:solidFill>
-                    <a:srgbClr val="00627A"/>
-                  </a:solidFill>
-                  <a:latin typeface="Consolas" panose="020B0609020204030204" pitchFamily="49" charset="0"/>
-                </a:rPr>
-                <a:t>test_session_status</a:t>
-              </a:r>
-              <a:r>
-                <a:rPr lang="en-GB" sz="1800" b="0" i="0" noProof="1">
-                  <a:solidFill>
-                    <a:srgbClr val="080808"/>
-                  </a:solidFill>
-                  <a:latin typeface="Consolas" panose="020B0609020204030204" pitchFamily="49" charset="0"/>
-                </a:rPr>
-                <a:t>(</a:t>
-              </a:r>
-              <a:r>
-                <a:rPr lang="en-GB" sz="1800" b="0" i="0" noProof="1">
-                  <a:solidFill>
-                    <a:srgbClr val="94558D"/>
-                  </a:solidFill>
-                  <a:latin typeface="Consolas" panose="020B0609020204030204" pitchFamily="49" charset="0"/>
-                </a:rPr>
-                <a:t>self</a:t>
-              </a:r>
-              <a:r>
-                <a:rPr lang="en-GB" sz="1800" b="0" i="0" noProof="1">
-                  <a:solidFill>
-                    <a:srgbClr val="080808"/>
-                  </a:solidFill>
-                  <a:latin typeface="Consolas" panose="020B0609020204030204" pitchFamily="49" charset="0"/>
-                </a:rPr>
-                <a:t>):</a:t>
-              </a:r>
-              <a:br>
-                <a:rPr lang="en-GB" sz="1800" b="0" i="0" noProof="1">
-                  <a:solidFill>
-                    <a:srgbClr val="080808"/>
-                  </a:solidFill>
-                  <a:latin typeface="Consolas" panose="020B0609020204030204" pitchFamily="49" charset="0"/>
-                </a:rPr>
-              </a:br>
-              <a:r>
-                <a:rPr lang="en-GB" sz="1800" b="0" i="0" noProof="1">
-                  <a:solidFill>
-                    <a:srgbClr val="080808"/>
-                  </a:solidFill>
-                  <a:latin typeface="Consolas" panose="020B0609020204030204" pitchFamily="49" charset="0"/>
-                </a:rPr>
-                <a:t>        </a:t>
-              </a:r>
-              <a:r>
-                <a:rPr lang="en-GB" sz="1800" b="0" i="0" noProof="1">
-                  <a:solidFill>
-                    <a:srgbClr val="94558D"/>
-                  </a:solidFill>
-                  <a:latin typeface="Consolas" panose="020B0609020204030204" pitchFamily="49" charset="0"/>
-                </a:rPr>
-                <a:t>self</a:t>
-              </a:r>
-              <a:r>
-                <a:rPr lang="en-GB" sz="1800" b="0" i="0" noProof="1">
-                  <a:solidFill>
-                    <a:srgbClr val="080808"/>
-                  </a:solidFill>
-                  <a:latin typeface="Consolas" panose="020B0609020204030204" pitchFamily="49" charset="0"/>
-                </a:rPr>
-                <a:t>.assertEqual(</a:t>
-              </a:r>
-              <a:r>
-                <a:rPr lang="en-GB" sz="1800" b="0" i="0" noProof="1">
-                  <a:solidFill>
-                    <a:srgbClr val="94558D"/>
-                  </a:solidFill>
-                  <a:latin typeface="Consolas" panose="020B0609020204030204" pitchFamily="49" charset="0"/>
-                </a:rPr>
-                <a:t>self</a:t>
-              </a:r>
-              <a:r>
-                <a:rPr lang="en-GB" sz="1800" b="0" i="0" noProof="1">
-                  <a:solidFill>
-                    <a:srgbClr val="080808"/>
-                  </a:solidFill>
-                  <a:latin typeface="Consolas" panose="020B0609020204030204" pitchFamily="49" charset="0"/>
-                </a:rPr>
-                <a:t>.sess.status(), </a:t>
-              </a:r>
-              <a:r>
-                <a:rPr lang="en-GB" sz="1800" b="0" i="0" noProof="1">
-                  <a:solidFill>
-                    <a:srgbClr val="067D17"/>
-                  </a:solidFill>
-                  <a:latin typeface="Consolas" panose="020B0609020204030204" pitchFamily="49" charset="0"/>
-                </a:rPr>
-                <a:t>"running"</a:t>
-              </a:r>
-              <a:r>
-                <a:rPr lang="en-GB" sz="1800" b="0" i="0" noProof="1">
-                  <a:solidFill>
-                    <a:srgbClr val="080808"/>
-                  </a:solidFill>
-                  <a:latin typeface="Consolas" panose="020B0609020204030204" pitchFamily="49" charset="0"/>
-                </a:rPr>
-                <a:t>)</a:t>
-              </a:r>
-              <a:br>
-                <a:rPr lang="en-GB" sz="1800" b="0" i="0" noProof="1">
-                  <a:solidFill>
-                    <a:srgbClr val="080808"/>
-                  </a:solidFill>
-                  <a:latin typeface="Consolas" panose="020B0609020204030204" pitchFamily="49" charset="0"/>
-                </a:rPr>
-              </a:br>
-              <a:br>
-                <a:rPr lang="en-GB" sz="1800" b="0" i="0" noProof="1">
-                  <a:solidFill>
-                    <a:srgbClr val="080808"/>
-                  </a:solidFill>
-                  <a:latin typeface="Consolas" panose="020B0609020204030204" pitchFamily="49" charset="0"/>
-                </a:rPr>
-              </a:br>
-              <a:r>
-                <a:rPr lang="en-GB" sz="1800" b="0" i="0" noProof="1">
-                  <a:solidFill>
-                    <a:srgbClr val="080808"/>
-                  </a:solidFill>
-                  <a:latin typeface="Consolas" panose="020B0609020204030204" pitchFamily="49" charset="0"/>
-                </a:rPr>
-                <a:t>    </a:t>
-              </a:r>
-              <a:r>
-                <a:rPr lang="en-GB" sz="1800" b="0" i="0" noProof="1">
-                  <a:solidFill>
-                    <a:srgbClr val="0033B3"/>
-                  </a:solidFill>
-                  <a:latin typeface="Consolas" panose="020B0609020204030204" pitchFamily="49" charset="0"/>
-                </a:rPr>
-                <a:t>def </a:t>
-              </a:r>
-              <a:r>
-                <a:rPr lang="en-GB" sz="1800" b="0" i="0" noProof="1">
-                  <a:solidFill>
-                    <a:srgbClr val="00627A"/>
-                  </a:solidFill>
-                  <a:latin typeface="Consolas" panose="020B0609020204030204" pitchFamily="49" charset="0"/>
-                </a:rPr>
-                <a:t>test_multi_param_stuff</a:t>
-              </a:r>
-              <a:r>
-                <a:rPr lang="en-GB" sz="1800" b="0" i="0" noProof="1">
-                  <a:solidFill>
-                    <a:srgbClr val="080808"/>
-                  </a:solidFill>
-                  <a:latin typeface="Consolas" panose="020B0609020204030204" pitchFamily="49" charset="0"/>
-                </a:rPr>
-                <a:t>(</a:t>
-              </a:r>
-              <a:r>
-                <a:rPr lang="en-GB" sz="1800" b="0" i="0" noProof="1">
-                  <a:solidFill>
-                    <a:srgbClr val="94558D"/>
-                  </a:solidFill>
-                  <a:latin typeface="Consolas" panose="020B0609020204030204" pitchFamily="49" charset="0"/>
-                </a:rPr>
-                <a:t>self</a:t>
-              </a:r>
-              <a:r>
-                <a:rPr lang="en-GB" sz="1800" b="0" i="0" noProof="1">
-                  <a:solidFill>
-                    <a:srgbClr val="080808"/>
-                  </a:solidFill>
-                  <a:latin typeface="Consolas" panose="020B0609020204030204" pitchFamily="49" charset="0"/>
-                </a:rPr>
-                <a:t>):</a:t>
-              </a:r>
-              <a:br>
-                <a:rPr lang="en-GB" sz="1800" b="0" i="0" noProof="1">
-                  <a:solidFill>
-                    <a:srgbClr val="080808"/>
-                  </a:solidFill>
-                  <a:latin typeface="Consolas" panose="020B0609020204030204" pitchFamily="49" charset="0"/>
-                </a:rPr>
-              </a:br>
-              <a:r>
-                <a:rPr lang="en-GB" sz="1800" b="0" i="0" noProof="1">
-                  <a:solidFill>
-                    <a:srgbClr val="080808"/>
-                  </a:solidFill>
-                  <a:latin typeface="Consolas" panose="020B0609020204030204" pitchFamily="49" charset="0"/>
-                </a:rPr>
-                <a:t>        </a:t>
-              </a:r>
-              <a:r>
-                <a:rPr lang="en-GB" sz="1800" b="0" i="0" noProof="1">
-                  <a:solidFill>
-                    <a:srgbClr val="0033B3"/>
-                  </a:solidFill>
-                  <a:latin typeface="Consolas" panose="020B0609020204030204" pitchFamily="49" charset="0"/>
-                </a:rPr>
-                <a:t>for </a:t>
-              </a:r>
-              <a:r>
-                <a:rPr lang="en-GB" sz="1800" b="0" i="0" noProof="1">
-                  <a:solidFill>
-                    <a:srgbClr val="080808"/>
-                  </a:solidFill>
-                  <a:latin typeface="Consolas" panose="020B0609020204030204" pitchFamily="49" charset="0"/>
-                </a:rPr>
-                <a:t>i </a:t>
-              </a:r>
-              <a:r>
-                <a:rPr lang="en-GB" sz="1800" b="0" i="0" noProof="1">
-                  <a:solidFill>
-                    <a:srgbClr val="0033B3"/>
-                  </a:solidFill>
-                  <a:latin typeface="Consolas" panose="020B0609020204030204" pitchFamily="49" charset="0"/>
-                </a:rPr>
-                <a:t>in </a:t>
-              </a:r>
-              <a:r>
-                <a:rPr lang="en-GB" sz="1800" b="0" i="0" noProof="1">
-                  <a:solidFill>
-                    <a:srgbClr val="000080"/>
-                  </a:solidFill>
-                  <a:latin typeface="Consolas" panose="020B0609020204030204" pitchFamily="49" charset="0"/>
-                </a:rPr>
-                <a:t>range</a:t>
-              </a:r>
-              <a:r>
-                <a:rPr lang="en-GB" sz="1800" b="0" i="0" noProof="1">
-                  <a:solidFill>
-                    <a:srgbClr val="080808"/>
-                  </a:solidFill>
-                  <a:latin typeface="Consolas" panose="020B0609020204030204" pitchFamily="49" charset="0"/>
-                </a:rPr>
-                <a:t>(</a:t>
-              </a:r>
-              <a:r>
-                <a:rPr lang="en-GB" sz="1800" b="0" i="0" noProof="1">
-                  <a:solidFill>
-                    <a:srgbClr val="1750EB"/>
-                  </a:solidFill>
-                  <a:latin typeface="Consolas" panose="020B0609020204030204" pitchFamily="49" charset="0"/>
-                </a:rPr>
-                <a:t>10</a:t>
-              </a:r>
-              <a:r>
-                <a:rPr lang="en-GB" sz="1800" b="0" i="0" noProof="1">
-                  <a:solidFill>
-                    <a:srgbClr val="080808"/>
-                  </a:solidFill>
-                  <a:latin typeface="Consolas" panose="020B0609020204030204" pitchFamily="49" charset="0"/>
-                </a:rPr>
-                <a:t>):</a:t>
-              </a:r>
-              <a:br>
-                <a:rPr lang="en-GB" sz="1800" b="0" i="0" noProof="1">
-                  <a:solidFill>
-                    <a:srgbClr val="080808"/>
-                  </a:solidFill>
-                  <a:latin typeface="Consolas" panose="020B0609020204030204" pitchFamily="49" charset="0"/>
-                </a:rPr>
-              </a:br>
-              <a:r>
-                <a:rPr lang="en-GB" sz="1800" b="0" i="0" noProof="1">
-                  <a:solidFill>
-                    <a:srgbClr val="080808"/>
-                  </a:solidFill>
-                  <a:latin typeface="Consolas" panose="020B0609020204030204" pitchFamily="49" charset="0"/>
-                </a:rPr>
-                <a:t>            </a:t>
-              </a:r>
-              <a:r>
-                <a:rPr lang="en-GB" sz="1800" b="0" i="0" noProof="1">
-                  <a:solidFill>
-                    <a:srgbClr val="0033B3"/>
-                  </a:solidFill>
-                  <a:latin typeface="Consolas" panose="020B0609020204030204" pitchFamily="49" charset="0"/>
-                </a:rPr>
-                <a:t>with </a:t>
-              </a:r>
-              <a:r>
-                <a:rPr lang="en-GB" sz="1800" b="0" i="0" noProof="1">
-                  <a:solidFill>
-                    <a:srgbClr val="94558D"/>
-                  </a:solidFill>
-                  <a:latin typeface="Consolas" panose="020B0609020204030204" pitchFamily="49" charset="0"/>
-                </a:rPr>
-                <a:t>self</a:t>
-              </a:r>
-              <a:r>
-                <a:rPr lang="en-GB" sz="1800" b="0" i="0" noProof="1">
-                  <a:solidFill>
-                    <a:srgbClr val="080808"/>
-                  </a:solidFill>
-                  <a:latin typeface="Consolas" panose="020B0609020204030204" pitchFamily="49" charset="0"/>
-                </a:rPr>
-                <a:t>.subTest(i):</a:t>
-              </a:r>
-              <a:br>
-                <a:rPr lang="en-GB" sz="1800" b="0" i="0" noProof="1">
-                  <a:solidFill>
-                    <a:srgbClr val="080808"/>
-                  </a:solidFill>
-                  <a:latin typeface="Consolas" panose="020B0609020204030204" pitchFamily="49" charset="0"/>
-                </a:rPr>
-              </a:br>
-              <a:r>
-                <a:rPr lang="en-GB" sz="1800" b="0" i="0" noProof="1">
-                  <a:solidFill>
-                    <a:srgbClr val="080808"/>
-                  </a:solidFill>
-                  <a:latin typeface="Consolas" panose="020B0609020204030204" pitchFamily="49" charset="0"/>
-                </a:rPr>
-                <a:t>                </a:t>
-              </a:r>
-              <a:r>
-                <a:rPr lang="en-GB" sz="1800" b="0" i="0" noProof="1">
-                  <a:solidFill>
-                    <a:srgbClr val="94558D"/>
-                  </a:solidFill>
-                  <a:latin typeface="Consolas" panose="020B0609020204030204" pitchFamily="49" charset="0"/>
-                </a:rPr>
-                <a:t>self</a:t>
-              </a:r>
-              <a:r>
-                <a:rPr lang="en-GB" sz="1800" b="0" i="0" noProof="1">
-                  <a:solidFill>
-                    <a:srgbClr val="080808"/>
-                  </a:solidFill>
-                  <a:latin typeface="Consolas" panose="020B0609020204030204" pitchFamily="49" charset="0"/>
-                </a:rPr>
-                <a:t>.assertEqual(</a:t>
-              </a:r>
-              <a:r>
-                <a:rPr lang="en-GB" sz="1800" b="0" i="0" noProof="1">
-                  <a:solidFill>
-                    <a:srgbClr val="1750EB"/>
-                  </a:solidFill>
-                  <a:latin typeface="Consolas" panose="020B0609020204030204" pitchFamily="49" charset="0"/>
-                </a:rPr>
-                <a:t>0</a:t>
-              </a:r>
-              <a:r>
-                <a:rPr lang="en-GB" sz="1800" b="0" i="0" noProof="1">
-                  <a:solidFill>
-                    <a:srgbClr val="080808"/>
-                  </a:solidFill>
-                  <a:latin typeface="Consolas" panose="020B0609020204030204" pitchFamily="49" charset="0"/>
-                </a:rPr>
-                <a:t>, i)</a:t>
-              </a:r>
-              <a:endParaRPr lang="en-GB" sz="1800" noProof="1">
-                <a:solidFill>
-                  <a:srgbClr val="080808"/>
-                </a:solidFill>
-                <a:latin typeface="Consolas" panose="020B0609020204030204" pitchFamily="49" charset="0"/>
-              </a:endParaRPr>
-            </a:p>
-            <a:p>
-              <a:endParaRPr lang="en-GB" sz="1800" b="0" i="0" noProof="1">
-                <a:solidFill>
-                  <a:srgbClr val="080808"/>
-                </a:solidFill>
-                <a:latin typeface="Consolas" panose="020B0609020204030204" pitchFamily="49" charset="0"/>
-              </a:endParaRPr>
-            </a:p>
-          </p:txBody>
-        </p:sp>
-        <p:grpSp>
-          <p:nvGrpSpPr>
-            <p:cNvPr id="9" name="Group 8">
-              <a:extLst>
-                <a:ext uri="{FF2B5EF4-FFF2-40B4-BE49-F238E27FC236}">
-                  <a16:creationId xmlns:a16="http://schemas.microsoft.com/office/drawing/2014/main" id="{7EAB44F2-D874-4254-AB53-619CE2C8BBDE}"/>
-                </a:ext>
-              </a:extLst>
-            </p:cNvPr>
-            <p:cNvGrpSpPr/>
-            <p:nvPr/>
-          </p:nvGrpSpPr>
-          <p:grpSpPr>
-            <a:xfrm>
-              <a:off x="15870004" y="1552458"/>
-              <a:ext cx="1890905" cy="894781"/>
-              <a:chOff x="899886" y="2133600"/>
-              <a:chExt cx="2902856" cy="1373639"/>
-            </a:xfrm>
-          </p:grpSpPr>
-          <p:pic>
-            <p:nvPicPr>
-              <p:cNvPr id="8" name="Picture 7">
-                <a:extLst>
-                  <a:ext uri="{FF2B5EF4-FFF2-40B4-BE49-F238E27FC236}">
-                    <a16:creationId xmlns:a16="http://schemas.microsoft.com/office/drawing/2014/main" id="{43E96E13-3E21-45D1-9D6E-B74B6D3B3206}"/>
-                  </a:ext>
-                </a:extLst>
-              </p:cNvPr>
-              <p:cNvPicPr>
-                <a:picLocks noChangeAspect="1"/>
-              </p:cNvPicPr>
-              <p:nvPr/>
-            </p:nvPicPr>
-            <p:blipFill>
-              <a:blip r:embed="rId4"/>
-              <a:stretch>
-                <a:fillRect/>
-              </a:stretch>
-            </p:blipFill>
-            <p:spPr>
-              <a:xfrm>
-                <a:off x="1630387" y="2983364"/>
-                <a:ext cx="1419225" cy="523875"/>
-              </a:xfrm>
-              <a:prstGeom prst="rect">
-                <a:avLst/>
-              </a:prstGeom>
-            </p:spPr>
-          </p:pic>
-          <p:pic>
-            <p:nvPicPr>
-              <p:cNvPr id="1026" name="Picture 2" descr="Python programmeren - flexibele en begrijpelijke programmeertaal - c't">
-                <a:extLst>
-                  <a:ext uri="{FF2B5EF4-FFF2-40B4-BE49-F238E27FC236}">
-                    <a16:creationId xmlns:a16="http://schemas.microsoft.com/office/drawing/2014/main" id="{52F9E8BB-1D91-4ED4-AA93-5A03C0184E24}"/>
-                  </a:ext>
-                </a:extLst>
-              </p:cNvPr>
-              <p:cNvPicPr>
-                <a:picLocks noChangeAspect="1" noChangeArrowheads="1"/>
-              </p:cNvPicPr>
-              <p:nvPr/>
-            </p:nvPicPr>
-            <p:blipFill rotWithShape="1">
-              <a:blip r:embed="rId5">
-                <a:clrChange>
-                  <a:clrFrom>
-                    <a:srgbClr val="FFFFFF"/>
-                  </a:clrFrom>
-                  <a:clrTo>
-                    <a:srgbClr val="FFFFFF">
-                      <a:alpha val="0"/>
-                    </a:srgbClr>
-                  </a:clrTo>
-                </a:clrChange>
-                <a:extLst>
-                  <a:ext uri="{28A0092B-C50C-407E-A947-70E740481C1C}">
-                    <a14:useLocalDpi xmlns:a14="http://schemas.microsoft.com/office/drawing/2010/main" val="0"/>
-                  </a:ext>
-                </a:extLst>
-              </a:blip>
-              <a:srcRect l="10011" t="10221" r="11241" b="8901"/>
-              <a:stretch/>
-            </p:blipFill>
-            <p:spPr bwMode="auto">
-              <a:xfrm>
-                <a:off x="899886" y="2133600"/>
-                <a:ext cx="2902856" cy="1001486"/>
-              </a:xfrm>
-              <a:prstGeom prst="rect">
-                <a:avLst/>
-              </a:prstGeom>
-              <a:noFill/>
-              <a:extLst>
-                <a:ext uri="{909E8E84-426E-40DD-AFC4-6F175D3DCCD1}">
-                  <a14:hiddenFill xmlns:a14="http://schemas.microsoft.com/office/drawing/2010/main">
-                    <a:solidFill>
-                      <a:srgbClr val="FFFFFF"/>
-                    </a:solidFill>
-                  </a14:hiddenFill>
-                </a:ext>
-              </a:extLst>
-            </p:spPr>
-          </p:pic>
-        </p:grpSp>
+        </p:pic>
       </p:grpSp>
       <p:sp>
         <p:nvSpPr>
@@ -29986,6 +32884,174 @@
   <p:clrMapOvr>
     <a:masterClrMapping/>
   </p:clrMapOvr>
+  <p:timing>
+    <p:tnLst>
+      <p:par>
+        <p:cTn id="1" dur="indefinite" restart="never" nodeType="tmRoot">
+          <p:childTnLst>
+            <p:seq concurrent="1" nextAc="seek">
+              <p:cTn id="2" dur="indefinite" nodeType="mainSeq">
+                <p:childTnLst>
+                  <p:par>
+                    <p:cTn id="3" fill="hold">
+                      <p:stCondLst>
+                        <p:cond delay="indefinite"/>
+                      </p:stCondLst>
+                      <p:childTnLst>
+                        <p:par>
+                          <p:cTn id="4" fill="hold">
+                            <p:stCondLst>
+                              <p:cond delay="0"/>
+                            </p:stCondLst>
+                            <p:childTnLst>
+                              <p:par>
+                                <p:cTn id="5" presetID="1" presetClass="entr" presetSubtype="0" fill="hold" nodeType="clickEffect">
+                                  <p:stCondLst>
+                                    <p:cond delay="0"/>
+                                  </p:stCondLst>
+                                  <p:childTnLst>
+                                    <p:set>
+                                      <p:cBhvr>
+                                        <p:cTn id="6" dur="1" fill="hold">
+                                          <p:stCondLst>
+                                            <p:cond delay="0"/>
+                                          </p:stCondLst>
+                                        </p:cTn>
+                                        <p:tgtEl>
+                                          <p:spTgt spid="9"/>
+                                        </p:tgtEl>
+                                        <p:attrNameLst>
+                                          <p:attrName>style.visibility</p:attrName>
+                                        </p:attrNameLst>
+                                      </p:cBhvr>
+                                      <p:to>
+                                        <p:strVal val="visible"/>
+                                      </p:to>
+                                    </p:set>
+                                  </p:childTnLst>
+                                </p:cTn>
+                              </p:par>
+                            </p:childTnLst>
+                          </p:cTn>
+                        </p:par>
+                      </p:childTnLst>
+                    </p:cTn>
+                  </p:par>
+                  <p:par>
+                    <p:cTn id="7" fill="hold">
+                      <p:stCondLst>
+                        <p:cond delay="indefinite"/>
+                      </p:stCondLst>
+                      <p:childTnLst>
+                        <p:par>
+                          <p:cTn id="8" fill="hold">
+                            <p:stCondLst>
+                              <p:cond delay="0"/>
+                            </p:stCondLst>
+                            <p:childTnLst>
+                              <p:par>
+                                <p:cTn id="9" presetID="1" presetClass="entr" presetSubtype="0" fill="hold" grpId="0" nodeType="clickEffect">
+                                  <p:stCondLst>
+                                    <p:cond delay="0"/>
+                                  </p:stCondLst>
+                                  <p:childTnLst>
+                                    <p:set>
+                                      <p:cBhvr>
+                                        <p:cTn id="10" dur="1" fill="hold">
+                                          <p:stCondLst>
+                                            <p:cond delay="0"/>
+                                          </p:stCondLst>
+                                        </p:cTn>
+                                        <p:tgtEl>
+                                          <p:spTgt spid="15"/>
+                                        </p:tgtEl>
+                                        <p:attrNameLst>
+                                          <p:attrName>style.visibility</p:attrName>
+                                        </p:attrNameLst>
+                                      </p:cBhvr>
+                                      <p:to>
+                                        <p:strVal val="visible"/>
+                                      </p:to>
+                                    </p:set>
+                                  </p:childTnLst>
+                                </p:cTn>
+                              </p:par>
+                            </p:childTnLst>
+                          </p:cTn>
+                        </p:par>
+                      </p:childTnLst>
+                    </p:cTn>
+                  </p:par>
+                  <p:par>
+                    <p:cTn id="11" fill="hold">
+                      <p:stCondLst>
+                        <p:cond delay="indefinite"/>
+                      </p:stCondLst>
+                      <p:childTnLst>
+                        <p:par>
+                          <p:cTn id="12" fill="hold">
+                            <p:stCondLst>
+                              <p:cond delay="0"/>
+                            </p:stCondLst>
+                            <p:childTnLst>
+                              <p:par>
+                                <p:cTn id="13" presetID="1" presetClass="entr" presetSubtype="0" fill="hold" nodeType="clickEffect">
+                                  <p:stCondLst>
+                                    <p:cond delay="0"/>
+                                  </p:stCondLst>
+                                  <p:childTnLst>
+                                    <p:set>
+                                      <p:cBhvr>
+                                        <p:cTn id="14" dur="1" fill="hold">
+                                          <p:stCondLst>
+                                            <p:cond delay="0"/>
+                                          </p:stCondLst>
+                                        </p:cTn>
+                                        <p:tgtEl>
+                                          <p:spTgt spid="3"/>
+                                        </p:tgtEl>
+                                        <p:attrNameLst>
+                                          <p:attrName>style.visibility</p:attrName>
+                                        </p:attrNameLst>
+                                      </p:cBhvr>
+                                      <p:to>
+                                        <p:strVal val="visible"/>
+                                      </p:to>
+                                    </p:set>
+                                  </p:childTnLst>
+                                </p:cTn>
+                              </p:par>
+                            </p:childTnLst>
+                          </p:cTn>
+                        </p:par>
+                      </p:childTnLst>
+                    </p:cTn>
+                  </p:par>
+                </p:childTnLst>
+              </p:cTn>
+              <p:prevCondLst>
+                <p:cond evt="onPrev" delay="0">
+                  <p:tgtEl>
+                    <p:sldTgt/>
+                  </p:tgtEl>
+                </p:cond>
+              </p:prevCondLst>
+              <p:nextCondLst>
+                <p:cond evt="onNext" delay="0">
+                  <p:tgtEl>
+                    <p:sldTgt/>
+                  </p:tgtEl>
+                </p:cond>
+              </p:nextCondLst>
+            </p:seq>
+          </p:childTnLst>
+        </p:cTn>
+      </p:par>
+    </p:tnLst>
+    <p:bldLst>
+      <p:bldP spid="15" grpId="0" animBg="1"/>
+    </p:bldLst>
+  </p:timing>
 </p:sld>
 </file>
 
